--- a/小论文/architecture.pptx
+++ b/小论文/architecture.pptx
@@ -9,7 +9,10 @@
     <p:sldId id="257" r:id="rId4"/>
     <p:sldId id="259" r:id="rId5"/>
     <p:sldId id="260" r:id="rId6"/>
-    <p:sldId id="261" r:id="rId7"/>
+    <p:sldId id="263" r:id="rId7"/>
+    <p:sldId id="261" r:id="rId8"/>
+    <p:sldId id="264" r:id="rId9"/>
+    <p:sldId id="265" r:id="rId10"/>
   </p:sldIdLst>
   <p:sldSz cx="12192000" cy="6858000"/>
   <p:notesSz cx="6858000" cy="9144000"/>
@@ -111,12 +114,12 @@
   <p:extLst>
     <p:ext uri="{EFAFB233-063F-42B5-8137-9DF3F51BA10A}">
       <p15:sldGuideLst xmlns:p15="http://schemas.microsoft.com/office/powerpoint/2012/main">
-        <p15:guide id="1" orient="horz" pos="2164" userDrawn="1">
+        <p15:guide id="1" orient="horz" pos="2191" userDrawn="1">
           <p15:clr>
             <a:srgbClr val="A4A3A4"/>
           </p15:clr>
         </p15:guide>
-        <p15:guide id="2" pos="3848" userDrawn="1">
+        <p15:guide id="2" pos="3874" userDrawn="1">
           <p15:clr>
             <a:srgbClr val="A4A3A4"/>
           </p15:clr>
@@ -3612,15 +3615,14 @@
         <p:nvCxnSpPr>
           <p:cNvPr id="19" name="直接箭头连接符 18"/>
           <p:cNvCxnSpPr>
-            <a:stCxn id="10" idx="2"/>
             <a:endCxn id="15" idx="2"/>
           </p:cNvCxnSpPr>
           <p:nvPr/>
         </p:nvCxnSpPr>
         <p:spPr>
           <a:xfrm flipV="1">
-            <a:off x="4474845" y="1979930"/>
-            <a:ext cx="19685" cy="1172210"/>
+            <a:off x="4494530" y="1979930"/>
+            <a:ext cx="0" cy="1172210"/>
           </a:xfrm>
           <a:prstGeom prst="straightConnector1">
             <a:avLst/>
@@ -3651,15 +3653,14 @@
         <p:nvCxnSpPr>
           <p:cNvPr id="20" name="直接箭头连接符 19"/>
           <p:cNvCxnSpPr>
-            <a:stCxn id="11" idx="2"/>
             <a:endCxn id="16" idx="2"/>
           </p:cNvCxnSpPr>
           <p:nvPr/>
         </p:nvCxnSpPr>
         <p:spPr>
-          <a:xfrm flipV="1">
-            <a:off x="4879975" y="1979930"/>
-            <a:ext cx="13335" cy="1115695"/>
+          <a:xfrm flipH="1" flipV="1">
+            <a:off x="4893310" y="1979930"/>
+            <a:ext cx="2540" cy="1115060"/>
           </a:xfrm>
           <a:prstGeom prst="straightConnector1">
             <a:avLst/>
@@ -4135,7 +4136,7 @@
             <a:pPr algn="ctr"/>
             <a:r>
               <a:rPr lang="en-US" altLang="zh-CN"/>
-              <a:t>auxiliary model</a:t>
+              <a:t>Auxiliary module</a:t>
             </a:r>
             <a:endParaRPr lang="en-US" altLang="zh-CN"/>
           </a:p>
@@ -4907,7 +4908,7 @@
                       </a:pPr>
                       <a:r>
                         <a:rPr lang="en-US" altLang="zh-CN"/>
-                        <a:t>UNet</a:t>
+                        <a:t>SAM</a:t>
                       </a:r>
                       <a:endParaRPr lang="en-US" altLang="zh-CN"/>
                     </a:p>
@@ -4923,7 +4924,7 @@
                       </a:pPr>
                       <a:r>
                         <a:rPr lang="en-US" altLang="zh-CN"/>
-                        <a:t>0.5965</a:t>
+                        <a:t>0.3200</a:t>
                       </a:r>
                       <a:endParaRPr lang="en-US" altLang="zh-CN"/>
                     </a:p>
@@ -4939,7 +4940,7 @@
                       </a:pPr>
                       <a:r>
                         <a:rPr lang="en-US" altLang="zh-CN"/>
-                        <a:t>0.7133</a:t>
+                        <a:t>0.4291</a:t>
                       </a:r>
                       <a:endParaRPr lang="en-US" altLang="zh-CN"/>
                     </a:p>
@@ -4955,7 +4956,7 @@
                       </a:pPr>
                       <a:r>
                         <a:rPr lang="en-US" altLang="zh-CN"/>
-                        <a:t>0.7675</a:t>
+                        <a:t>0.3422</a:t>
                       </a:r>
                       <a:endParaRPr lang="en-US" altLang="zh-CN"/>
                     </a:p>
@@ -4975,7 +4976,7 @@
                         <a:rPr lang="en-US" altLang="zh-CN" sz="1800">
                           <a:sym typeface="+mn-ea"/>
                         </a:rPr>
-                        <a:t>TRFEPlus</a:t>
+                        <a:t>SAM+Unet</a:t>
                       </a:r>
                       <a:endParaRPr lang="en-US" altLang="zh-CN"/>
                     </a:p>
@@ -4991,7 +4992,7 @@
                       </a:pPr>
                       <a:r>
                         <a:rPr lang="en-US" altLang="zh-CN"/>
-                        <a:t>0.7163</a:t>
+                        <a:t>0.6151</a:t>
                       </a:r>
                       <a:endParaRPr lang="en-US" altLang="zh-CN"/>
                     </a:p>
@@ -5007,7 +5008,7 @@
                       </a:pPr>
                       <a:r>
                         <a:rPr lang="en-US" altLang="zh-CN"/>
-                        <a:t>0.8147</a:t>
+                        <a:t>0.7311</a:t>
                       </a:r>
                       <a:endParaRPr lang="en-US" altLang="zh-CN"/>
                     </a:p>
@@ -5023,7 +5024,7 @@
                       </a:pPr>
                       <a:r>
                         <a:rPr lang="en-US" altLang="zh-CN"/>
-                        <a:t>0.8121</a:t>
+                        <a:t>0.7500</a:t>
                       </a:r>
                       <a:endParaRPr lang="en-US" altLang="zh-CN"/>
                     </a:p>
@@ -5040,8 +5041,34 @@
                         <a:buNone/>
                       </a:pPr>
                       <a:r>
+                        <a:rPr lang="en-US" altLang="zh-CN" sz="1800">
+                          <a:sym typeface="+mn-ea"/>
+                        </a:rPr>
+                        <a:t>SAM+(TRFE+</a:t>
+                      </a:r>
+                      <a:r>
+                        <a:rPr lang="zh-CN" altLang="en-US" sz="1800">
+                          <a:sym typeface="+mn-ea"/>
+                        </a:rPr>
+                        <a:t>）</a:t>
+                      </a:r>
+                      <a:endParaRPr lang="zh-CN" altLang="en-US" sz="1800">
+                        <a:sym typeface="+mn-ea"/>
+                      </a:endParaRPr>
+                    </a:p>
+                  </a:txBody>
+                  <a:tcPr/>
+                </a:tc>
+                <a:tc>
+                  <a:txBody>
+                    <a:bodyPr/>
+                    <a:p>
+                      <a:pPr>
+                        <a:buNone/>
+                      </a:pPr>
+                      <a:r>
                         <a:rPr lang="en-US" altLang="zh-CN"/>
-                        <a:t>BPAT-UNet</a:t>
+                        <a:t>0.7495</a:t>
                       </a:r>
                       <a:endParaRPr lang="en-US" altLang="zh-CN"/>
                     </a:p>
@@ -5057,7 +5084,7 @@
                       </a:pPr>
                       <a:r>
                         <a:rPr lang="en-US" altLang="zh-CN"/>
-                        <a:t>0.7187</a:t>
+                        <a:t>0.8375</a:t>
                       </a:r>
                       <a:endParaRPr lang="en-US" altLang="zh-CN"/>
                     </a:p>
@@ -5073,23 +5100,7 @@
                       </a:pPr>
                       <a:r>
                         <a:rPr lang="en-US" altLang="zh-CN"/>
-                        <a:t>0.8164</a:t>
-                      </a:r>
-                      <a:endParaRPr lang="en-US" altLang="zh-CN"/>
-                    </a:p>
-                  </a:txBody>
-                  <a:tcPr/>
-                </a:tc>
-                <a:tc>
-                  <a:txBody>
-                    <a:bodyPr/>
-                    <a:p>
-                      <a:pPr>
-                        <a:buNone/>
-                      </a:pPr>
-                      <a:r>
-                        <a:rPr lang="en-US" altLang="zh-CN"/>
-                        <a:t>0.8294</a:t>
+                        <a:t>0.8388</a:t>
                       </a:r>
                       <a:endParaRPr lang="en-US" altLang="zh-CN"/>
                     </a:p>
@@ -5106,212 +5117,10 @@
                         <a:buNone/>
                       </a:pPr>
                       <a:r>
-                        <a:rPr lang="en-US" altLang="zh-CN"/>
-                        <a:t>SAM</a:t>
-                      </a:r>
-                      <a:endParaRPr lang="en-US" altLang="zh-CN"/>
-                    </a:p>
-                  </a:txBody>
-                  <a:tcPr/>
-                </a:tc>
-                <a:tc>
-                  <a:txBody>
-                    <a:bodyPr/>
-                    <a:p>
-                      <a:pPr>
-                        <a:buNone/>
-                      </a:pPr>
-                      <a:r>
-                        <a:rPr lang="en-US" altLang="zh-CN"/>
-                        <a:t>0.3200</a:t>
-                      </a:r>
-                      <a:endParaRPr lang="en-US" altLang="zh-CN"/>
-                    </a:p>
-                  </a:txBody>
-                  <a:tcPr/>
-                </a:tc>
-                <a:tc>
-                  <a:txBody>
-                    <a:bodyPr/>
-                    <a:p>
-                      <a:pPr>
-                        <a:buNone/>
-                      </a:pPr>
-                      <a:r>
-                        <a:rPr lang="en-US" altLang="zh-CN"/>
-                        <a:t>0.4291</a:t>
-                      </a:r>
-                      <a:endParaRPr lang="en-US" altLang="zh-CN"/>
-                    </a:p>
-                  </a:txBody>
-                  <a:tcPr/>
-                </a:tc>
-                <a:tc>
-                  <a:txBody>
-                    <a:bodyPr/>
-                    <a:p>
-                      <a:pPr>
-                        <a:buNone/>
-                      </a:pPr>
-                      <a:r>
-                        <a:rPr lang="en-US" altLang="zh-CN"/>
-                        <a:t>0.3422</a:t>
-                      </a:r>
-                      <a:endParaRPr lang="en-US" altLang="zh-CN"/>
-                    </a:p>
-                  </a:txBody>
-                  <a:tcPr/>
-                </a:tc>
-              </a:tr>
-              <a:tr h="381000">
-                <a:tc>
-                  <a:txBody>
-                    <a:bodyPr/>
-                    <a:p>
-                      <a:pPr>
-                        <a:buNone/>
-                      </a:pPr>
-                      <a:r>
                         <a:rPr lang="en-US" altLang="zh-CN" sz="1800">
                           <a:sym typeface="+mn-ea"/>
                         </a:rPr>
-                        <a:t>SAM+UNet</a:t>
-                      </a:r>
-                      <a:endParaRPr lang="en-US" altLang="zh-CN"/>
-                    </a:p>
-                  </a:txBody>
-                  <a:tcPr/>
-                </a:tc>
-                <a:tc>
-                  <a:txBody>
-                    <a:bodyPr/>
-                    <a:p>
-                      <a:pPr>
-                        <a:buNone/>
-                      </a:pPr>
-                      <a:r>
-                        <a:rPr lang="en-US" altLang="zh-CN"/>
-                        <a:t>0.6151</a:t>
-                      </a:r>
-                      <a:endParaRPr lang="en-US" altLang="zh-CN"/>
-                    </a:p>
-                  </a:txBody>
-                  <a:tcPr/>
-                </a:tc>
-                <a:tc>
-                  <a:txBody>
-                    <a:bodyPr/>
-                    <a:p>
-                      <a:pPr>
-                        <a:buNone/>
-                      </a:pPr>
-                      <a:r>
-                        <a:rPr lang="en-US" altLang="zh-CN"/>
-                        <a:t>0.7311</a:t>
-                      </a:r>
-                      <a:endParaRPr lang="en-US" altLang="zh-CN"/>
-                    </a:p>
-                  </a:txBody>
-                  <a:tcPr/>
-                </a:tc>
-                <a:tc>
-                  <a:txBody>
-                    <a:bodyPr/>
-                    <a:p>
-                      <a:pPr>
-                        <a:buNone/>
-                      </a:pPr>
-                      <a:r>
-                        <a:rPr lang="en-US" altLang="zh-CN"/>
-                        <a:t>0.7500</a:t>
-                      </a:r>
-                      <a:endParaRPr lang="en-US" altLang="zh-CN"/>
-                    </a:p>
-                  </a:txBody>
-                  <a:tcPr/>
-                </a:tc>
-              </a:tr>
-              <a:tr h="381000">
-                <a:tc>
-                  <a:txBody>
-                    <a:bodyPr/>
-                    <a:p>
-                      <a:pPr>
-                        <a:buNone/>
-                      </a:pPr>
-                      <a:r>
-                        <a:rPr lang="en-US" altLang="zh-CN" sz="1800">
-                          <a:sym typeface="+mn-ea"/>
-                        </a:rPr>
-                        <a:t>SAM+TRFEPlus</a:t>
-                      </a:r>
-                      <a:endParaRPr lang="en-US" altLang="zh-CN"/>
-                    </a:p>
-                  </a:txBody>
-                  <a:tcPr/>
-                </a:tc>
-                <a:tc>
-                  <a:txBody>
-                    <a:bodyPr/>
-                    <a:p>
-                      <a:pPr>
-                        <a:buNone/>
-                      </a:pPr>
-                      <a:r>
-                        <a:rPr lang="en-US" altLang="zh-CN"/>
-                        <a:t>0.7495</a:t>
-                      </a:r>
-                      <a:endParaRPr lang="en-US" altLang="zh-CN"/>
-                    </a:p>
-                  </a:txBody>
-                  <a:tcPr/>
-                </a:tc>
-                <a:tc>
-                  <a:txBody>
-                    <a:bodyPr/>
-                    <a:p>
-                      <a:pPr>
-                        <a:buNone/>
-                      </a:pPr>
-                      <a:r>
-                        <a:rPr lang="en-US" altLang="zh-CN"/>
-                        <a:t>0.8375</a:t>
-                      </a:r>
-                      <a:endParaRPr lang="en-US" altLang="zh-CN"/>
-                    </a:p>
-                  </a:txBody>
-                  <a:tcPr/>
-                </a:tc>
-                <a:tc>
-                  <a:txBody>
-                    <a:bodyPr/>
-                    <a:p>
-                      <a:pPr>
-                        <a:buNone/>
-                      </a:pPr>
-                      <a:r>
-                        <a:rPr lang="en-US" altLang="zh-CN"/>
-                        <a:t>0.8388</a:t>
-                      </a:r>
-                      <a:endParaRPr lang="en-US" altLang="zh-CN"/>
-                    </a:p>
-                  </a:txBody>
-                  <a:tcPr/>
-                </a:tc>
-              </a:tr>
-              <a:tr h="381000">
-                <a:tc>
-                  <a:txBody>
-                    <a:bodyPr/>
-                    <a:p>
-                      <a:pPr>
-                        <a:buNone/>
-                      </a:pPr>
-                      <a:r>
-                        <a:rPr lang="en-US" altLang="zh-CN" sz="1800">
-                          <a:sym typeface="+mn-ea"/>
-                        </a:rPr>
-                        <a:t>SAM+BPAT-UNet</a:t>
+                        <a:t>SAM+(BPAT-UNet)</a:t>
                       </a:r>
                       <a:endParaRPr lang="en-US" altLang="zh-CN"/>
                     </a:p>
@@ -5443,8 +5252,8 @@
               </a:tblPr>
               <a:tblGrid>
                 <a:gridCol w="1536065"/>
-                <a:gridCol w="1801495"/>
-                <a:gridCol w="1409700"/>
+                <a:gridCol w="1912620"/>
+                <a:gridCol w="1298575"/>
                 <a:gridCol w="1007110"/>
                 <a:gridCol w="974090"/>
                 <a:gridCol w="1222375"/>
@@ -5618,7 +5427,7 @@
                         <a:rPr lang="en-US" altLang="zh-CN" sz="1800">
                           <a:sym typeface="+mn-ea"/>
                         </a:rPr>
-                        <a:t>auxiliary model</a:t>
+                        <a:t>auxiliary module</a:t>
                       </a:r>
                       <a:endParaRPr lang="en-US" altLang="zh-CN">
                         <a:solidFill>
@@ -5692,7 +5501,7 @@
                       </a:pPr>
                       <a:r>
                         <a:rPr lang="en-US" altLang="zh-CN"/>
-                        <a:t>BPAT-UNet</a:t>
+                        <a:t>SAM</a:t>
                       </a:r>
                       <a:endParaRPr lang="en-US" altLang="zh-CN"/>
                     </a:p>
@@ -5732,7 +5541,7 @@
                       </a:pPr>
                       <a:r>
                         <a:rPr lang="en-US" altLang="zh-CN"/>
-                        <a:t>0.7187</a:t>
+                        <a:t>0.3200</a:t>
                       </a:r>
                       <a:endParaRPr lang="en-US" altLang="zh-CN"/>
                     </a:p>
@@ -5748,7 +5557,7 @@
                       </a:pPr>
                       <a:r>
                         <a:rPr lang="en-US" altLang="zh-CN"/>
-                        <a:t>0.8164</a:t>
+                        <a:t>0.4291</a:t>
                       </a:r>
                       <a:endParaRPr lang="en-US" altLang="zh-CN"/>
                     </a:p>
@@ -5764,7 +5573,7 @@
                       </a:pPr>
                       <a:r>
                         <a:rPr lang="en-US" altLang="zh-CN"/>
-                        <a:t>0.8294</a:t>
+                        <a:t>0.3422</a:t>
                       </a:r>
                       <a:endParaRPr lang="en-US" altLang="zh-CN"/>
                     </a:p>
@@ -5782,7 +5591,7 @@
                       </a:pPr>
                       <a:r>
                         <a:rPr lang="en-US" altLang="zh-CN"/>
-                        <a:t>SAM</a:t>
+                        <a:t>MaskSAM</a:t>
                       </a:r>
                       <a:endParaRPr lang="en-US" altLang="zh-CN"/>
                     </a:p>
@@ -5822,7 +5631,7 @@
                       </a:pPr>
                       <a:r>
                         <a:rPr lang="en-US" altLang="zh-CN"/>
-                        <a:t>0.3200</a:t>
+                        <a:t>0.5206</a:t>
                       </a:r>
                       <a:endParaRPr lang="en-US" altLang="zh-CN"/>
                     </a:p>
@@ -5838,7 +5647,7 @@
                       </a:pPr>
                       <a:r>
                         <a:rPr lang="en-US" altLang="zh-CN"/>
-                        <a:t>0.4291</a:t>
+                        <a:t>0.6434</a:t>
                       </a:r>
                       <a:endParaRPr lang="en-US" altLang="zh-CN"/>
                     </a:p>
@@ -5854,7 +5663,7 @@
                       </a:pPr>
                       <a:r>
                         <a:rPr lang="en-US" altLang="zh-CN"/>
-                        <a:t>0.3422</a:t>
+                        <a:t>0.5603</a:t>
                       </a:r>
                       <a:endParaRPr lang="en-US" altLang="zh-CN"/>
                     </a:p>
@@ -5871,8 +5680,54 @@
                         <a:buNone/>
                       </a:pPr>
                       <a:r>
+                        <a:rPr lang="en-US" altLang="zh-CN" sz="1800">
+                          <a:sym typeface="+mn-ea"/>
+                        </a:rPr>
+                        <a:t>MaskSAM</a:t>
+                      </a:r>
+                      <a:endParaRPr lang="en-US" altLang="zh-CN"/>
+                    </a:p>
+                  </a:txBody>
+                  <a:tcPr/>
+                </a:tc>
+                <a:tc>
+                  <a:txBody>
+                    <a:bodyPr/>
+                    <a:p>
+                      <a:pPr algn="ctr">
+                        <a:buNone/>
+                      </a:pPr>
+                      <a:r>
+                        <a:rPr lang="en-US" altLang="en-US"/>
+                        <a:t>✓</a:t>
+                      </a:r>
+                      <a:endParaRPr lang="en-US" altLang="en-US"/>
+                    </a:p>
+                  </a:txBody>
+                  <a:tcPr/>
+                </a:tc>
+                <a:tc>
+                  <a:txBody>
+                    <a:bodyPr/>
+                    <a:p>
+                      <a:pPr>
+                        <a:buNone/>
+                      </a:pPr>
+                      <a:endParaRPr lang="zh-CN" altLang="en-US"/>
+                    </a:p>
+                  </a:txBody>
+                  <a:tcPr/>
+                </a:tc>
+                <a:tc>
+                  <a:txBody>
+                    <a:bodyPr/>
+                    <a:p>
+                      <a:pPr>
+                        <a:buNone/>
+                      </a:pPr>
+                      <a:r>
                         <a:rPr lang="en-US" altLang="zh-CN"/>
-                        <a:t>MASK-SAM</a:t>
+                        <a:t>0.7014</a:t>
                       </a:r>
                       <a:endParaRPr lang="en-US" altLang="zh-CN"/>
                     </a:p>
@@ -5886,33 +5741,9 @@
                       <a:pPr>
                         <a:buNone/>
                       </a:pPr>
-                      <a:endParaRPr lang="zh-CN" altLang="en-US"/>
-                    </a:p>
-                  </a:txBody>
-                  <a:tcPr/>
-                </a:tc>
-                <a:tc>
-                  <a:txBody>
-                    <a:bodyPr/>
-                    <a:p>
-                      <a:pPr>
-                        <a:buNone/>
-                      </a:pPr>
-                      <a:endParaRPr lang="zh-CN" altLang="en-US"/>
-                    </a:p>
-                  </a:txBody>
-                  <a:tcPr/>
-                </a:tc>
-                <a:tc>
-                  <a:txBody>
-                    <a:bodyPr/>
-                    <a:p>
-                      <a:pPr>
-                        <a:buNone/>
-                      </a:pPr>
                       <a:r>
                         <a:rPr lang="en-US" altLang="zh-CN"/>
-                        <a:t>0.5206</a:t>
+                        <a:t>0.8030</a:t>
                       </a:r>
                       <a:endParaRPr lang="en-US" altLang="zh-CN"/>
                     </a:p>
@@ -5928,23 +5759,7 @@
                       </a:pPr>
                       <a:r>
                         <a:rPr lang="en-US" altLang="zh-CN"/>
-                        <a:t>0.6434</a:t>
-                      </a:r>
-                      <a:endParaRPr lang="en-US" altLang="zh-CN"/>
-                    </a:p>
-                  </a:txBody>
-                  <a:tcPr/>
-                </a:tc>
-                <a:tc>
-                  <a:txBody>
-                    <a:bodyPr/>
-                    <a:p>
-                      <a:pPr>
-                        <a:buNone/>
-                      </a:pPr>
-                      <a:r>
-                        <a:rPr lang="en-US" altLang="zh-CN"/>
-                        <a:t>0.5603</a:t>
+                        <a:t>0.7628</a:t>
                       </a:r>
                       <a:endParaRPr lang="en-US" altLang="zh-CN"/>
                     </a:p>
@@ -5964,7 +5779,7 @@
                         <a:rPr lang="en-US" altLang="zh-CN" sz="1800">
                           <a:sym typeface="+mn-ea"/>
                         </a:rPr>
-                        <a:t>MASK-SAM</a:t>
+                        <a:t>MaskSAM</a:t>
                       </a:r>
                       <a:endParaRPr lang="en-US" altLang="zh-CN"/>
                     </a:p>
@@ -5975,7 +5790,7 @@
                   <a:txBody>
                     <a:bodyPr/>
                     <a:p>
-                      <a:pPr>
+                      <a:pPr algn="ctr">
                         <a:buNone/>
                       </a:pPr>
                       <a:r>
@@ -5991,103 +5806,7 @@
                   <a:txBody>
                     <a:bodyPr/>
                     <a:p>
-                      <a:pPr>
-                        <a:buNone/>
-                      </a:pPr>
-                      <a:endParaRPr lang="zh-CN" altLang="en-US"/>
-                    </a:p>
-                  </a:txBody>
-                  <a:tcPr/>
-                </a:tc>
-                <a:tc>
-                  <a:txBody>
-                    <a:bodyPr/>
-                    <a:p>
-                      <a:pPr>
-                        <a:buNone/>
-                      </a:pPr>
-                      <a:r>
-                        <a:rPr lang="en-US" altLang="zh-CN"/>
-                        <a:t>0.7014</a:t>
-                      </a:r>
-                      <a:endParaRPr lang="en-US" altLang="zh-CN"/>
-                    </a:p>
-                  </a:txBody>
-                  <a:tcPr/>
-                </a:tc>
-                <a:tc>
-                  <a:txBody>
-                    <a:bodyPr/>
-                    <a:p>
-                      <a:pPr>
-                        <a:buNone/>
-                      </a:pPr>
-                      <a:r>
-                        <a:rPr lang="en-US" altLang="zh-CN"/>
-                        <a:t>0.8030</a:t>
-                      </a:r>
-                      <a:endParaRPr lang="en-US" altLang="zh-CN"/>
-                    </a:p>
-                  </a:txBody>
-                  <a:tcPr/>
-                </a:tc>
-                <a:tc>
-                  <a:txBody>
-                    <a:bodyPr/>
-                    <a:p>
-                      <a:pPr>
-                        <a:buNone/>
-                      </a:pPr>
-                      <a:r>
-                        <a:rPr lang="en-US" altLang="zh-CN"/>
-                        <a:t>0.7628</a:t>
-                      </a:r>
-                      <a:endParaRPr lang="en-US" altLang="zh-CN"/>
-                    </a:p>
-                  </a:txBody>
-                  <a:tcPr/>
-                </a:tc>
-              </a:tr>
-              <a:tr h="377190">
-                <a:tc>
-                  <a:txBody>
-                    <a:bodyPr/>
-                    <a:p>
-                      <a:pPr>
-                        <a:buNone/>
-                      </a:pPr>
-                      <a:r>
-                        <a:rPr lang="en-US" altLang="zh-CN" sz="1800">
-                          <a:sym typeface="+mn-ea"/>
-                        </a:rPr>
-                        <a:t>MASK-SAM</a:t>
-                      </a:r>
-                      <a:endParaRPr lang="en-US" altLang="zh-CN"/>
-                    </a:p>
-                  </a:txBody>
-                  <a:tcPr/>
-                </a:tc>
-                <a:tc>
-                  <a:txBody>
-                    <a:bodyPr/>
-                    <a:p>
-                      <a:pPr>
-                        <a:buNone/>
-                      </a:pPr>
-                      <a:r>
-                        <a:rPr lang="en-US" altLang="en-US"/>
-                        <a:t>✓</a:t>
-                      </a:r>
-                      <a:endParaRPr lang="en-US" altLang="en-US"/>
-                    </a:p>
-                  </a:txBody>
-                  <a:tcPr/>
-                </a:tc>
-                <a:tc>
-                  <a:txBody>
-                    <a:bodyPr/>
-                    <a:p>
-                      <a:pPr>
+                      <a:pPr algn="ctr">
                         <a:buNone/>
                       </a:pPr>
                       <a:r>
@@ -6206,11 +5925,15 @@
         <p:nvGraphicFramePr>
           <p:cNvPr id="4" name="表格 3"/>
           <p:cNvGraphicFramePr/>
-          <p:nvPr/>
+          <p:nvPr>
+            <p:custDataLst>
+              <p:tags r:id="rId1"/>
+            </p:custDataLst>
+          </p:nvPr>
         </p:nvGraphicFramePr>
         <p:xfrm>
-          <a:off x="848360" y="2641600"/>
-          <a:ext cx="9787255" cy="3429000"/>
+          <a:off x="1743710" y="2496185"/>
+          <a:ext cx="6257925" cy="5760720"/>
         </p:xfrm>
         <a:graphic>
           <a:graphicData uri="http://schemas.openxmlformats.org/drawingml/2006/table">
@@ -6219,1280 +5942,1495 @@
                 <a:tableStyleId>{5C22544A-7EE6-4342-B048-85BDC9FD1C3A}</a:tableStyleId>
               </a:tblPr>
               <a:tblGrid>
-                <a:gridCol w="1649095"/>
-                <a:gridCol w="1220470"/>
-                <a:gridCol w="1251585"/>
-                <a:gridCol w="1339850"/>
-                <a:gridCol w="957580"/>
-                <a:gridCol w="998855"/>
-                <a:gridCol w="1116330"/>
-                <a:gridCol w="1253490"/>
+                <a:gridCol w="973455"/>
+                <a:gridCol w="884555"/>
+                <a:gridCol w="979805"/>
+                <a:gridCol w="861695"/>
+                <a:gridCol w="777875"/>
+                <a:gridCol w="918210"/>
+                <a:gridCol w="862330"/>
               </a:tblGrid>
-              <a:tr h="381000">
-                <a:tc>
-                  <a:txBody>
-                    <a:bodyPr/>
-                    <a:p>
-                      <a:pPr>
-                        <a:buNone/>
-                      </a:pPr>
-                      <a:r>
-                        <a:rPr lang="en-US" altLang="zh-CN"/>
-                        <a:t>TN3K testset</a:t>
-                      </a:r>
-                      <a:endParaRPr lang="en-US" altLang="zh-CN"/>
-                    </a:p>
-                  </a:txBody>
-                  <a:tcPr/>
-                </a:tc>
-                <a:tc>
-                  <a:txBody>
-                    <a:bodyPr/>
-                    <a:p>
-                      <a:pPr>
-                        <a:buNone/>
-                      </a:pPr>
-                      <a:r>
-                        <a:rPr lang="en-US" altLang="zh-CN"/>
+              <a:tr h="640080">
+                <a:tc>
+                  <a:txBody>
+                    <a:bodyPr/>
+                    <a:p>
+                      <a:pPr>
+                        <a:buNone/>
+                      </a:pPr>
+                      <a:r>
+                        <a:rPr lang="zh-CN" altLang="en-US" sz="800">
+                          <a:latin typeface="Times New Roman" panose="02020603050405020304" charset="0"/>
+                          <a:cs typeface="Times New Roman" panose="02020603050405020304" charset="0"/>
+                        </a:rPr>
+                        <a:t>模型</a:t>
+                      </a:r>
+                      <a:endParaRPr lang="zh-CN" altLang="en-US" sz="800">
+                        <a:latin typeface="Times New Roman" panose="02020603050405020304" charset="0"/>
+                        <a:cs typeface="Times New Roman" panose="02020603050405020304" charset="0"/>
+                      </a:endParaRPr>
+                    </a:p>
+                  </a:txBody>
+                  <a:tcPr/>
+                </a:tc>
+                <a:tc>
+                  <a:txBody>
+                    <a:bodyPr/>
+                    <a:p>
+                      <a:pPr>
+                        <a:buNone/>
+                      </a:pPr>
+                      <a:r>
+                        <a:rPr lang="en-US" altLang="zh-CN" sz="800">
+                          <a:latin typeface="Times New Roman" panose="02020603050405020304" charset="0"/>
+                          <a:cs typeface="Times New Roman" panose="02020603050405020304" charset="0"/>
+                        </a:rPr>
                         <a:t>Recall </a:t>
                       </a:r>
-                      <a:endParaRPr lang="en-US" altLang="zh-CN"/>
-                    </a:p>
-                  </a:txBody>
-                  <a:tcPr/>
-                </a:tc>
-                <a:tc>
-                  <a:txBody>
-                    <a:bodyPr/>
-                    <a:p>
-                      <a:pPr>
-                        <a:buNone/>
-                      </a:pPr>
-                      <a:r>
-                        <a:rPr lang="en-US" altLang="zh-CN"/>
-                        <a:t>F1-score</a:t>
-                      </a:r>
-                      <a:endParaRPr lang="en-US" altLang="zh-CN"/>
-                    </a:p>
-                  </a:txBody>
-                  <a:tcPr/>
-                </a:tc>
-                <a:tc>
-                  <a:txBody>
-                    <a:bodyPr/>
-                    <a:p>
-                      <a:pPr>
-                        <a:buNone/>
-                      </a:pPr>
-                      <a:r>
-                        <a:rPr lang="en-US" altLang="zh-CN"/>
+                      <a:endParaRPr lang="en-US" altLang="zh-CN" sz="800">
+                        <a:latin typeface="Times New Roman" panose="02020603050405020304" charset="0"/>
+                        <a:cs typeface="Times New Roman" panose="02020603050405020304" charset="0"/>
+                      </a:endParaRPr>
+                    </a:p>
+                  </a:txBody>
+                  <a:tcPr/>
+                </a:tc>
+                <a:tc>
+                  <a:txBody>
+                    <a:bodyPr/>
+                    <a:p>
+                      <a:pPr>
+                        <a:buNone/>
+                      </a:pPr>
+                      <a:r>
+                        <a:rPr lang="en-US" altLang="zh-CN" sz="800">
+                          <a:latin typeface="Times New Roman" panose="02020603050405020304" charset="0"/>
+                          <a:cs typeface="Times New Roman" panose="02020603050405020304" charset="0"/>
+                        </a:rPr>
                         <a:t>Accuracy</a:t>
                       </a:r>
-                      <a:endParaRPr lang="en-US" altLang="zh-CN"/>
-                    </a:p>
-                  </a:txBody>
-                  <a:tcPr/>
-                </a:tc>
-                <a:tc>
-                  <a:txBody>
-                    <a:bodyPr/>
-                    <a:p>
-                      <a:pPr>
-                        <a:buNone/>
-                      </a:pPr>
-                      <a:r>
-                        <a:rPr lang="en-US" altLang="zh-CN"/>
+                      <a:endParaRPr lang="en-US" altLang="zh-CN" sz="800">
+                        <a:latin typeface="Times New Roman" panose="02020603050405020304" charset="0"/>
+                        <a:cs typeface="Times New Roman" panose="02020603050405020304" charset="0"/>
+                      </a:endParaRPr>
+                    </a:p>
+                  </a:txBody>
+                  <a:tcPr/>
+                </a:tc>
+                <a:tc>
+                  <a:txBody>
+                    <a:bodyPr/>
+                    <a:p>
+                      <a:pPr>
+                        <a:buNone/>
+                      </a:pPr>
+                      <a:r>
+                        <a:rPr lang="en-US" altLang="zh-CN" sz="800">
+                          <a:latin typeface="Times New Roman" panose="02020603050405020304" charset="0"/>
+                          <a:cs typeface="Times New Roman" panose="02020603050405020304" charset="0"/>
+                        </a:rPr>
                         <a:t>IoU</a:t>
                       </a:r>
-                      <a:endParaRPr lang="en-US" altLang="zh-CN"/>
-                    </a:p>
-                  </a:txBody>
-                  <a:tcPr/>
-                </a:tc>
-                <a:tc>
-                  <a:txBody>
-                    <a:bodyPr/>
-                    <a:p>
-                      <a:pPr>
-                        <a:buNone/>
-                      </a:pPr>
-                      <a:r>
-                        <a:rPr lang="en-US" altLang="zh-CN"/>
+                      <a:endParaRPr lang="en-US" altLang="zh-CN" sz="800">
+                        <a:latin typeface="Times New Roman" panose="02020603050405020304" charset="0"/>
+                        <a:cs typeface="Times New Roman" panose="02020603050405020304" charset="0"/>
+                      </a:endParaRPr>
+                    </a:p>
+                  </a:txBody>
+                  <a:tcPr/>
+                </a:tc>
+                <a:tc>
+                  <a:txBody>
+                    <a:bodyPr/>
+                    <a:p>
+                      <a:pPr>
+                        <a:buNone/>
+                      </a:pPr>
+                      <a:r>
+                        <a:rPr lang="en-US" altLang="zh-CN" sz="800">
+                          <a:latin typeface="Times New Roman" panose="02020603050405020304" charset="0"/>
+                          <a:cs typeface="Times New Roman" panose="02020603050405020304" charset="0"/>
+                        </a:rPr>
                         <a:t>Dice</a:t>
                       </a:r>
-                      <a:endParaRPr lang="en-US" altLang="zh-CN"/>
-                    </a:p>
-                  </a:txBody>
-                  <a:tcPr/>
-                </a:tc>
-                <a:tc>
-                  <a:txBody>
-                    <a:bodyPr/>
-                    <a:p>
-                      <a:pPr>
-                        <a:buNone/>
-                      </a:pPr>
-                      <a:r>
-                        <a:rPr lang="en-US" altLang="zh-CN"/>
+                      <a:endParaRPr lang="en-US" altLang="zh-CN" sz="800">
+                        <a:latin typeface="Times New Roman" panose="02020603050405020304" charset="0"/>
+                        <a:cs typeface="Times New Roman" panose="02020603050405020304" charset="0"/>
+                      </a:endParaRPr>
+                    </a:p>
+                  </a:txBody>
+                  <a:tcPr/>
+                </a:tc>
+                <a:tc>
+                  <a:txBody>
+                    <a:bodyPr/>
+                    <a:p>
+                      <a:pPr>
+                        <a:buNone/>
+                      </a:pPr>
+                      <a:r>
+                        <a:rPr lang="en-US" altLang="zh-CN" sz="800">
+                          <a:latin typeface="Times New Roman" panose="02020603050405020304" charset="0"/>
+                          <a:cs typeface="Times New Roman" panose="02020603050405020304" charset="0"/>
+                        </a:rPr>
                         <a:t>HD95</a:t>
                       </a:r>
-                      <a:endParaRPr lang="en-US" altLang="zh-CN"/>
-                    </a:p>
-                  </a:txBody>
-                  <a:tcPr/>
-                </a:tc>
-                <a:tc>
-                  <a:txBody>
-                    <a:bodyPr/>
-                    <a:p>
-                      <a:pPr>
-                        <a:buNone/>
-                      </a:pPr>
-                      <a:r>
-                        <a:rPr lang="en-US" altLang="zh-CN" sz="1800">
+                      <a:endParaRPr lang="en-US" altLang="zh-CN" sz="800">
+                        <a:latin typeface="Times New Roman" panose="02020603050405020304" charset="0"/>
+                        <a:cs typeface="Times New Roman" panose="02020603050405020304" charset="0"/>
+                      </a:endParaRPr>
+                    </a:p>
+                  </a:txBody>
+                  <a:tcPr/>
+                </a:tc>
+                <a:tc>
+                  <a:txBody>
+                    <a:bodyPr/>
+                    <a:p>
+                      <a:pPr>
+                        <a:buNone/>
+                      </a:pPr>
+                      <a:r>
+                        <a:rPr lang="en-US" altLang="zh-CN" sz="800">
+                          <a:latin typeface="Times New Roman" panose="02020603050405020304" charset="0"/>
+                          <a:cs typeface="Times New Roman" panose="02020603050405020304" charset="0"/>
                           <a:sym typeface="+mn-ea"/>
                         </a:rPr>
-                        <a:t>precision</a:t>
-                      </a:r>
-                      <a:endParaRPr lang="en-US" altLang="zh-CN"/>
-                    </a:p>
-                  </a:txBody>
-                  <a:tcPr/>
-                </a:tc>
-              </a:tr>
-              <a:tr h="381000">
-                <a:tc>
-                  <a:txBody>
-                    <a:bodyPr/>
-                    <a:p>
-                      <a:pPr>
-                        <a:buNone/>
-                      </a:pPr>
-                      <a:r>
-                        <a:rPr lang="en-US" altLang="zh-CN"/>
-                        <a:t>UNet</a:t>
-                      </a:r>
-                      <a:endParaRPr lang="en-US" altLang="zh-CN"/>
-                    </a:p>
-                  </a:txBody>
-                  <a:tcPr/>
-                </a:tc>
-                <a:tc>
-                  <a:txBody>
-                    <a:bodyPr/>
-                    <a:p>
-                      <a:pPr>
-                        <a:buNone/>
-                      </a:pPr>
-                      <a:r>
-                        <a:rPr lang="en-US" altLang="zh-CN"/>
-                        <a:t>0.8007</a:t>
-                      </a:r>
-                      <a:endParaRPr lang="en-US" altLang="zh-CN"/>
-                    </a:p>
-                  </a:txBody>
-                  <a:tcPr/>
-                </a:tc>
-                <a:tc>
-                  <a:txBody>
-                    <a:bodyPr/>
-                    <a:p>
-                      <a:pPr>
-                        <a:buNone/>
-                      </a:pPr>
-                      <a:r>
-                        <a:rPr lang="en-US" altLang="zh-CN" sz="1800">
-                          <a:sym typeface="+mn-ea"/>
-                        </a:rPr>
-                        <a:t>0.7379</a:t>
-                      </a:r>
-                      <a:endParaRPr lang="zh-CN" altLang="en-US"/>
-                    </a:p>
-                  </a:txBody>
-                  <a:tcPr/>
-                </a:tc>
-                <a:tc>
-                  <a:txBody>
-                    <a:bodyPr/>
-                    <a:p>
-                      <a:pPr>
-                        <a:buNone/>
-                      </a:pPr>
-                      <a:r>
-                        <a:rPr lang="en-US" altLang="zh-CN" sz="1800">
-                          <a:sym typeface="+mn-ea"/>
-                        </a:rPr>
-                        <a:t>0.9617</a:t>
-                      </a:r>
-                      <a:endParaRPr lang="zh-CN" altLang="en-US"/>
-                    </a:p>
-                  </a:txBody>
-                  <a:tcPr/>
-                </a:tc>
-                <a:tc>
-                  <a:txBody>
-                    <a:bodyPr/>
-                    <a:p>
-                      <a:pPr>
-                        <a:buNone/>
-                      </a:pPr>
-                      <a:r>
-                        <a:rPr lang="en-US" altLang="zh-CN" sz="1800">
-                          <a:sym typeface="+mn-ea"/>
-                        </a:rPr>
-                        <a:t>0.6292</a:t>
-                      </a:r>
-                      <a:endParaRPr lang="zh-CN" altLang="en-US"/>
-                    </a:p>
-                  </a:txBody>
-                  <a:tcPr/>
-                </a:tc>
-                <a:tc>
-                  <a:txBody>
-                    <a:bodyPr/>
-                    <a:p>
-                      <a:pPr>
-                        <a:buNone/>
-                      </a:pPr>
-                      <a:r>
-                        <a:rPr lang="en-US" altLang="zh-CN" sz="1800">
-                          <a:sym typeface="+mn-ea"/>
-                        </a:rPr>
-                        <a:t>0.7379</a:t>
-                      </a:r>
-                      <a:endParaRPr lang="zh-CN" altLang="en-US"/>
-                    </a:p>
-                  </a:txBody>
-                  <a:tcPr/>
-                </a:tc>
-                <a:tc>
-                  <a:txBody>
-                    <a:bodyPr/>
-                    <a:p>
-                      <a:pPr>
-                        <a:buNone/>
-                      </a:pPr>
-                      <a:r>
-                        <a:rPr lang="en-US" altLang="zh-CN" sz="1800">
-                          <a:sym typeface="+mn-ea"/>
-                        </a:rPr>
-                        <a:t>20.5526</a:t>
-                      </a:r>
-                      <a:endParaRPr lang="zh-CN" altLang="en-US"/>
-                    </a:p>
-                  </a:txBody>
-                  <a:tcPr/>
-                </a:tc>
-                <a:tc>
-                  <a:txBody>
-                    <a:bodyPr/>
-                    <a:p>
-                      <a:pPr>
-                        <a:buNone/>
-                      </a:pPr>
-                      <a:r>
-                        <a:rPr lang="en-US" altLang="zh-CN" sz="1800">
-                          <a:sym typeface="+mn-ea"/>
-                        </a:rPr>
-                        <a:t>0.7652</a:t>
-                      </a:r>
-                      <a:endParaRPr lang="zh-CN" altLang="en-US"/>
-                    </a:p>
-                  </a:txBody>
-                  <a:tcPr/>
-                </a:tc>
-              </a:tr>
-              <a:tr h="381000">
-                <a:tc>
-                  <a:txBody>
-                    <a:bodyPr/>
-                    <a:p>
-                      <a:pPr>
-                        <a:buNone/>
-                      </a:pPr>
-                      <a:r>
-                        <a:rPr lang="en-US" altLang="zh-CN"/>
-                        <a:t>TRFE</a:t>
-                      </a:r>
-                      <a:endParaRPr lang="en-US" altLang="zh-CN"/>
-                    </a:p>
-                  </a:txBody>
-                  <a:tcPr/>
-                </a:tc>
-                <a:tc>
-                  <a:txBody>
-                    <a:bodyPr/>
-                    <a:p>
-                      <a:pPr>
-                        <a:buNone/>
-                      </a:pPr>
-                      <a:r>
-                        <a:rPr lang="en-US" altLang="zh-CN"/>
-                        <a:t>0.8182</a:t>
-                      </a:r>
-                      <a:endParaRPr lang="en-US" altLang="zh-CN"/>
-                    </a:p>
-                  </a:txBody>
-                  <a:tcPr/>
-                </a:tc>
-                <a:tc>
-                  <a:txBody>
-                    <a:bodyPr/>
-                    <a:p>
-                      <a:pPr>
-                        <a:buNone/>
-                      </a:pPr>
-                      <a:r>
-                        <a:rPr lang="en-US" altLang="zh-CN" sz="1800">
-                          <a:sym typeface="+mn-ea"/>
-                        </a:rPr>
-                        <a:t>0.7817</a:t>
-                      </a:r>
-                      <a:endParaRPr lang="en-US" altLang="en-US"/>
-                    </a:p>
-                  </a:txBody>
-                  <a:tcPr/>
-                </a:tc>
-                <a:tc>
-                  <a:txBody>
-                    <a:bodyPr/>
-                    <a:p>
-                      <a:pPr>
-                        <a:buNone/>
-                      </a:pPr>
-                      <a:r>
-                        <a:rPr lang="en-US" altLang="zh-CN" sz="1800">
-                          <a:sym typeface="+mn-ea"/>
-                        </a:rPr>
-                        <a:t>0.9691</a:t>
-                      </a:r>
-                      <a:endParaRPr lang="zh-CN" altLang="en-US"/>
-                    </a:p>
-                  </a:txBody>
-                  <a:tcPr/>
-                </a:tc>
-                <a:tc>
-                  <a:txBody>
-                    <a:bodyPr/>
-                    <a:p>
-                      <a:pPr>
-                        <a:buNone/>
-                      </a:pPr>
-                      <a:r>
-                        <a:rPr lang="en-US" altLang="zh-CN" sz="1800">
-                          <a:sym typeface="+mn-ea"/>
-                        </a:rPr>
-                        <a:t>0.6850</a:t>
-                      </a:r>
-                      <a:endParaRPr lang="zh-CN" altLang="en-US"/>
-                    </a:p>
-                  </a:txBody>
-                  <a:tcPr/>
-                </a:tc>
-                <a:tc>
-                  <a:txBody>
-                    <a:bodyPr/>
-                    <a:p>
-                      <a:pPr>
-                        <a:buNone/>
-                      </a:pPr>
-                      <a:r>
-                        <a:rPr lang="en-US" altLang="zh-CN" sz="1800">
-                          <a:sym typeface="+mn-ea"/>
-                        </a:rPr>
-                        <a:t>0.7817</a:t>
-                      </a:r>
-                      <a:endParaRPr lang="zh-CN" altLang="en-US"/>
-                    </a:p>
-                  </a:txBody>
-                  <a:tcPr/>
-                </a:tc>
-                <a:tc>
-                  <a:txBody>
-                    <a:bodyPr/>
-                    <a:p>
-                      <a:pPr>
-                        <a:buNone/>
-                      </a:pPr>
-                      <a:r>
-                        <a:rPr lang="en-US" altLang="zh-CN" sz="1800">
-                          <a:sym typeface="+mn-ea"/>
-                        </a:rPr>
-                        <a:t>16.7248</a:t>
-                      </a:r>
-                      <a:endParaRPr lang="zh-CN" altLang="en-US"/>
-                    </a:p>
-                  </a:txBody>
-                  <a:tcPr/>
-                </a:tc>
-                <a:tc>
-                  <a:txBody>
-                    <a:bodyPr/>
-                    <a:p>
-                      <a:pPr>
-                        <a:buNone/>
-                      </a:pPr>
-                      <a:r>
-                        <a:rPr lang="en-US" altLang="zh-CN" sz="1800">
-                          <a:sym typeface="+mn-ea"/>
-                        </a:rPr>
-                        <a:t>0.8248</a:t>
-                      </a:r>
-                      <a:endParaRPr lang="zh-CN" altLang="en-US"/>
-                    </a:p>
-                  </a:txBody>
-                  <a:tcPr/>
-                </a:tc>
-              </a:tr>
-              <a:tr h="381000">
-                <a:tc>
-                  <a:txBody>
-                    <a:bodyPr/>
-                    <a:p>
-                      <a:pPr>
-                        <a:buNone/>
-                      </a:pPr>
-                      <a:r>
-                        <a:rPr lang="en-US" altLang="zh-CN"/>
-                        <a:t>Deeplabv3+</a:t>
-                      </a:r>
-                      <a:endParaRPr lang="en-US" altLang="zh-CN"/>
-                    </a:p>
-                  </a:txBody>
-                  <a:tcPr/>
-                </a:tc>
-                <a:tc>
-                  <a:txBody>
-                    <a:bodyPr/>
-                    <a:p>
-                      <a:pPr>
-                        <a:buNone/>
-                      </a:pPr>
-                      <a:r>
-                        <a:rPr lang="en-US" altLang="zh-CN"/>
-                        <a:t>0.4816</a:t>
-                      </a:r>
-                      <a:endParaRPr lang="en-US" altLang="zh-CN"/>
-                    </a:p>
-                  </a:txBody>
-                  <a:tcPr/>
-                </a:tc>
-                <a:tc>
-                  <a:txBody>
-                    <a:bodyPr/>
-                    <a:p>
-                      <a:pPr>
-                        <a:buNone/>
-                      </a:pPr>
-                      <a:r>
-                        <a:rPr lang="en-US" altLang="zh-CN" sz="1800">
-                          <a:sym typeface="+mn-ea"/>
-                        </a:rPr>
-                        <a:t>0.4884</a:t>
-                      </a:r>
-                      <a:endParaRPr lang="en-US" altLang="en-US"/>
-                    </a:p>
-                  </a:txBody>
-                  <a:tcPr/>
-                </a:tc>
-                <a:tc>
-                  <a:txBody>
-                    <a:bodyPr/>
-                    <a:p>
-                      <a:pPr>
-                        <a:buNone/>
-                      </a:pPr>
-                      <a:r>
-                        <a:rPr lang="en-US" altLang="zh-CN" sz="1800">
-                          <a:sym typeface="+mn-ea"/>
-                        </a:rPr>
-                        <a:t>0.9230</a:t>
-                      </a:r>
-                      <a:endParaRPr lang="en-US" altLang="en-US"/>
-                    </a:p>
-                  </a:txBody>
-                  <a:tcPr/>
-                </a:tc>
-                <a:tc>
-                  <a:txBody>
-                    <a:bodyPr/>
-                    <a:p>
-                      <a:pPr>
-                        <a:buNone/>
-                      </a:pPr>
-                      <a:r>
-                        <a:rPr lang="en-US" altLang="zh-CN" sz="1800">
-                          <a:sym typeface="+mn-ea"/>
-                        </a:rPr>
-                        <a:t>0.3638</a:t>
-                      </a:r>
-                      <a:endParaRPr lang="zh-CN" altLang="en-US"/>
-                    </a:p>
-                  </a:txBody>
-                  <a:tcPr/>
-                </a:tc>
-                <a:tc>
-                  <a:txBody>
-                    <a:bodyPr/>
-                    <a:p>
-                      <a:pPr>
-                        <a:buNone/>
-                      </a:pPr>
-                      <a:r>
-                        <a:rPr lang="en-US" altLang="zh-CN" sz="1800">
-                          <a:sym typeface="+mn-ea"/>
-                        </a:rPr>
-                        <a:t>0.4884</a:t>
-                      </a:r>
-                      <a:endParaRPr lang="zh-CN" altLang="en-US"/>
-                    </a:p>
-                  </a:txBody>
-                  <a:tcPr/>
-                </a:tc>
-                <a:tc>
-                  <a:txBody>
-                    <a:bodyPr/>
-                    <a:p>
-                      <a:pPr>
-                        <a:buNone/>
-                      </a:pPr>
-                      <a:r>
-                        <a:rPr lang="en-US" altLang="zh-CN" sz="1800">
-                          <a:sym typeface="+mn-ea"/>
-                        </a:rPr>
-                        <a:t>47.2080</a:t>
-                      </a:r>
-                      <a:endParaRPr lang="zh-CN" altLang="en-US"/>
-                    </a:p>
-                  </a:txBody>
-                  <a:tcPr/>
-                </a:tc>
-                <a:tc>
-                  <a:txBody>
-                    <a:bodyPr/>
-                    <a:p>
-                      <a:pPr>
-                        <a:buNone/>
-                      </a:pPr>
-                      <a:r>
-                        <a:rPr lang="en-US" altLang="zh-CN" sz="1800">
-                          <a:sym typeface="+mn-ea"/>
-                        </a:rPr>
-                        <a:t>0.6848</a:t>
-                      </a:r>
-                      <a:endParaRPr lang="zh-CN" altLang="en-US"/>
-                    </a:p>
-                  </a:txBody>
-                  <a:tcPr/>
-                </a:tc>
-              </a:tr>
-              <a:tr h="381000">
-                <a:tc>
-                  <a:txBody>
-                    <a:bodyPr/>
-                    <a:p>
-                      <a:pPr>
-                        <a:buNone/>
-                      </a:pPr>
-                      <a:r>
-                        <a:rPr lang="en-US" altLang="zh-CN"/>
-                        <a:t>CPFNet</a:t>
-                      </a:r>
-                      <a:endParaRPr lang="en-US" altLang="zh-CN"/>
-                    </a:p>
-                  </a:txBody>
-                  <a:tcPr/>
-                </a:tc>
-                <a:tc>
-                  <a:txBody>
-                    <a:bodyPr/>
-                    <a:p>
-                      <a:pPr>
-                        <a:buNone/>
-                      </a:pPr>
-                      <a:r>
-                        <a:rPr lang="en-US" altLang="zh-CN"/>
-                        <a:t>0.8101</a:t>
-                      </a:r>
-                      <a:endParaRPr lang="en-US" altLang="zh-CN"/>
-                    </a:p>
-                  </a:txBody>
-                  <a:tcPr/>
-                </a:tc>
-                <a:tc>
-                  <a:txBody>
-                    <a:bodyPr/>
-                    <a:p>
-                      <a:pPr>
-                        <a:buNone/>
-                      </a:pPr>
-                      <a:r>
-                        <a:rPr lang="en-US" altLang="zh-CN" sz="1800">
-                          <a:sym typeface="+mn-ea"/>
-                        </a:rPr>
-                        <a:t>0.7490</a:t>
-                      </a:r>
-                      <a:endParaRPr lang="en-US" altLang="en-US"/>
-                    </a:p>
-                  </a:txBody>
-                  <a:tcPr/>
-                </a:tc>
-                <a:tc>
-                  <a:txBody>
-                    <a:bodyPr/>
-                    <a:p>
-                      <a:pPr>
-                        <a:buNone/>
-                      </a:pPr>
-                      <a:r>
-                        <a:rPr lang="en-US" altLang="zh-CN" sz="1800">
-                          <a:sym typeface="+mn-ea"/>
-                        </a:rPr>
-                        <a:t>0.9633</a:t>
-                      </a:r>
-                      <a:endParaRPr lang="en-US" altLang="en-US"/>
-                    </a:p>
-                  </a:txBody>
-                  <a:tcPr/>
-                </a:tc>
-                <a:tc>
-                  <a:txBody>
-                    <a:bodyPr/>
-                    <a:p>
-                      <a:pPr>
-                        <a:buNone/>
-                      </a:pPr>
-                      <a:r>
-                        <a:rPr lang="en-US" altLang="zh-CN" sz="1800">
-                          <a:sym typeface="+mn-ea"/>
-                        </a:rPr>
-                        <a:t>0.6350</a:t>
-                      </a:r>
-                      <a:endParaRPr lang="zh-CN" altLang="en-US"/>
-                    </a:p>
-                  </a:txBody>
-                  <a:tcPr/>
-                </a:tc>
-                <a:tc>
-                  <a:txBody>
-                    <a:bodyPr/>
-                    <a:p>
-                      <a:pPr>
-                        <a:buNone/>
-                      </a:pPr>
-                      <a:r>
-                        <a:rPr lang="en-US" altLang="zh-CN" sz="1800">
-                          <a:sym typeface="+mn-ea"/>
-                        </a:rPr>
-                        <a:t>0.7490</a:t>
-                      </a:r>
-                      <a:endParaRPr lang="zh-CN" altLang="en-US"/>
-                    </a:p>
-                  </a:txBody>
-                  <a:tcPr/>
-                </a:tc>
-                <a:tc>
-                  <a:txBody>
-                    <a:bodyPr/>
-                    <a:p>
-                      <a:pPr>
-                        <a:buNone/>
-                      </a:pPr>
-                      <a:r>
-                        <a:rPr lang="en-US" altLang="zh-CN" sz="1800">
-                          <a:sym typeface="+mn-ea"/>
-                        </a:rPr>
-                        <a:t>17.1809</a:t>
-                      </a:r>
-                      <a:endParaRPr lang="zh-CN" altLang="en-US"/>
-                    </a:p>
-                  </a:txBody>
-                  <a:tcPr/>
-                </a:tc>
-                <a:tc>
-                  <a:txBody>
-                    <a:bodyPr/>
-                    <a:p>
-                      <a:pPr>
-                        <a:buNone/>
-                      </a:pPr>
-                      <a:r>
-                        <a:rPr lang="en-US" altLang="zh-CN" sz="1800">
-                          <a:sym typeface="+mn-ea"/>
-                        </a:rPr>
-                        <a:t>0.7695</a:t>
-                      </a:r>
-                      <a:endParaRPr lang="zh-CN" altLang="en-US"/>
-                    </a:p>
-                  </a:txBody>
-                  <a:tcPr/>
-                </a:tc>
-              </a:tr>
-              <a:tr h="381000">
-                <a:tc>
-                  <a:txBody>
-                    <a:bodyPr/>
-                    <a:p>
-                      <a:pPr>
-                        <a:buNone/>
-                      </a:pPr>
-                      <a:r>
-                        <a:rPr lang="en-US" altLang="zh-CN"/>
-                        <a:t>FCN</a:t>
-                      </a:r>
-                      <a:endParaRPr lang="en-US" altLang="zh-CN"/>
-                    </a:p>
-                  </a:txBody>
-                  <a:tcPr/>
-                </a:tc>
-                <a:tc>
-                  <a:txBody>
-                    <a:bodyPr/>
-                    <a:p>
-                      <a:pPr>
-                        <a:buNone/>
-                      </a:pPr>
-                      <a:r>
-                        <a:rPr lang="en-US" altLang="zh-CN"/>
-                        <a:t>0.6564</a:t>
-                      </a:r>
-                      <a:endParaRPr lang="en-US" altLang="zh-CN"/>
-                    </a:p>
-                  </a:txBody>
-                  <a:tcPr/>
-                </a:tc>
-                <a:tc>
-                  <a:txBody>
-                    <a:bodyPr/>
-                    <a:p>
-                      <a:pPr>
-                        <a:buNone/>
-                      </a:pPr>
-                      <a:r>
-                        <a:rPr lang="en-US" altLang="zh-CN" sz="1800">
-                          <a:sym typeface="+mn-ea"/>
-                        </a:rPr>
-                        <a:t>0.6760</a:t>
-                      </a:r>
-                      <a:endParaRPr lang="en-US" altLang="zh-CN"/>
-                    </a:p>
-                  </a:txBody>
-                  <a:tcPr/>
-                </a:tc>
-                <a:tc>
-                  <a:txBody>
-                    <a:bodyPr/>
-                    <a:p>
-                      <a:pPr>
-                        <a:buNone/>
-                      </a:pPr>
-                      <a:r>
-                        <a:rPr lang="en-US" altLang="zh-CN" sz="1800">
-                          <a:sym typeface="+mn-ea"/>
-                        </a:rPr>
-                        <a:t>0.8556</a:t>
-                      </a:r>
-                      <a:endParaRPr lang="en-US" altLang="en-US"/>
-                    </a:p>
-                  </a:txBody>
-                  <a:tcPr/>
-                </a:tc>
-                <a:tc>
-                  <a:txBody>
-                    <a:bodyPr/>
-                    <a:p>
-                      <a:pPr>
-                        <a:buNone/>
-                      </a:pPr>
-                      <a:r>
-                        <a:rPr lang="en-US" altLang="zh-CN" sz="1800">
-                          <a:sym typeface="+mn-ea"/>
-                        </a:rPr>
-                        <a:t>0.5475</a:t>
-                      </a:r>
-                      <a:endParaRPr lang="en-US" altLang="en-US"/>
-                    </a:p>
-                  </a:txBody>
-                  <a:tcPr/>
-                </a:tc>
-                <a:tc>
-                  <a:txBody>
-                    <a:bodyPr/>
-                    <a:p>
-                      <a:pPr>
-                        <a:buNone/>
-                      </a:pPr>
-                      <a:r>
-                        <a:rPr lang="en-US" altLang="zh-CN" sz="1800">
-                          <a:sym typeface="+mn-ea"/>
-                        </a:rPr>
-                        <a:t>0.6760</a:t>
-                      </a:r>
-                      <a:endParaRPr lang="en-US" altLang="zh-CN"/>
-                    </a:p>
-                  </a:txBody>
-                  <a:tcPr/>
-                </a:tc>
-                <a:tc>
-                  <a:txBody>
-                    <a:bodyPr/>
-                    <a:p>
-                      <a:pPr>
-                        <a:buNone/>
-                      </a:pPr>
-                      <a:r>
-                        <a:rPr lang="en-US" altLang="zh-CN" sz="1800">
-                          <a:sym typeface="+mn-ea"/>
-                        </a:rPr>
-                        <a:t>32.0199</a:t>
-                      </a:r>
-                      <a:endParaRPr lang="en-US" altLang="en-US"/>
-                    </a:p>
-                  </a:txBody>
-                  <a:tcPr/>
-                </a:tc>
-                <a:tc>
-                  <a:txBody>
-                    <a:bodyPr/>
-                    <a:p>
-                      <a:pPr>
-                        <a:buNone/>
-                      </a:pPr>
-                      <a:r>
-                        <a:rPr lang="en-US" altLang="zh-CN" sz="1800">
-                          <a:sym typeface="+mn-ea"/>
-                        </a:rPr>
-                        <a:t>0.8245</a:t>
-                      </a:r>
-                      <a:endParaRPr lang="zh-CN" altLang="en-US"/>
-                    </a:p>
-                  </a:txBody>
-                  <a:tcPr/>
-                </a:tc>
-              </a:tr>
-              <a:tr h="381000">
-                <a:tc>
-                  <a:txBody>
-                    <a:bodyPr/>
-                    <a:p>
-                      <a:pPr>
-                        <a:buNone/>
-                      </a:pPr>
-                      <a:r>
-                        <a:rPr lang="en-US" altLang="zh-CN"/>
-                        <a:t>BPAT-UNet</a:t>
-                      </a:r>
-                      <a:endParaRPr lang="en-US" altLang="zh-CN"/>
-                    </a:p>
-                  </a:txBody>
-                  <a:tcPr/>
-                </a:tc>
-                <a:tc>
-                  <a:txBody>
-                    <a:bodyPr/>
-                    <a:p>
-                      <a:pPr>
-                        <a:buNone/>
-                      </a:pPr>
-                      <a:r>
-                        <a:rPr lang="en-US" altLang="zh-CN" b="0"/>
-                        <a:t>0.8557</a:t>
-                      </a:r>
-                      <a:endParaRPr lang="en-US" altLang="zh-CN" b="0"/>
-                    </a:p>
-                  </a:txBody>
-                  <a:tcPr/>
-                </a:tc>
-                <a:tc>
-                  <a:txBody>
-                    <a:bodyPr/>
-                    <a:p>
-                      <a:pPr>
-                        <a:buNone/>
-                      </a:pPr>
-                      <a:r>
-                        <a:rPr lang="en-US" altLang="zh-CN" sz="1800">
-                          <a:sym typeface="+mn-ea"/>
-                        </a:rPr>
-                        <a:t>0.8164</a:t>
-                      </a:r>
-                      <a:endParaRPr lang="en-US" altLang="en-US"/>
-                    </a:p>
-                  </a:txBody>
-                  <a:tcPr/>
-                </a:tc>
-                <a:tc>
-                  <a:txBody>
-                    <a:bodyPr/>
-                    <a:p>
-                      <a:pPr>
-                        <a:buNone/>
-                      </a:pPr>
-                      <a:r>
-                        <a:rPr lang="en-US" altLang="zh-CN" sz="1800">
-                          <a:sym typeface="+mn-ea"/>
-                        </a:rPr>
-                        <a:t>0.9722</a:t>
-                      </a:r>
-                      <a:endParaRPr lang="en-US" altLang="en-US"/>
-                    </a:p>
-                  </a:txBody>
-                  <a:tcPr/>
-                </a:tc>
-                <a:tc>
-                  <a:txBody>
-                    <a:bodyPr/>
-                    <a:p>
-                      <a:pPr>
-                        <a:buNone/>
-                      </a:pPr>
-                      <a:r>
-                        <a:rPr lang="en-US" altLang="zh-CN" sz="1800">
-                          <a:sym typeface="+mn-ea"/>
-                        </a:rPr>
-                        <a:t>0.7187</a:t>
-                      </a:r>
-                      <a:endParaRPr lang="zh-CN" altLang="en-US"/>
-                    </a:p>
-                  </a:txBody>
-                  <a:tcPr/>
-                </a:tc>
-                <a:tc>
-                  <a:txBody>
-                    <a:bodyPr/>
-                    <a:p>
-                      <a:pPr>
-                        <a:buNone/>
-                      </a:pPr>
-                      <a:r>
-                        <a:rPr lang="en-US" altLang="zh-CN" sz="1800">
-                          <a:sym typeface="+mn-ea"/>
-                        </a:rPr>
-                        <a:t>0.8164</a:t>
-                      </a:r>
-                      <a:endParaRPr lang="zh-CN" altLang="en-US"/>
-                    </a:p>
-                  </a:txBody>
-                  <a:tcPr/>
-                </a:tc>
-                <a:tc>
-                  <a:txBody>
-                    <a:bodyPr/>
-                    <a:p>
-                      <a:pPr>
-                        <a:buNone/>
-                      </a:pPr>
-                      <a:r>
-                        <a:rPr lang="en-US" altLang="zh-CN" sz="1800">
-                          <a:sym typeface="+mn-ea"/>
-                        </a:rPr>
-                        <a:t>14.0578</a:t>
-                      </a:r>
-                      <a:endParaRPr lang="zh-CN" altLang="en-US"/>
-                    </a:p>
-                  </a:txBody>
-                  <a:tcPr/>
-                </a:tc>
-                <a:tc>
-                  <a:txBody>
-                    <a:bodyPr/>
-                    <a:p>
-                      <a:pPr>
-                        <a:buNone/>
-                      </a:pPr>
-                      <a:r>
-                        <a:rPr lang="en-US" altLang="zh-CN" sz="1800">
-                          <a:sym typeface="+mn-ea"/>
-                        </a:rPr>
-                        <a:t>0.8294</a:t>
-                      </a:r>
-                      <a:endParaRPr lang="zh-CN" altLang="en-US"/>
-                    </a:p>
-                  </a:txBody>
-                  <a:tcPr/>
-                </a:tc>
-              </a:tr>
-              <a:tr h="381000">
-                <a:tc>
-                  <a:txBody>
-                    <a:bodyPr/>
-                    <a:p>
-                      <a:pPr>
-                        <a:buNone/>
-                      </a:pPr>
-                      <a:r>
-                        <a:rPr lang="en-US" altLang="zh-CN"/>
-                        <a:t>TRFE+</a:t>
-                      </a:r>
-                      <a:endParaRPr lang="en-US" altLang="zh-CN"/>
-                    </a:p>
-                  </a:txBody>
-                  <a:tcPr/>
-                </a:tc>
-                <a:tc>
-                  <a:txBody>
-                    <a:bodyPr/>
-                    <a:p>
-                      <a:pPr>
-                        <a:buNone/>
-                      </a:pPr>
-                      <a:r>
-                        <a:rPr lang="en-US" altLang="zh-CN" b="0"/>
-                        <a:t>0.8719</a:t>
-                      </a:r>
-                      <a:endParaRPr lang="en-US" altLang="zh-CN" b="0"/>
-                    </a:p>
-                  </a:txBody>
-                  <a:tcPr/>
-                </a:tc>
-                <a:tc>
-                  <a:txBody>
-                    <a:bodyPr/>
-                    <a:p>
-                      <a:pPr>
-                        <a:buNone/>
-                      </a:pPr>
-                      <a:r>
-                        <a:rPr lang="en-US" altLang="zh-CN" sz="1800">
-                          <a:sym typeface="+mn-ea"/>
-                        </a:rPr>
-                        <a:t>0.8147</a:t>
-                      </a:r>
-                      <a:endParaRPr lang="en-US" altLang="en-US"/>
-                    </a:p>
-                  </a:txBody>
-                  <a:tcPr/>
-                </a:tc>
-                <a:tc>
-                  <a:txBody>
-                    <a:bodyPr/>
-                    <a:p>
-                      <a:pPr>
-                        <a:buNone/>
-                      </a:pPr>
-                      <a:r>
-                        <a:rPr lang="en-US" altLang="zh-CN" sz="1800">
-                          <a:sym typeface="+mn-ea"/>
-                        </a:rPr>
-                        <a:t>0.9713</a:t>
-                      </a:r>
-                      <a:endParaRPr lang="en-US" altLang="en-US"/>
-                    </a:p>
-                  </a:txBody>
-                  <a:tcPr/>
-                </a:tc>
-                <a:tc>
-                  <a:txBody>
-                    <a:bodyPr/>
-                    <a:p>
-                      <a:pPr>
-                        <a:buNone/>
-                      </a:pPr>
-                      <a:r>
-                        <a:rPr lang="en-US" altLang="zh-CN" sz="1800">
-                          <a:sym typeface="+mn-ea"/>
-                        </a:rPr>
-                        <a:t>0.7163</a:t>
-                      </a:r>
-                      <a:endParaRPr lang="zh-CN" altLang="en-US"/>
-                    </a:p>
-                  </a:txBody>
-                  <a:tcPr/>
-                </a:tc>
-                <a:tc>
-                  <a:txBody>
-                    <a:bodyPr/>
-                    <a:p>
-                      <a:pPr>
-                        <a:buNone/>
-                      </a:pPr>
-                      <a:r>
-                        <a:rPr lang="en-US" altLang="zh-CN" sz="1800">
-                          <a:sym typeface="+mn-ea"/>
-                        </a:rPr>
-                        <a:t>0.8147</a:t>
-                      </a:r>
-                      <a:endParaRPr lang="zh-CN" altLang="en-US"/>
-                    </a:p>
-                  </a:txBody>
-                  <a:tcPr/>
-                </a:tc>
-                <a:tc>
-                  <a:txBody>
-                    <a:bodyPr/>
-                    <a:p>
-                      <a:pPr>
-                        <a:buNone/>
-                      </a:pPr>
-                      <a:r>
-                        <a:rPr lang="en-US" altLang="zh-CN" sz="1800" b="1">
-                          <a:sym typeface="+mn-ea"/>
-                        </a:rPr>
-                        <a:t>12.2701</a:t>
-                      </a:r>
-                      <a:endParaRPr lang="en-US" altLang="zh-CN" sz="1800" b="1">
+                        <a:t>Precision</a:t>
+                      </a:r>
+                      <a:endParaRPr lang="en-US" altLang="zh-CN" sz="800">
+                        <a:latin typeface="Times New Roman" panose="02020603050405020304" charset="0"/>
+                        <a:cs typeface="Times New Roman" panose="02020603050405020304" charset="0"/>
                         <a:sym typeface="+mn-ea"/>
                       </a:endParaRPr>
                     </a:p>
                   </a:txBody>
                   <a:tcPr/>
                 </a:tc>
-                <a:tc>
-                  <a:txBody>
-                    <a:bodyPr/>
-                    <a:p>
-                      <a:pPr>
-                        <a:buNone/>
-                      </a:pPr>
-                      <a:r>
-                        <a:rPr lang="en-US" altLang="zh-CN" sz="1800">
+              </a:tr>
+              <a:tr h="370205">
+                <a:tc>
+                  <a:txBody>
+                    <a:bodyPr/>
+                    <a:p>
+                      <a:pPr>
+                        <a:buNone/>
+                      </a:pPr>
+                      <a:r>
+                        <a:rPr lang="en-US" altLang="zh-CN" sz="800">
+                          <a:latin typeface="Times New Roman" panose="02020603050405020304" charset="0"/>
+                          <a:cs typeface="Times New Roman" panose="02020603050405020304" charset="0"/>
+                        </a:rPr>
+                        <a:t>UNet</a:t>
+                      </a:r>
+                      <a:endParaRPr lang="en-US" altLang="zh-CN" sz="800">
+                        <a:latin typeface="Times New Roman" panose="02020603050405020304" charset="0"/>
+                        <a:cs typeface="Times New Roman" panose="02020603050405020304" charset="0"/>
+                      </a:endParaRPr>
+                    </a:p>
+                  </a:txBody>
+                  <a:tcPr/>
+                </a:tc>
+                <a:tc>
+                  <a:txBody>
+                    <a:bodyPr/>
+                    <a:p>
+                      <a:pPr>
+                        <a:buNone/>
+                      </a:pPr>
+                      <a:r>
+                        <a:rPr lang="en-US" altLang="zh-CN" sz="800">
+                          <a:latin typeface="Times New Roman" panose="02020603050405020304" charset="0"/>
+                          <a:cs typeface="Times New Roman" panose="02020603050405020304" charset="0"/>
+                        </a:rPr>
+                        <a:t>0.8007</a:t>
+                      </a:r>
+                      <a:endParaRPr lang="en-US" altLang="zh-CN" sz="800">
+                        <a:latin typeface="Times New Roman" panose="02020603050405020304" charset="0"/>
+                        <a:cs typeface="Times New Roman" panose="02020603050405020304" charset="0"/>
+                      </a:endParaRPr>
+                    </a:p>
+                  </a:txBody>
+                  <a:tcPr/>
+                </a:tc>
+                <a:tc>
+                  <a:txBody>
+                    <a:bodyPr/>
+                    <a:p>
+                      <a:pPr>
+                        <a:buNone/>
+                      </a:pPr>
+                      <a:r>
+                        <a:rPr lang="en-US" altLang="zh-CN" sz="800">
+                          <a:latin typeface="Times New Roman" panose="02020603050405020304" charset="0"/>
+                          <a:cs typeface="Times New Roman" panose="02020603050405020304" charset="0"/>
                           <a:sym typeface="+mn-ea"/>
                         </a:rPr>
+                        <a:t>0.9617</a:t>
+                      </a:r>
+                      <a:endParaRPr lang="en-US" altLang="zh-CN" sz="800">
+                        <a:latin typeface="Times New Roman" panose="02020603050405020304" charset="0"/>
+                        <a:cs typeface="Times New Roman" panose="02020603050405020304" charset="0"/>
+                        <a:sym typeface="+mn-ea"/>
+                      </a:endParaRPr>
+                    </a:p>
+                  </a:txBody>
+                  <a:tcPr/>
+                </a:tc>
+                <a:tc>
+                  <a:txBody>
+                    <a:bodyPr/>
+                    <a:p>
+                      <a:pPr>
+                        <a:buNone/>
+                      </a:pPr>
+                      <a:r>
+                        <a:rPr lang="en-US" altLang="zh-CN" sz="800">
+                          <a:latin typeface="Times New Roman" panose="02020603050405020304" charset="0"/>
+                          <a:cs typeface="Times New Roman" panose="02020603050405020304" charset="0"/>
+                          <a:sym typeface="+mn-ea"/>
+                        </a:rPr>
+                        <a:t>0.6292</a:t>
+                      </a:r>
+                      <a:endParaRPr lang="en-US" altLang="zh-CN" sz="800">
+                        <a:latin typeface="Times New Roman" panose="02020603050405020304" charset="0"/>
+                        <a:cs typeface="Times New Roman" panose="02020603050405020304" charset="0"/>
+                        <a:sym typeface="+mn-ea"/>
+                      </a:endParaRPr>
+                    </a:p>
+                  </a:txBody>
+                  <a:tcPr/>
+                </a:tc>
+                <a:tc>
+                  <a:txBody>
+                    <a:bodyPr/>
+                    <a:p>
+                      <a:pPr>
+                        <a:buNone/>
+                      </a:pPr>
+                      <a:r>
+                        <a:rPr lang="en-US" altLang="zh-CN" sz="800">
+                          <a:latin typeface="Times New Roman" panose="02020603050405020304" charset="0"/>
+                          <a:cs typeface="Times New Roman" panose="02020603050405020304" charset="0"/>
+                          <a:sym typeface="+mn-ea"/>
+                        </a:rPr>
+                        <a:t>0.7379</a:t>
+                      </a:r>
+                      <a:endParaRPr lang="en-US" altLang="zh-CN" sz="800">
+                        <a:latin typeface="Times New Roman" panose="02020603050405020304" charset="0"/>
+                        <a:cs typeface="Times New Roman" panose="02020603050405020304" charset="0"/>
+                        <a:sym typeface="+mn-ea"/>
+                      </a:endParaRPr>
+                    </a:p>
+                  </a:txBody>
+                  <a:tcPr/>
+                </a:tc>
+                <a:tc>
+                  <a:txBody>
+                    <a:bodyPr/>
+                    <a:p>
+                      <a:pPr>
+                        <a:buNone/>
+                      </a:pPr>
+                      <a:r>
+                        <a:rPr lang="en-US" altLang="zh-CN" sz="800">
+                          <a:latin typeface="Times New Roman" panose="02020603050405020304" charset="0"/>
+                          <a:cs typeface="Times New Roman" panose="02020603050405020304" charset="0"/>
+                          <a:sym typeface="+mn-ea"/>
+                        </a:rPr>
+                        <a:t>20.5526</a:t>
+                      </a:r>
+                      <a:endParaRPr lang="en-US" altLang="zh-CN" sz="800">
+                        <a:latin typeface="Times New Roman" panose="02020603050405020304" charset="0"/>
+                        <a:cs typeface="Times New Roman" panose="02020603050405020304" charset="0"/>
+                        <a:sym typeface="+mn-ea"/>
+                      </a:endParaRPr>
+                    </a:p>
+                  </a:txBody>
+                  <a:tcPr/>
+                </a:tc>
+                <a:tc>
+                  <a:txBody>
+                    <a:bodyPr/>
+                    <a:p>
+                      <a:pPr>
+                        <a:buNone/>
+                      </a:pPr>
+                      <a:r>
+                        <a:rPr lang="en-US" altLang="zh-CN" sz="800">
+                          <a:latin typeface="Times New Roman" panose="02020603050405020304" charset="0"/>
+                          <a:cs typeface="Times New Roman" panose="02020603050405020304" charset="0"/>
+                          <a:sym typeface="+mn-ea"/>
+                        </a:rPr>
+                        <a:t>0.7652</a:t>
+                      </a:r>
+                      <a:endParaRPr lang="en-US" altLang="zh-CN" sz="800">
+                        <a:latin typeface="Times New Roman" panose="02020603050405020304" charset="0"/>
+                        <a:cs typeface="Times New Roman" panose="02020603050405020304" charset="0"/>
+                        <a:sym typeface="+mn-ea"/>
+                      </a:endParaRPr>
+                    </a:p>
+                  </a:txBody>
+                  <a:tcPr/>
+                </a:tc>
+              </a:tr>
+              <a:tr h="370205">
+                <a:tc>
+                  <a:txBody>
+                    <a:bodyPr/>
+                    <a:p>
+                      <a:pPr>
+                        <a:buNone/>
+                      </a:pPr>
+                      <a:r>
+                        <a:rPr lang="en-US" altLang="zh-CN" sz="800">
+                          <a:latin typeface="Times New Roman" panose="02020603050405020304" charset="0"/>
+                          <a:cs typeface="Times New Roman" panose="02020603050405020304" charset="0"/>
+                        </a:rPr>
+                        <a:t>TRFE</a:t>
+                      </a:r>
+                      <a:endParaRPr lang="en-US" altLang="zh-CN" sz="800">
+                        <a:latin typeface="Times New Roman" panose="02020603050405020304" charset="0"/>
+                        <a:cs typeface="Times New Roman" panose="02020603050405020304" charset="0"/>
+                      </a:endParaRPr>
+                    </a:p>
+                  </a:txBody>
+                  <a:tcPr/>
+                </a:tc>
+                <a:tc>
+                  <a:txBody>
+                    <a:bodyPr/>
+                    <a:p>
+                      <a:pPr>
+                        <a:buNone/>
+                      </a:pPr>
+                      <a:r>
+                        <a:rPr lang="en-US" altLang="zh-CN" sz="800">
+                          <a:latin typeface="Times New Roman" panose="02020603050405020304" charset="0"/>
+                          <a:cs typeface="Times New Roman" panose="02020603050405020304" charset="0"/>
+                        </a:rPr>
+                        <a:t>0.8182</a:t>
+                      </a:r>
+                      <a:endParaRPr lang="en-US" altLang="zh-CN" sz="800">
+                        <a:latin typeface="Times New Roman" panose="02020603050405020304" charset="0"/>
+                        <a:cs typeface="Times New Roman" panose="02020603050405020304" charset="0"/>
+                      </a:endParaRPr>
+                    </a:p>
+                  </a:txBody>
+                  <a:tcPr/>
+                </a:tc>
+                <a:tc>
+                  <a:txBody>
+                    <a:bodyPr/>
+                    <a:p>
+                      <a:pPr>
+                        <a:buNone/>
+                      </a:pPr>
+                      <a:r>
+                        <a:rPr lang="en-US" altLang="zh-CN" sz="800">
+                          <a:latin typeface="Times New Roman" panose="02020603050405020304" charset="0"/>
+                          <a:cs typeface="Times New Roman" panose="02020603050405020304" charset="0"/>
+                          <a:sym typeface="+mn-ea"/>
+                        </a:rPr>
+                        <a:t>0.9691</a:t>
+                      </a:r>
+                      <a:endParaRPr lang="en-US" altLang="zh-CN" sz="800">
+                        <a:latin typeface="Times New Roman" panose="02020603050405020304" charset="0"/>
+                        <a:cs typeface="Times New Roman" panose="02020603050405020304" charset="0"/>
+                        <a:sym typeface="+mn-ea"/>
+                      </a:endParaRPr>
+                    </a:p>
+                  </a:txBody>
+                  <a:tcPr/>
+                </a:tc>
+                <a:tc>
+                  <a:txBody>
+                    <a:bodyPr/>
+                    <a:p>
+                      <a:pPr>
+                        <a:buNone/>
+                      </a:pPr>
+                      <a:r>
+                        <a:rPr lang="en-US" altLang="zh-CN" sz="800">
+                          <a:latin typeface="Times New Roman" panose="02020603050405020304" charset="0"/>
+                          <a:cs typeface="Times New Roman" panose="02020603050405020304" charset="0"/>
+                          <a:sym typeface="+mn-ea"/>
+                        </a:rPr>
+                        <a:t>0.6850</a:t>
+                      </a:r>
+                      <a:endParaRPr lang="en-US" altLang="zh-CN" sz="800">
+                        <a:latin typeface="Times New Roman" panose="02020603050405020304" charset="0"/>
+                        <a:cs typeface="Times New Roman" panose="02020603050405020304" charset="0"/>
+                        <a:sym typeface="+mn-ea"/>
+                      </a:endParaRPr>
+                    </a:p>
+                  </a:txBody>
+                  <a:tcPr/>
+                </a:tc>
+                <a:tc>
+                  <a:txBody>
+                    <a:bodyPr/>
+                    <a:p>
+                      <a:pPr>
+                        <a:buNone/>
+                      </a:pPr>
+                      <a:r>
+                        <a:rPr lang="en-US" altLang="zh-CN" sz="800">
+                          <a:latin typeface="Times New Roman" panose="02020603050405020304" charset="0"/>
+                          <a:cs typeface="Times New Roman" panose="02020603050405020304" charset="0"/>
+                          <a:sym typeface="+mn-ea"/>
+                        </a:rPr>
+                        <a:t>0.7817</a:t>
+                      </a:r>
+                      <a:endParaRPr lang="en-US" altLang="zh-CN" sz="800">
+                        <a:latin typeface="Times New Roman" panose="02020603050405020304" charset="0"/>
+                        <a:cs typeface="Times New Roman" panose="02020603050405020304" charset="0"/>
+                        <a:sym typeface="+mn-ea"/>
+                      </a:endParaRPr>
+                    </a:p>
+                  </a:txBody>
+                  <a:tcPr/>
+                </a:tc>
+                <a:tc>
+                  <a:txBody>
+                    <a:bodyPr/>
+                    <a:p>
+                      <a:pPr>
+                        <a:buNone/>
+                      </a:pPr>
+                      <a:r>
+                        <a:rPr lang="en-US" altLang="zh-CN" sz="800">
+                          <a:latin typeface="Times New Roman" panose="02020603050405020304" charset="0"/>
+                          <a:cs typeface="Times New Roman" panose="02020603050405020304" charset="0"/>
+                          <a:sym typeface="+mn-ea"/>
+                        </a:rPr>
+                        <a:t>16.7248</a:t>
+                      </a:r>
+                      <a:endParaRPr lang="en-US" altLang="zh-CN" sz="800">
+                        <a:latin typeface="Times New Roman" panose="02020603050405020304" charset="0"/>
+                        <a:cs typeface="Times New Roman" panose="02020603050405020304" charset="0"/>
+                        <a:sym typeface="+mn-ea"/>
+                      </a:endParaRPr>
+                    </a:p>
+                  </a:txBody>
+                  <a:tcPr/>
+                </a:tc>
+                <a:tc>
+                  <a:txBody>
+                    <a:bodyPr/>
+                    <a:p>
+                      <a:pPr>
+                        <a:buNone/>
+                      </a:pPr>
+                      <a:r>
+                        <a:rPr lang="en-US" altLang="zh-CN" sz="800">
+                          <a:latin typeface="Times New Roman" panose="02020603050405020304" charset="0"/>
+                          <a:cs typeface="Times New Roman" panose="02020603050405020304" charset="0"/>
+                          <a:sym typeface="+mn-ea"/>
+                        </a:rPr>
+                        <a:t>0.8248</a:t>
+                      </a:r>
+                      <a:endParaRPr lang="en-US" altLang="zh-CN" sz="800">
+                        <a:latin typeface="Times New Roman" panose="02020603050405020304" charset="0"/>
+                        <a:cs typeface="Times New Roman" panose="02020603050405020304" charset="0"/>
+                        <a:sym typeface="+mn-ea"/>
+                      </a:endParaRPr>
+                    </a:p>
+                  </a:txBody>
+                  <a:tcPr/>
+                </a:tc>
+              </a:tr>
+              <a:tr h="370205">
+                <a:tc>
+                  <a:txBody>
+                    <a:bodyPr/>
+                    <a:p>
+                      <a:pPr>
+                        <a:buNone/>
+                      </a:pPr>
+                      <a:r>
+                        <a:rPr lang="en-US" altLang="zh-CN" sz="800">
+                          <a:latin typeface="Times New Roman" panose="02020603050405020304" charset="0"/>
+                          <a:cs typeface="Times New Roman" panose="02020603050405020304" charset="0"/>
+                        </a:rPr>
+                        <a:t>Deeplabv3+</a:t>
+                      </a:r>
+                      <a:endParaRPr lang="en-US" altLang="zh-CN" sz="800">
+                        <a:latin typeface="Times New Roman" panose="02020603050405020304" charset="0"/>
+                        <a:cs typeface="Times New Roman" panose="02020603050405020304" charset="0"/>
+                      </a:endParaRPr>
+                    </a:p>
+                  </a:txBody>
+                  <a:tcPr/>
+                </a:tc>
+                <a:tc>
+                  <a:txBody>
+                    <a:bodyPr/>
+                    <a:p>
+                      <a:pPr>
+                        <a:buNone/>
+                      </a:pPr>
+                      <a:r>
+                        <a:rPr lang="en-US" altLang="zh-CN" sz="800">
+                          <a:latin typeface="Times New Roman" panose="02020603050405020304" charset="0"/>
+                          <a:cs typeface="Times New Roman" panose="02020603050405020304" charset="0"/>
+                        </a:rPr>
+                        <a:t>0.4816</a:t>
+                      </a:r>
+                      <a:endParaRPr lang="en-US" altLang="zh-CN" sz="800">
+                        <a:latin typeface="Times New Roman" panose="02020603050405020304" charset="0"/>
+                        <a:cs typeface="Times New Roman" panose="02020603050405020304" charset="0"/>
+                      </a:endParaRPr>
+                    </a:p>
+                  </a:txBody>
+                  <a:tcPr/>
+                </a:tc>
+                <a:tc>
+                  <a:txBody>
+                    <a:bodyPr/>
+                    <a:p>
+                      <a:pPr>
+                        <a:buNone/>
+                      </a:pPr>
+                      <a:r>
+                        <a:rPr lang="en-US" altLang="zh-CN" sz="800">
+                          <a:latin typeface="Times New Roman" panose="02020603050405020304" charset="0"/>
+                          <a:cs typeface="Times New Roman" panose="02020603050405020304" charset="0"/>
+                          <a:sym typeface="+mn-ea"/>
+                        </a:rPr>
+                        <a:t>0.9230</a:t>
+                      </a:r>
+                      <a:endParaRPr lang="en-US" altLang="zh-CN" sz="800">
+                        <a:latin typeface="Times New Roman" panose="02020603050405020304" charset="0"/>
+                        <a:cs typeface="Times New Roman" panose="02020603050405020304" charset="0"/>
+                        <a:sym typeface="+mn-ea"/>
+                      </a:endParaRPr>
+                    </a:p>
+                  </a:txBody>
+                  <a:tcPr/>
+                </a:tc>
+                <a:tc>
+                  <a:txBody>
+                    <a:bodyPr/>
+                    <a:p>
+                      <a:pPr>
+                        <a:buNone/>
+                      </a:pPr>
+                      <a:r>
+                        <a:rPr lang="en-US" altLang="zh-CN" sz="800">
+                          <a:latin typeface="Times New Roman" panose="02020603050405020304" charset="0"/>
+                          <a:cs typeface="Times New Roman" panose="02020603050405020304" charset="0"/>
+                          <a:sym typeface="+mn-ea"/>
+                        </a:rPr>
+                        <a:t>0.3638</a:t>
+                      </a:r>
+                      <a:endParaRPr lang="en-US" altLang="zh-CN" sz="800">
+                        <a:latin typeface="Times New Roman" panose="02020603050405020304" charset="0"/>
+                        <a:cs typeface="Times New Roman" panose="02020603050405020304" charset="0"/>
+                        <a:sym typeface="+mn-ea"/>
+                      </a:endParaRPr>
+                    </a:p>
+                  </a:txBody>
+                  <a:tcPr/>
+                </a:tc>
+                <a:tc>
+                  <a:txBody>
+                    <a:bodyPr/>
+                    <a:p>
+                      <a:pPr>
+                        <a:buNone/>
+                      </a:pPr>
+                      <a:r>
+                        <a:rPr lang="en-US" altLang="zh-CN" sz="800">
+                          <a:latin typeface="Times New Roman" panose="02020603050405020304" charset="0"/>
+                          <a:cs typeface="Times New Roman" panose="02020603050405020304" charset="0"/>
+                          <a:sym typeface="+mn-ea"/>
+                        </a:rPr>
+                        <a:t>0.4884</a:t>
+                      </a:r>
+                      <a:endParaRPr lang="en-US" altLang="zh-CN" sz="800">
+                        <a:latin typeface="Times New Roman" panose="02020603050405020304" charset="0"/>
+                        <a:cs typeface="Times New Roman" panose="02020603050405020304" charset="0"/>
+                        <a:sym typeface="+mn-ea"/>
+                      </a:endParaRPr>
+                    </a:p>
+                  </a:txBody>
+                  <a:tcPr/>
+                </a:tc>
+                <a:tc>
+                  <a:txBody>
+                    <a:bodyPr/>
+                    <a:p>
+                      <a:pPr>
+                        <a:buNone/>
+                      </a:pPr>
+                      <a:r>
+                        <a:rPr lang="en-US" altLang="zh-CN" sz="800">
+                          <a:latin typeface="Times New Roman" panose="02020603050405020304" charset="0"/>
+                          <a:cs typeface="Times New Roman" panose="02020603050405020304" charset="0"/>
+                          <a:sym typeface="+mn-ea"/>
+                        </a:rPr>
+                        <a:t>47.2080</a:t>
+                      </a:r>
+                      <a:endParaRPr lang="en-US" altLang="zh-CN" sz="800">
+                        <a:latin typeface="Times New Roman" panose="02020603050405020304" charset="0"/>
+                        <a:cs typeface="Times New Roman" panose="02020603050405020304" charset="0"/>
+                        <a:sym typeface="+mn-ea"/>
+                      </a:endParaRPr>
+                    </a:p>
+                  </a:txBody>
+                  <a:tcPr/>
+                </a:tc>
+                <a:tc>
+                  <a:txBody>
+                    <a:bodyPr/>
+                    <a:p>
+                      <a:pPr>
+                        <a:buNone/>
+                      </a:pPr>
+                      <a:r>
+                        <a:rPr lang="en-US" altLang="zh-CN" sz="800">
+                          <a:latin typeface="Times New Roman" panose="02020603050405020304" charset="0"/>
+                          <a:cs typeface="Times New Roman" panose="02020603050405020304" charset="0"/>
+                          <a:sym typeface="+mn-ea"/>
+                        </a:rPr>
+                        <a:t>0.6848</a:t>
+                      </a:r>
+                      <a:endParaRPr lang="en-US" altLang="zh-CN" sz="800">
+                        <a:latin typeface="Times New Roman" panose="02020603050405020304" charset="0"/>
+                        <a:cs typeface="Times New Roman" panose="02020603050405020304" charset="0"/>
+                        <a:sym typeface="+mn-ea"/>
+                      </a:endParaRPr>
+                    </a:p>
+                  </a:txBody>
+                  <a:tcPr/>
+                </a:tc>
+              </a:tr>
+              <a:tr h="370205">
+                <a:tc>
+                  <a:txBody>
+                    <a:bodyPr/>
+                    <a:p>
+                      <a:pPr>
+                        <a:buNone/>
+                      </a:pPr>
+                      <a:r>
+                        <a:rPr lang="en-US" altLang="zh-CN" sz="800">
+                          <a:latin typeface="Times New Roman" panose="02020603050405020304" charset="0"/>
+                          <a:cs typeface="Times New Roman" panose="02020603050405020304" charset="0"/>
+                        </a:rPr>
+                        <a:t>CPFNet</a:t>
+                      </a:r>
+                      <a:endParaRPr lang="en-US" altLang="zh-CN" sz="800">
+                        <a:latin typeface="Times New Roman" panose="02020603050405020304" charset="0"/>
+                        <a:cs typeface="Times New Roman" panose="02020603050405020304" charset="0"/>
+                      </a:endParaRPr>
+                    </a:p>
+                  </a:txBody>
+                  <a:tcPr/>
+                </a:tc>
+                <a:tc>
+                  <a:txBody>
+                    <a:bodyPr/>
+                    <a:p>
+                      <a:pPr>
+                        <a:buNone/>
+                      </a:pPr>
+                      <a:r>
+                        <a:rPr lang="en-US" altLang="zh-CN" sz="800">
+                          <a:latin typeface="Times New Roman" panose="02020603050405020304" charset="0"/>
+                          <a:cs typeface="Times New Roman" panose="02020603050405020304" charset="0"/>
+                        </a:rPr>
+                        <a:t>0.8101</a:t>
+                      </a:r>
+                      <a:endParaRPr lang="en-US" altLang="zh-CN" sz="800">
+                        <a:latin typeface="Times New Roman" panose="02020603050405020304" charset="0"/>
+                        <a:cs typeface="Times New Roman" panose="02020603050405020304" charset="0"/>
+                      </a:endParaRPr>
+                    </a:p>
+                  </a:txBody>
+                  <a:tcPr/>
+                </a:tc>
+                <a:tc>
+                  <a:txBody>
+                    <a:bodyPr/>
+                    <a:p>
+                      <a:pPr>
+                        <a:buNone/>
+                      </a:pPr>
+                      <a:r>
+                        <a:rPr lang="en-US" altLang="zh-CN" sz="800">
+                          <a:latin typeface="Times New Roman" panose="02020603050405020304" charset="0"/>
+                          <a:cs typeface="Times New Roman" panose="02020603050405020304" charset="0"/>
+                          <a:sym typeface="+mn-ea"/>
+                        </a:rPr>
+                        <a:t>0.9633</a:t>
+                      </a:r>
+                      <a:endParaRPr lang="en-US" altLang="zh-CN" sz="800">
+                        <a:latin typeface="Times New Roman" panose="02020603050405020304" charset="0"/>
+                        <a:cs typeface="Times New Roman" panose="02020603050405020304" charset="0"/>
+                        <a:sym typeface="+mn-ea"/>
+                      </a:endParaRPr>
+                    </a:p>
+                  </a:txBody>
+                  <a:tcPr/>
+                </a:tc>
+                <a:tc>
+                  <a:txBody>
+                    <a:bodyPr/>
+                    <a:p>
+                      <a:pPr>
+                        <a:buNone/>
+                      </a:pPr>
+                      <a:r>
+                        <a:rPr lang="en-US" altLang="zh-CN" sz="800">
+                          <a:latin typeface="Times New Roman" panose="02020603050405020304" charset="0"/>
+                          <a:cs typeface="Times New Roman" panose="02020603050405020304" charset="0"/>
+                          <a:sym typeface="+mn-ea"/>
+                        </a:rPr>
+                        <a:t>0.6350</a:t>
+                      </a:r>
+                      <a:endParaRPr lang="en-US" altLang="zh-CN" sz="800">
+                        <a:latin typeface="Times New Roman" panose="02020603050405020304" charset="0"/>
+                        <a:cs typeface="Times New Roman" panose="02020603050405020304" charset="0"/>
+                        <a:sym typeface="+mn-ea"/>
+                      </a:endParaRPr>
+                    </a:p>
+                  </a:txBody>
+                  <a:tcPr/>
+                </a:tc>
+                <a:tc>
+                  <a:txBody>
+                    <a:bodyPr/>
+                    <a:p>
+                      <a:pPr>
+                        <a:buNone/>
+                      </a:pPr>
+                      <a:r>
+                        <a:rPr lang="en-US" altLang="zh-CN" sz="800">
+                          <a:latin typeface="Times New Roman" panose="02020603050405020304" charset="0"/>
+                          <a:cs typeface="Times New Roman" panose="02020603050405020304" charset="0"/>
+                          <a:sym typeface="+mn-ea"/>
+                        </a:rPr>
+                        <a:t>0.7490</a:t>
+                      </a:r>
+                      <a:endParaRPr lang="en-US" altLang="zh-CN" sz="800">
+                        <a:latin typeface="Times New Roman" panose="02020603050405020304" charset="0"/>
+                        <a:cs typeface="Times New Roman" panose="02020603050405020304" charset="0"/>
+                        <a:sym typeface="+mn-ea"/>
+                      </a:endParaRPr>
+                    </a:p>
+                  </a:txBody>
+                  <a:tcPr/>
+                </a:tc>
+                <a:tc>
+                  <a:txBody>
+                    <a:bodyPr/>
+                    <a:p>
+                      <a:pPr>
+                        <a:buNone/>
+                      </a:pPr>
+                      <a:r>
+                        <a:rPr lang="en-US" altLang="zh-CN" sz="800">
+                          <a:latin typeface="Times New Roman" panose="02020603050405020304" charset="0"/>
+                          <a:cs typeface="Times New Roman" panose="02020603050405020304" charset="0"/>
+                          <a:sym typeface="+mn-ea"/>
+                        </a:rPr>
+                        <a:t>17.1809</a:t>
+                      </a:r>
+                      <a:endParaRPr lang="en-US" altLang="zh-CN" sz="800">
+                        <a:latin typeface="Times New Roman" panose="02020603050405020304" charset="0"/>
+                        <a:cs typeface="Times New Roman" panose="02020603050405020304" charset="0"/>
+                        <a:sym typeface="+mn-ea"/>
+                      </a:endParaRPr>
+                    </a:p>
+                  </a:txBody>
+                  <a:tcPr/>
+                </a:tc>
+                <a:tc>
+                  <a:txBody>
+                    <a:bodyPr/>
+                    <a:p>
+                      <a:pPr>
+                        <a:buNone/>
+                      </a:pPr>
+                      <a:r>
+                        <a:rPr lang="en-US" altLang="zh-CN" sz="800">
+                          <a:latin typeface="Times New Roman" panose="02020603050405020304" charset="0"/>
+                          <a:cs typeface="Times New Roman" panose="02020603050405020304" charset="0"/>
+                          <a:sym typeface="+mn-ea"/>
+                        </a:rPr>
+                        <a:t>0.7695</a:t>
+                      </a:r>
+                      <a:endParaRPr lang="en-US" altLang="zh-CN" sz="800">
+                        <a:latin typeface="Times New Roman" panose="02020603050405020304" charset="0"/>
+                        <a:cs typeface="Times New Roman" panose="02020603050405020304" charset="0"/>
+                        <a:sym typeface="+mn-ea"/>
+                      </a:endParaRPr>
+                    </a:p>
+                  </a:txBody>
+                  <a:tcPr/>
+                </a:tc>
+              </a:tr>
+              <a:tr h="370205">
+                <a:tc>
+                  <a:txBody>
+                    <a:bodyPr/>
+                    <a:p>
+                      <a:pPr>
+                        <a:buNone/>
+                      </a:pPr>
+                      <a:r>
+                        <a:rPr lang="en-US" altLang="zh-CN" sz="800">
+                          <a:latin typeface="Times New Roman" panose="02020603050405020304" charset="0"/>
+                          <a:cs typeface="Times New Roman" panose="02020603050405020304" charset="0"/>
+                        </a:rPr>
+                        <a:t>FCN</a:t>
+                      </a:r>
+                      <a:endParaRPr lang="en-US" altLang="zh-CN" sz="800">
+                        <a:latin typeface="Times New Roman" panose="02020603050405020304" charset="0"/>
+                        <a:cs typeface="Times New Roman" panose="02020603050405020304" charset="0"/>
+                      </a:endParaRPr>
+                    </a:p>
+                  </a:txBody>
+                  <a:tcPr/>
+                </a:tc>
+                <a:tc>
+                  <a:txBody>
+                    <a:bodyPr/>
+                    <a:p>
+                      <a:pPr>
+                        <a:buNone/>
+                      </a:pPr>
+                      <a:r>
+                        <a:rPr lang="en-US" altLang="zh-CN" sz="800">
+                          <a:latin typeface="Times New Roman" panose="02020603050405020304" charset="0"/>
+                          <a:cs typeface="Times New Roman" panose="02020603050405020304" charset="0"/>
+                        </a:rPr>
+                        <a:t>0.6564</a:t>
+                      </a:r>
+                      <a:endParaRPr lang="en-US" altLang="zh-CN" sz="800">
+                        <a:latin typeface="Times New Roman" panose="02020603050405020304" charset="0"/>
+                        <a:cs typeface="Times New Roman" panose="02020603050405020304" charset="0"/>
+                      </a:endParaRPr>
+                    </a:p>
+                  </a:txBody>
+                  <a:tcPr/>
+                </a:tc>
+                <a:tc>
+                  <a:txBody>
+                    <a:bodyPr/>
+                    <a:p>
+                      <a:pPr>
+                        <a:buNone/>
+                      </a:pPr>
+                      <a:r>
+                        <a:rPr lang="en-US" altLang="zh-CN" sz="800">
+                          <a:latin typeface="Times New Roman" panose="02020603050405020304" charset="0"/>
+                          <a:cs typeface="Times New Roman" panose="02020603050405020304" charset="0"/>
+                          <a:sym typeface="+mn-ea"/>
+                        </a:rPr>
+                        <a:t>0.8556</a:t>
+                      </a:r>
+                      <a:endParaRPr lang="en-US" altLang="zh-CN" sz="800">
+                        <a:latin typeface="Times New Roman" panose="02020603050405020304" charset="0"/>
+                        <a:cs typeface="Times New Roman" panose="02020603050405020304" charset="0"/>
+                        <a:sym typeface="+mn-ea"/>
+                      </a:endParaRPr>
+                    </a:p>
+                  </a:txBody>
+                  <a:tcPr/>
+                </a:tc>
+                <a:tc>
+                  <a:txBody>
+                    <a:bodyPr/>
+                    <a:p>
+                      <a:pPr>
+                        <a:buNone/>
+                      </a:pPr>
+                      <a:r>
+                        <a:rPr lang="en-US" altLang="zh-CN" sz="800">
+                          <a:latin typeface="Times New Roman" panose="02020603050405020304" charset="0"/>
+                          <a:cs typeface="Times New Roman" panose="02020603050405020304" charset="0"/>
+                          <a:sym typeface="+mn-ea"/>
+                        </a:rPr>
+                        <a:t>0.5475</a:t>
+                      </a:r>
+                      <a:endParaRPr lang="en-US" altLang="zh-CN" sz="800">
+                        <a:latin typeface="Times New Roman" panose="02020603050405020304" charset="0"/>
+                        <a:cs typeface="Times New Roman" panose="02020603050405020304" charset="0"/>
+                        <a:sym typeface="+mn-ea"/>
+                      </a:endParaRPr>
+                    </a:p>
+                  </a:txBody>
+                  <a:tcPr/>
+                </a:tc>
+                <a:tc>
+                  <a:txBody>
+                    <a:bodyPr/>
+                    <a:p>
+                      <a:pPr>
+                        <a:buNone/>
+                      </a:pPr>
+                      <a:r>
+                        <a:rPr lang="en-US" altLang="zh-CN" sz="800">
+                          <a:latin typeface="Times New Roman" panose="02020603050405020304" charset="0"/>
+                          <a:cs typeface="Times New Roman" panose="02020603050405020304" charset="0"/>
+                          <a:sym typeface="+mn-ea"/>
+                        </a:rPr>
+                        <a:t>0.6760</a:t>
+                      </a:r>
+                      <a:endParaRPr lang="en-US" altLang="zh-CN" sz="800">
+                        <a:latin typeface="Times New Roman" panose="02020603050405020304" charset="0"/>
+                        <a:cs typeface="Times New Roman" panose="02020603050405020304" charset="0"/>
+                        <a:sym typeface="+mn-ea"/>
+                      </a:endParaRPr>
+                    </a:p>
+                  </a:txBody>
+                  <a:tcPr/>
+                </a:tc>
+                <a:tc>
+                  <a:txBody>
+                    <a:bodyPr/>
+                    <a:p>
+                      <a:pPr>
+                        <a:buNone/>
+                      </a:pPr>
+                      <a:r>
+                        <a:rPr lang="en-US" altLang="zh-CN" sz="800">
+                          <a:latin typeface="Times New Roman" panose="02020603050405020304" charset="0"/>
+                          <a:cs typeface="Times New Roman" panose="02020603050405020304" charset="0"/>
+                          <a:sym typeface="+mn-ea"/>
+                        </a:rPr>
+                        <a:t>32.0199</a:t>
+                      </a:r>
+                      <a:endParaRPr lang="en-US" altLang="zh-CN" sz="800">
+                        <a:latin typeface="Times New Roman" panose="02020603050405020304" charset="0"/>
+                        <a:cs typeface="Times New Roman" panose="02020603050405020304" charset="0"/>
+                        <a:sym typeface="+mn-ea"/>
+                      </a:endParaRPr>
+                    </a:p>
+                  </a:txBody>
+                  <a:tcPr/>
+                </a:tc>
+                <a:tc>
+                  <a:txBody>
+                    <a:bodyPr/>
+                    <a:p>
+                      <a:pPr>
+                        <a:buNone/>
+                      </a:pPr>
+                      <a:r>
+                        <a:rPr lang="en-US" altLang="zh-CN" sz="800">
+                          <a:latin typeface="Times New Roman" panose="02020603050405020304" charset="0"/>
+                          <a:cs typeface="Times New Roman" panose="02020603050405020304" charset="0"/>
+                          <a:sym typeface="+mn-ea"/>
+                        </a:rPr>
+                        <a:t>0.8245</a:t>
+                      </a:r>
+                      <a:endParaRPr lang="en-US" altLang="zh-CN" sz="800">
+                        <a:latin typeface="Times New Roman" panose="02020603050405020304" charset="0"/>
+                        <a:cs typeface="Times New Roman" panose="02020603050405020304" charset="0"/>
+                        <a:sym typeface="+mn-ea"/>
+                      </a:endParaRPr>
+                    </a:p>
+                  </a:txBody>
+                  <a:tcPr/>
+                </a:tc>
+              </a:tr>
+              <a:tr h="370205">
+                <a:tc>
+                  <a:txBody>
+                    <a:bodyPr/>
+                    <a:p>
+                      <a:pPr>
+                        <a:buNone/>
+                      </a:pPr>
+                      <a:r>
+                        <a:rPr lang="en-US" altLang="zh-CN" sz="800">
+                          <a:latin typeface="Times New Roman" panose="02020603050405020304" charset="0"/>
+                          <a:cs typeface="Times New Roman" panose="02020603050405020304" charset="0"/>
+                        </a:rPr>
+                        <a:t>BPAT-UNet</a:t>
+                      </a:r>
+                      <a:endParaRPr lang="en-US" altLang="zh-CN" sz="800">
+                        <a:latin typeface="Times New Roman" panose="02020603050405020304" charset="0"/>
+                        <a:cs typeface="Times New Roman" panose="02020603050405020304" charset="0"/>
+                      </a:endParaRPr>
+                    </a:p>
+                  </a:txBody>
+                  <a:tcPr/>
+                </a:tc>
+                <a:tc>
+                  <a:txBody>
+                    <a:bodyPr/>
+                    <a:p>
+                      <a:pPr>
+                        <a:buNone/>
+                      </a:pPr>
+                      <a:r>
+                        <a:rPr lang="en-US" altLang="zh-CN" sz="800" b="0">
+                          <a:latin typeface="Times New Roman" panose="02020603050405020304" charset="0"/>
+                          <a:cs typeface="Times New Roman" panose="02020603050405020304" charset="0"/>
+                        </a:rPr>
+                        <a:t>0.8557</a:t>
+                      </a:r>
+                      <a:endParaRPr lang="en-US" altLang="zh-CN" sz="800" b="0">
+                        <a:latin typeface="Times New Roman" panose="02020603050405020304" charset="0"/>
+                        <a:cs typeface="Times New Roman" panose="02020603050405020304" charset="0"/>
+                      </a:endParaRPr>
+                    </a:p>
+                  </a:txBody>
+                  <a:tcPr/>
+                </a:tc>
+                <a:tc>
+                  <a:txBody>
+                    <a:bodyPr/>
+                    <a:p>
+                      <a:pPr>
+                        <a:buNone/>
+                      </a:pPr>
+                      <a:r>
+                        <a:rPr lang="en-US" altLang="zh-CN" sz="800">
+                          <a:latin typeface="Times New Roman" panose="02020603050405020304" charset="0"/>
+                          <a:cs typeface="Times New Roman" panose="02020603050405020304" charset="0"/>
+                          <a:sym typeface="+mn-ea"/>
+                        </a:rPr>
+                        <a:t>0.9722</a:t>
+                      </a:r>
+                      <a:endParaRPr lang="en-US" altLang="zh-CN" sz="800">
+                        <a:latin typeface="Times New Roman" panose="02020603050405020304" charset="0"/>
+                        <a:cs typeface="Times New Roman" panose="02020603050405020304" charset="0"/>
+                        <a:sym typeface="+mn-ea"/>
+                      </a:endParaRPr>
+                    </a:p>
+                  </a:txBody>
+                  <a:tcPr/>
+                </a:tc>
+                <a:tc>
+                  <a:txBody>
+                    <a:bodyPr/>
+                    <a:p>
+                      <a:pPr>
+                        <a:buNone/>
+                      </a:pPr>
+                      <a:r>
+                        <a:rPr lang="en-US" altLang="zh-CN" sz="800">
+                          <a:latin typeface="Times New Roman" panose="02020603050405020304" charset="0"/>
+                          <a:cs typeface="Times New Roman" panose="02020603050405020304" charset="0"/>
+                          <a:sym typeface="+mn-ea"/>
+                        </a:rPr>
+                        <a:t>0.7187</a:t>
+                      </a:r>
+                      <a:endParaRPr lang="en-US" altLang="zh-CN" sz="800">
+                        <a:latin typeface="Times New Roman" panose="02020603050405020304" charset="0"/>
+                        <a:cs typeface="Times New Roman" panose="02020603050405020304" charset="0"/>
+                        <a:sym typeface="+mn-ea"/>
+                      </a:endParaRPr>
+                    </a:p>
+                  </a:txBody>
+                  <a:tcPr/>
+                </a:tc>
+                <a:tc>
+                  <a:txBody>
+                    <a:bodyPr/>
+                    <a:p>
+                      <a:pPr>
+                        <a:buNone/>
+                      </a:pPr>
+                      <a:r>
+                        <a:rPr lang="en-US" altLang="zh-CN" sz="800">
+                          <a:latin typeface="Times New Roman" panose="02020603050405020304" charset="0"/>
+                          <a:cs typeface="Times New Roman" panose="02020603050405020304" charset="0"/>
+                          <a:sym typeface="+mn-ea"/>
+                        </a:rPr>
+                        <a:t>0.8164</a:t>
+                      </a:r>
+                      <a:endParaRPr lang="en-US" altLang="zh-CN" sz="800">
+                        <a:latin typeface="Times New Roman" panose="02020603050405020304" charset="0"/>
+                        <a:cs typeface="Times New Roman" panose="02020603050405020304" charset="0"/>
+                        <a:sym typeface="+mn-ea"/>
+                      </a:endParaRPr>
+                    </a:p>
+                  </a:txBody>
+                  <a:tcPr/>
+                </a:tc>
+                <a:tc>
+                  <a:txBody>
+                    <a:bodyPr/>
+                    <a:p>
+                      <a:pPr>
+                        <a:buNone/>
+                      </a:pPr>
+                      <a:r>
+                        <a:rPr lang="en-US" altLang="zh-CN" sz="800">
+                          <a:latin typeface="Times New Roman" panose="02020603050405020304" charset="0"/>
+                          <a:cs typeface="Times New Roman" panose="02020603050405020304" charset="0"/>
+                          <a:sym typeface="+mn-ea"/>
+                        </a:rPr>
+                        <a:t>14.0578</a:t>
+                      </a:r>
+                      <a:endParaRPr lang="en-US" altLang="zh-CN" sz="800">
+                        <a:latin typeface="Times New Roman" panose="02020603050405020304" charset="0"/>
+                        <a:cs typeface="Times New Roman" panose="02020603050405020304" charset="0"/>
+                        <a:sym typeface="+mn-ea"/>
+                      </a:endParaRPr>
+                    </a:p>
+                  </a:txBody>
+                  <a:tcPr/>
+                </a:tc>
+                <a:tc>
+                  <a:txBody>
+                    <a:bodyPr/>
+                    <a:p>
+                      <a:pPr>
+                        <a:buNone/>
+                      </a:pPr>
+                      <a:r>
+                        <a:rPr lang="en-US" altLang="zh-CN" sz="800">
+                          <a:latin typeface="Times New Roman" panose="02020603050405020304" charset="0"/>
+                          <a:cs typeface="Times New Roman" panose="02020603050405020304" charset="0"/>
+                          <a:sym typeface="+mn-ea"/>
+                        </a:rPr>
+                        <a:t>0.8294</a:t>
+                      </a:r>
+                      <a:endParaRPr lang="en-US" altLang="zh-CN" sz="800">
+                        <a:latin typeface="Times New Roman" panose="02020603050405020304" charset="0"/>
+                        <a:cs typeface="Times New Roman" panose="02020603050405020304" charset="0"/>
+                        <a:sym typeface="+mn-ea"/>
+                      </a:endParaRPr>
+                    </a:p>
+                  </a:txBody>
+                  <a:tcPr/>
+                </a:tc>
+              </a:tr>
+              <a:tr h="370205">
+                <a:tc>
+                  <a:txBody>
+                    <a:bodyPr/>
+                    <a:p>
+                      <a:pPr>
+                        <a:buNone/>
+                      </a:pPr>
+                      <a:r>
+                        <a:rPr lang="en-US" altLang="zh-CN" sz="800">
+                          <a:latin typeface="Times New Roman" panose="02020603050405020304" charset="0"/>
+                          <a:cs typeface="Times New Roman" panose="02020603050405020304" charset="0"/>
+                        </a:rPr>
+                        <a:t>TRFE+</a:t>
+                      </a:r>
+                      <a:endParaRPr lang="en-US" altLang="zh-CN" sz="800">
+                        <a:latin typeface="Times New Roman" panose="02020603050405020304" charset="0"/>
+                        <a:cs typeface="Times New Roman" panose="02020603050405020304" charset="0"/>
+                      </a:endParaRPr>
+                    </a:p>
+                  </a:txBody>
+                  <a:tcPr/>
+                </a:tc>
+                <a:tc>
+                  <a:txBody>
+                    <a:bodyPr/>
+                    <a:p>
+                      <a:pPr>
+                        <a:buNone/>
+                      </a:pPr>
+                      <a:r>
+                        <a:rPr lang="en-US" altLang="zh-CN" sz="800" b="0">
+                          <a:latin typeface="Times New Roman" panose="02020603050405020304" charset="0"/>
+                          <a:cs typeface="Times New Roman" panose="02020603050405020304" charset="0"/>
+                        </a:rPr>
+                        <a:t>0.8719</a:t>
+                      </a:r>
+                      <a:endParaRPr lang="en-US" altLang="zh-CN" sz="800" b="0">
+                        <a:latin typeface="Times New Roman" panose="02020603050405020304" charset="0"/>
+                        <a:cs typeface="Times New Roman" panose="02020603050405020304" charset="0"/>
+                      </a:endParaRPr>
+                    </a:p>
+                  </a:txBody>
+                  <a:tcPr/>
+                </a:tc>
+                <a:tc>
+                  <a:txBody>
+                    <a:bodyPr/>
+                    <a:p>
+                      <a:pPr>
+                        <a:buNone/>
+                      </a:pPr>
+                      <a:r>
+                        <a:rPr lang="en-US" altLang="zh-CN" sz="800">
+                          <a:latin typeface="Times New Roman" panose="02020603050405020304" charset="0"/>
+                          <a:cs typeface="Times New Roman" panose="02020603050405020304" charset="0"/>
+                          <a:sym typeface="+mn-ea"/>
+                        </a:rPr>
+                        <a:t>0.9713</a:t>
+                      </a:r>
+                      <a:endParaRPr lang="en-US" altLang="zh-CN" sz="800">
+                        <a:latin typeface="Times New Roman" panose="02020603050405020304" charset="0"/>
+                        <a:cs typeface="Times New Roman" panose="02020603050405020304" charset="0"/>
+                        <a:sym typeface="+mn-ea"/>
+                      </a:endParaRPr>
+                    </a:p>
+                  </a:txBody>
+                  <a:tcPr/>
+                </a:tc>
+                <a:tc>
+                  <a:txBody>
+                    <a:bodyPr/>
+                    <a:p>
+                      <a:pPr>
+                        <a:buNone/>
+                      </a:pPr>
+                      <a:r>
+                        <a:rPr lang="en-US" altLang="zh-CN" sz="800">
+                          <a:latin typeface="Times New Roman" panose="02020603050405020304" charset="0"/>
+                          <a:cs typeface="Times New Roman" panose="02020603050405020304" charset="0"/>
+                          <a:sym typeface="+mn-ea"/>
+                        </a:rPr>
+                        <a:t>0.7163</a:t>
+                      </a:r>
+                      <a:endParaRPr lang="en-US" altLang="zh-CN" sz="800">
+                        <a:latin typeface="Times New Roman" panose="02020603050405020304" charset="0"/>
+                        <a:cs typeface="Times New Roman" panose="02020603050405020304" charset="0"/>
+                        <a:sym typeface="+mn-ea"/>
+                      </a:endParaRPr>
+                    </a:p>
+                  </a:txBody>
+                  <a:tcPr/>
+                </a:tc>
+                <a:tc>
+                  <a:txBody>
+                    <a:bodyPr/>
+                    <a:p>
+                      <a:pPr>
+                        <a:buNone/>
+                      </a:pPr>
+                      <a:r>
+                        <a:rPr lang="en-US" altLang="zh-CN" sz="800">
+                          <a:latin typeface="Times New Roman" panose="02020603050405020304" charset="0"/>
+                          <a:cs typeface="Times New Roman" panose="02020603050405020304" charset="0"/>
+                          <a:sym typeface="+mn-ea"/>
+                        </a:rPr>
+                        <a:t>0.8147</a:t>
+                      </a:r>
+                      <a:endParaRPr lang="en-US" altLang="zh-CN" sz="800">
+                        <a:latin typeface="Times New Roman" panose="02020603050405020304" charset="0"/>
+                        <a:cs typeface="Times New Roman" panose="02020603050405020304" charset="0"/>
+                        <a:sym typeface="+mn-ea"/>
+                      </a:endParaRPr>
+                    </a:p>
+                  </a:txBody>
+                  <a:tcPr/>
+                </a:tc>
+                <a:tc>
+                  <a:txBody>
+                    <a:bodyPr/>
+                    <a:p>
+                      <a:pPr>
+                        <a:buNone/>
+                      </a:pPr>
+                      <a:r>
+                        <a:rPr lang="en-US" altLang="zh-CN" sz="800" b="1">
+                          <a:latin typeface="Times New Roman" panose="02020603050405020304" charset="0"/>
+                          <a:cs typeface="Times New Roman" panose="02020603050405020304" charset="0"/>
+                          <a:sym typeface="+mn-ea"/>
+                        </a:rPr>
+                        <a:t>12.2701</a:t>
+                      </a:r>
+                      <a:endParaRPr lang="en-US" altLang="zh-CN" sz="800" b="1">
+                        <a:latin typeface="Times New Roman" panose="02020603050405020304" charset="0"/>
+                        <a:cs typeface="Times New Roman" panose="02020603050405020304" charset="0"/>
+                        <a:sym typeface="+mn-ea"/>
+                      </a:endParaRPr>
+                    </a:p>
+                  </a:txBody>
+                  <a:tcPr/>
+                </a:tc>
+                <a:tc>
+                  <a:txBody>
+                    <a:bodyPr/>
+                    <a:p>
+                      <a:pPr>
+                        <a:buNone/>
+                      </a:pPr>
+                      <a:r>
+                        <a:rPr lang="en-US" altLang="zh-CN" sz="800">
+                          <a:latin typeface="Times New Roman" panose="02020603050405020304" charset="0"/>
+                          <a:cs typeface="Times New Roman" panose="02020603050405020304" charset="0"/>
+                          <a:sym typeface="+mn-ea"/>
+                        </a:rPr>
                         <a:t>0.8121</a:t>
                       </a:r>
-                      <a:endParaRPr lang="zh-CN" altLang="en-US"/>
+                      <a:endParaRPr lang="en-US" altLang="zh-CN" sz="800">
+                        <a:latin typeface="Times New Roman" panose="02020603050405020304" charset="0"/>
+                        <a:cs typeface="Times New Roman" panose="02020603050405020304" charset="0"/>
+                        <a:sym typeface="+mn-ea"/>
+                      </a:endParaRPr>
                     </a:p>
                   </a:txBody>
                   <a:tcPr/>
                 </a:tc>
               </a:tr>
-              <a:tr h="381000">
-                <a:tc>
-                  <a:txBody>
-                    <a:bodyPr/>
-                    <a:p>
-                      <a:pPr>
-                        <a:buNone/>
-                      </a:pPr>
-                      <a:r>
-                        <a:rPr lang="en-US" altLang="zh-CN"/>
+              <a:tr h="370205">
+                <a:tc>
+                  <a:txBody>
+                    <a:bodyPr/>
+                    <a:p>
+                      <a:pPr>
+                        <a:buNone/>
+                      </a:pPr>
+                      <a:r>
+                        <a:rPr lang="en-US" altLang="zh-CN" sz="800">
+                          <a:latin typeface="Times New Roman" panose="02020603050405020304" charset="0"/>
+                          <a:cs typeface="Times New Roman" panose="02020603050405020304" charset="0"/>
+                        </a:rPr>
                         <a:t>MASK-SAM</a:t>
                       </a:r>
-                      <a:endParaRPr lang="en-US" altLang="zh-CN"/>
-                    </a:p>
-                  </a:txBody>
-                  <a:tcPr/>
-                </a:tc>
-                <a:tc>
-                  <a:txBody>
-                    <a:bodyPr/>
-                    <a:p>
-                      <a:pPr>
-                        <a:buNone/>
-                      </a:pPr>
-                      <a:r>
-                        <a:rPr lang="en-US" altLang="zh-CN" b="1"/>
+                      <a:endParaRPr lang="en-US" altLang="zh-CN" sz="800">
+                        <a:latin typeface="Times New Roman" panose="02020603050405020304" charset="0"/>
+                        <a:cs typeface="Times New Roman" panose="02020603050405020304" charset="0"/>
+                      </a:endParaRPr>
+                    </a:p>
+                  </a:txBody>
+                  <a:tcPr/>
+                </a:tc>
+                <a:tc>
+                  <a:txBody>
+                    <a:bodyPr/>
+                    <a:p>
+                      <a:pPr>
+                        <a:buNone/>
+                      </a:pPr>
+                      <a:r>
+                        <a:rPr lang="en-US" altLang="zh-CN" sz="800" b="1">
+                          <a:latin typeface="Times New Roman" panose="02020603050405020304" charset="0"/>
+                          <a:cs typeface="Times New Roman" panose="02020603050405020304" charset="0"/>
+                        </a:rPr>
                         <a:t>0.8891</a:t>
                       </a:r>
-                      <a:endParaRPr lang="en-US" altLang="zh-CN" b="1"/>
-                    </a:p>
-                  </a:txBody>
-                  <a:tcPr/>
-                </a:tc>
-                <a:tc>
-                  <a:txBody>
-                    <a:bodyPr/>
-                    <a:p>
-                      <a:pPr>
-                        <a:buNone/>
-                      </a:pPr>
-                      <a:r>
-                        <a:rPr lang="en-US" altLang="zh-CN" sz="1800" b="1">
+                      <a:endParaRPr lang="en-US" altLang="zh-CN" sz="800" b="1">
+                        <a:latin typeface="Times New Roman" panose="02020603050405020304" charset="0"/>
+                        <a:cs typeface="Times New Roman" panose="02020603050405020304" charset="0"/>
+                      </a:endParaRPr>
+                    </a:p>
+                  </a:txBody>
+                  <a:tcPr/>
+                </a:tc>
+                <a:tc>
+                  <a:txBody>
+                    <a:bodyPr/>
+                    <a:p>
+                      <a:pPr>
+                        <a:buNone/>
+                      </a:pPr>
+                      <a:r>
+                        <a:rPr lang="en-US" altLang="zh-CN" sz="800" b="1">
+                          <a:latin typeface="Times New Roman" panose="02020603050405020304" charset="0"/>
+                          <a:cs typeface="Times New Roman" panose="02020603050405020304" charset="0"/>
                           <a:sym typeface="+mn-ea"/>
                         </a:rPr>
+                        <a:t>0.9726</a:t>
+                      </a:r>
+                      <a:endParaRPr lang="en-US" altLang="zh-CN" sz="800" b="1">
+                        <a:latin typeface="Times New Roman" panose="02020603050405020304" charset="0"/>
+                        <a:cs typeface="Times New Roman" panose="02020603050405020304" charset="0"/>
+                        <a:sym typeface="+mn-ea"/>
+                      </a:endParaRPr>
+                    </a:p>
+                  </a:txBody>
+                  <a:tcPr/>
+                </a:tc>
+                <a:tc>
+                  <a:txBody>
+                    <a:bodyPr/>
+                    <a:p>
+                      <a:pPr>
+                        <a:buNone/>
+                      </a:pPr>
+                      <a:r>
+                        <a:rPr lang="en-US" altLang="zh-CN" sz="800" b="1">
+                          <a:latin typeface="Times New Roman" panose="02020603050405020304" charset="0"/>
+                          <a:cs typeface="Times New Roman" panose="02020603050405020304" charset="0"/>
+                          <a:sym typeface="+mn-ea"/>
+                        </a:rPr>
+                        <a:t>0.7600</a:t>
+                      </a:r>
+                      <a:endParaRPr lang="en-US" altLang="zh-CN" sz="800" b="1">
+                        <a:latin typeface="Times New Roman" panose="02020603050405020304" charset="0"/>
+                        <a:cs typeface="Times New Roman" panose="02020603050405020304" charset="0"/>
+                        <a:sym typeface="+mn-ea"/>
+                      </a:endParaRPr>
+                    </a:p>
+                  </a:txBody>
+                  <a:tcPr/>
+                </a:tc>
+                <a:tc>
+                  <a:txBody>
+                    <a:bodyPr/>
+                    <a:p>
+                      <a:pPr>
+                        <a:buNone/>
+                      </a:pPr>
+                      <a:r>
+                        <a:rPr lang="en-US" altLang="zh-CN" sz="800" b="1">
+                          <a:latin typeface="Times New Roman" panose="02020603050405020304" charset="0"/>
+                          <a:cs typeface="Times New Roman" panose="02020603050405020304" charset="0"/>
+                          <a:sym typeface="+mn-ea"/>
+                        </a:rPr>
                         <a:t>0.8447</a:t>
                       </a:r>
-                      <a:endParaRPr lang="en-US" altLang="en-US" b="1"/>
-                    </a:p>
-                  </a:txBody>
-                  <a:tcPr/>
-                </a:tc>
-                <a:tc>
-                  <a:txBody>
-                    <a:bodyPr/>
-                    <a:p>
-                      <a:pPr>
-                        <a:buNone/>
-                      </a:pPr>
-                      <a:r>
-                        <a:rPr lang="en-US" altLang="zh-CN" sz="1800" b="1">
+                      <a:endParaRPr lang="en-US" altLang="zh-CN" sz="800" b="1">
+                        <a:latin typeface="Times New Roman" panose="02020603050405020304" charset="0"/>
+                        <a:cs typeface="Times New Roman" panose="02020603050405020304" charset="0"/>
+                        <a:sym typeface="+mn-ea"/>
+                      </a:endParaRPr>
+                    </a:p>
+                  </a:txBody>
+                  <a:tcPr/>
+                </a:tc>
+                <a:tc>
+                  <a:txBody>
+                    <a:bodyPr/>
+                    <a:p>
+                      <a:pPr>
+                        <a:buNone/>
+                      </a:pPr>
+                      <a:r>
+                        <a:rPr lang="en-US" altLang="zh-CN" sz="800">
+                          <a:latin typeface="Times New Roman" panose="02020603050405020304" charset="0"/>
+                          <a:cs typeface="Times New Roman" panose="02020603050405020304" charset="0"/>
                           <a:sym typeface="+mn-ea"/>
                         </a:rPr>
-                        <a:t>0.9726</a:t>
-                      </a:r>
-                      <a:endParaRPr lang="en-US" altLang="en-US" b="1"/>
-                    </a:p>
-                  </a:txBody>
-                  <a:tcPr/>
-                </a:tc>
-                <a:tc>
-                  <a:txBody>
-                    <a:bodyPr/>
-                    <a:p>
-                      <a:pPr>
-                        <a:buNone/>
-                      </a:pPr>
-                      <a:r>
-                        <a:rPr lang="en-US" altLang="zh-CN" sz="1800" b="1">
+                        <a:t>14.3962</a:t>
+                      </a:r>
+                      <a:endParaRPr lang="en-US" altLang="zh-CN" sz="800">
+                        <a:latin typeface="Times New Roman" panose="02020603050405020304" charset="0"/>
+                        <a:cs typeface="Times New Roman" panose="02020603050405020304" charset="0"/>
+                        <a:sym typeface="+mn-ea"/>
+                      </a:endParaRPr>
+                    </a:p>
+                  </a:txBody>
+                  <a:tcPr/>
+                </a:tc>
+                <a:tc>
+                  <a:txBody>
+                    <a:bodyPr/>
+                    <a:p>
+                      <a:pPr>
+                        <a:buNone/>
+                      </a:pPr>
+                      <a:r>
+                        <a:rPr lang="en-US" altLang="zh-CN" sz="800" b="1">
+                          <a:latin typeface="Times New Roman" panose="02020603050405020304" charset="0"/>
+                          <a:cs typeface="Times New Roman" panose="02020603050405020304" charset="0"/>
                           <a:sym typeface="+mn-ea"/>
                         </a:rPr>
-                        <a:t>0.7600</a:t>
-                      </a:r>
-                      <a:endParaRPr lang="zh-CN" altLang="en-US" b="1"/>
-                    </a:p>
-                  </a:txBody>
-                  <a:tcPr/>
-                </a:tc>
-                <a:tc>
-                  <a:txBody>
-                    <a:bodyPr/>
-                    <a:p>
-                      <a:pPr>
-                        <a:buNone/>
-                      </a:pPr>
-                      <a:r>
-                        <a:rPr lang="en-US" altLang="zh-CN" sz="1800" b="1">
-                          <a:sym typeface="+mn-ea"/>
-                        </a:rPr>
-                        <a:t>0.8447</a:t>
-                      </a:r>
-                      <a:endParaRPr lang="zh-CN" altLang="en-US" b="1"/>
-                    </a:p>
-                  </a:txBody>
-                  <a:tcPr/>
-                </a:tc>
-                <a:tc>
-                  <a:txBody>
-                    <a:bodyPr/>
-                    <a:p>
-                      <a:pPr>
-                        <a:buNone/>
-                      </a:pPr>
-                      <a:r>
-                        <a:rPr lang="en-US" altLang="zh-CN" sz="1800">
-                          <a:sym typeface="+mn-ea"/>
-                        </a:rPr>
-                        <a:t>14.3962</a:t>
-                      </a:r>
-                      <a:endParaRPr lang="zh-CN" altLang="en-US"/>
-                    </a:p>
-                  </a:txBody>
-                  <a:tcPr/>
-                </a:tc>
-                <a:tc>
-                  <a:txBody>
-                    <a:bodyPr/>
-                    <a:p>
-                      <a:pPr>
-                        <a:buNone/>
-                      </a:pPr>
-                      <a:r>
-                        <a:rPr lang="en-US" altLang="zh-CN" sz="1800" b="1">
-                          <a:sym typeface="+mn-ea"/>
-                        </a:rPr>
                         <a:t>0.8502</a:t>
                       </a:r>
-                      <a:endParaRPr lang="zh-CN" altLang="en-US" b="1"/>
+                      <a:endParaRPr lang="en-US" altLang="zh-CN" sz="800" b="1">
+                        <a:latin typeface="Times New Roman" panose="02020603050405020304" charset="0"/>
+                        <a:cs typeface="Times New Roman" panose="02020603050405020304" charset="0"/>
+                        <a:sym typeface="+mn-ea"/>
+                      </a:endParaRPr>
                     </a:p>
                   </a:txBody>
                   <a:tcPr/>
@@ -7562,7 +7500,7 @@
       </p:sp>
     </p:spTree>
     <p:custDataLst>
-      <p:tags r:id="rId1"/>
+      <p:tags r:id="rId2"/>
     </p:custDataLst>
   </p:cSld>
   <p:clrMapOvr>
@@ -7610,6 +7548,777 @@
           </a:p>
         </p:txBody>
       </p:sp>
+      <p:graphicFrame>
+        <p:nvGraphicFramePr>
+          <p:cNvPr id="3" name="表格 2"/>
+          <p:cNvGraphicFramePr/>
+          <p:nvPr>
+            <p:custDataLst>
+              <p:tags r:id="rId1"/>
+            </p:custDataLst>
+          </p:nvPr>
+        </p:nvGraphicFramePr>
+        <p:xfrm>
+          <a:off x="1046480" y="2665730"/>
+          <a:ext cx="8979535" cy="2636520"/>
+        </p:xfrm>
+        <a:graphic>
+          <a:graphicData uri="http://schemas.openxmlformats.org/drawingml/2006/table">
+            <a:tbl>
+              <a:tblPr firstRow="1" bandRow="1">
+                <a:tableStyleId>{5C22544A-7EE6-4342-B048-85BDC9FD1C3A}</a:tableStyleId>
+              </a:tblPr>
+              <a:tblGrid>
+                <a:gridCol w="1597025"/>
+                <a:gridCol w="1237897"/>
+                <a:gridCol w="1197399"/>
+                <a:gridCol w="1197399"/>
+                <a:gridCol w="1128395"/>
+                <a:gridCol w="1081405"/>
+                <a:gridCol w="1539875"/>
+              </a:tblGrid>
+              <a:tr h="326390">
+                <a:tc rowSpan="2">
+                  <a:txBody>
+                    <a:bodyPr/>
+                    <a:p>
+                      <a:pPr>
+                        <a:buNone/>
+                      </a:pPr>
+                      <a:r>
+                        <a:rPr lang="en-US" altLang="zh-CN">
+                          <a:ln w="12700" cmpd="sng">
+                            <a:noFill/>
+                            <a:prstDash val="solid"/>
+                          </a:ln>
+                          <a:solidFill>
+                            <a:schemeClr val="tx1"/>
+                          </a:solidFill>
+                        </a:rPr>
+                        <a:t>Models</a:t>
+                      </a:r>
+                      <a:endParaRPr lang="en-US" altLang="zh-CN">
+                        <a:ln w="12700" cmpd="sng">
+                          <a:noFill/>
+                          <a:prstDash val="solid"/>
+                        </a:ln>
+                        <a:solidFill>
+                          <a:schemeClr val="tx1"/>
+                        </a:solidFill>
+                      </a:endParaRPr>
+                    </a:p>
+                  </a:txBody>
+                  <a:tcPr anchor="ctr" anchorCtr="0">
+                    <a:solidFill>
+                      <a:schemeClr val="bg2"/>
+                    </a:solidFill>
+                  </a:tcPr>
+                </a:tc>
+                <a:tc gridSpan="3">
+                  <a:txBody>
+                    <a:bodyPr/>
+                    <a:p>
+                      <a:pPr>
+                        <a:buNone/>
+                      </a:pPr>
+                      <a:r>
+                        <a:rPr lang="en-US" altLang="zh-CN">
+                          <a:solidFill>
+                            <a:schemeClr val="tx1"/>
+                          </a:solidFill>
+                        </a:rPr>
+                        <a:t>Prompt</a:t>
+                      </a:r>
+                      <a:endParaRPr lang="en-US" altLang="zh-CN">
+                        <a:solidFill>
+                          <a:schemeClr val="tx1"/>
+                        </a:solidFill>
+                      </a:endParaRPr>
+                    </a:p>
+                  </a:txBody>
+                  <a:tcPr>
+                    <a:solidFill>
+                      <a:schemeClr val="bg2"/>
+                    </a:solidFill>
+                  </a:tcPr>
+                </a:tc>
+                <a:tc hMerge="1">
+                  <a:tcPr/>
+                </a:tc>
+                <a:tc hMerge="1">
+                  <a:tcPr>
+                    <a:solidFill>
+                      <a:schemeClr val="bg2"/>
+                    </a:solidFill>
+                  </a:tcPr>
+                </a:tc>
+                <a:tc rowSpan="2">
+                  <a:txBody>
+                    <a:bodyPr/>
+                    <a:p>
+                      <a:pPr>
+                        <a:buNone/>
+                      </a:pPr>
+                      <a:r>
+                        <a:rPr lang="en-US" altLang="zh-CN">
+                          <a:solidFill>
+                            <a:schemeClr val="tx1"/>
+                          </a:solidFill>
+                        </a:rPr>
+                        <a:t>Iou</a:t>
+                      </a:r>
+                      <a:endParaRPr lang="en-US" altLang="zh-CN">
+                        <a:solidFill>
+                          <a:schemeClr val="tx1"/>
+                        </a:solidFill>
+                      </a:endParaRPr>
+                    </a:p>
+                  </a:txBody>
+                  <a:tcPr anchor="ctr" anchorCtr="0">
+                    <a:solidFill>
+                      <a:schemeClr val="bg2"/>
+                    </a:solidFill>
+                  </a:tcPr>
+                </a:tc>
+                <a:tc rowSpan="2">
+                  <a:txBody>
+                    <a:bodyPr/>
+                    <a:p>
+                      <a:pPr>
+                        <a:buNone/>
+                      </a:pPr>
+                      <a:r>
+                        <a:rPr lang="en-US" altLang="zh-CN">
+                          <a:solidFill>
+                            <a:schemeClr val="tx1"/>
+                          </a:solidFill>
+                        </a:rPr>
+                        <a:t>Dice</a:t>
+                      </a:r>
+                      <a:endParaRPr lang="en-US" altLang="zh-CN">
+                        <a:solidFill>
+                          <a:schemeClr val="tx1"/>
+                        </a:solidFill>
+                      </a:endParaRPr>
+                    </a:p>
+                  </a:txBody>
+                  <a:tcPr anchor="ctr" anchorCtr="0">
+                    <a:solidFill>
+                      <a:schemeClr val="bg2"/>
+                    </a:solidFill>
+                  </a:tcPr>
+                </a:tc>
+                <a:tc rowSpan="2">
+                  <a:txBody>
+                    <a:bodyPr/>
+                    <a:p>
+                      <a:pPr>
+                        <a:buNone/>
+                      </a:pPr>
+                      <a:r>
+                        <a:rPr lang="en-US" altLang="zh-CN" sz="1800">
+                          <a:solidFill>
+                            <a:schemeClr val="tx1"/>
+                          </a:solidFill>
+                          <a:sym typeface="+mn-ea"/>
+                        </a:rPr>
+                        <a:t>Precision</a:t>
+                      </a:r>
+                      <a:endParaRPr lang="en-US" altLang="zh-CN">
+                        <a:solidFill>
+                          <a:schemeClr val="tx1"/>
+                        </a:solidFill>
+                      </a:endParaRPr>
+                    </a:p>
+                  </a:txBody>
+                  <a:tcPr anchor="ctr" anchorCtr="0">
+                    <a:solidFill>
+                      <a:schemeClr val="bg2"/>
+                    </a:solidFill>
+                  </a:tcPr>
+                </a:tc>
+              </a:tr>
+              <a:tr h="384810">
+                <a:tc vMerge="1">
+                  <a:tcPr/>
+                </a:tc>
+                <a:tc>
+                  <a:txBody>
+                    <a:bodyPr/>
+                    <a:p>
+                      <a:pPr>
+                        <a:buNone/>
+                      </a:pPr>
+                      <a:r>
+                        <a:rPr lang="en-US" altLang="zh-CN" sz="1800">
+                          <a:sym typeface="+mn-ea"/>
+                        </a:rPr>
+                        <a:t>point</a:t>
+                      </a:r>
+                      <a:endParaRPr lang="en-US" altLang="zh-CN">
+                        <a:solidFill>
+                          <a:schemeClr val="tx1"/>
+                        </a:solidFill>
+                      </a:endParaRPr>
+                    </a:p>
+                  </a:txBody>
+                  <a:tcPr>
+                    <a:solidFill>
+                      <a:schemeClr val="bg2"/>
+                    </a:solidFill>
+                  </a:tcPr>
+                </a:tc>
+                <a:tc>
+                  <a:txBody>
+                    <a:bodyPr/>
+                    <a:p>
+                      <a:pPr>
+                        <a:buNone/>
+                      </a:pPr>
+                      <a:r>
+                        <a:rPr lang="en-US" altLang="zh-CN" sz="1800">
+                          <a:solidFill>
+                            <a:schemeClr val="tx1"/>
+                          </a:solidFill>
+                          <a:sym typeface="+mn-ea"/>
+                        </a:rPr>
+                        <a:t>box</a:t>
+                      </a:r>
+                      <a:endParaRPr lang="en-US" altLang="zh-CN">
+                        <a:solidFill>
+                          <a:schemeClr val="tx1"/>
+                        </a:solidFill>
+                      </a:endParaRPr>
+                    </a:p>
+                  </a:txBody>
+                  <a:tcPr>
+                    <a:solidFill>
+                      <a:schemeClr val="bg2"/>
+                    </a:solidFill>
+                  </a:tcPr>
+                </a:tc>
+                <a:tc>
+                  <a:txBody>
+                    <a:bodyPr/>
+                    <a:p>
+                      <a:pPr>
+                        <a:buNone/>
+                      </a:pPr>
+                      <a:r>
+                        <a:rPr lang="en-US" altLang="zh-CN">
+                          <a:solidFill>
+                            <a:schemeClr val="tx1"/>
+                          </a:solidFill>
+                        </a:rPr>
+                        <a:t>mask</a:t>
+                      </a:r>
+                      <a:endParaRPr lang="en-US" altLang="zh-CN">
+                        <a:solidFill>
+                          <a:schemeClr val="tx1"/>
+                        </a:solidFill>
+                      </a:endParaRPr>
+                    </a:p>
+                  </a:txBody>
+                  <a:tcPr>
+                    <a:solidFill>
+                      <a:schemeClr val="bg2"/>
+                    </a:solidFill>
+                  </a:tcPr>
+                </a:tc>
+                <a:tc vMerge="1">
+                  <a:tcPr/>
+                </a:tc>
+                <a:tc vMerge="1">
+                  <a:tcPr/>
+                </a:tc>
+                <a:tc vMerge="1">
+                  <a:tcPr/>
+                </a:tc>
+              </a:tr>
+              <a:tr h="377190">
+                <a:tc>
+                  <a:txBody>
+                    <a:bodyPr/>
+                    <a:p>
+                      <a:pPr>
+                        <a:buNone/>
+                      </a:pPr>
+                      <a:r>
+                        <a:rPr lang="en-US" altLang="zh-CN"/>
+                        <a:t>SAM</a:t>
+                      </a:r>
+                      <a:endParaRPr lang="en-US" altLang="zh-CN"/>
+                    </a:p>
+                  </a:txBody>
+                  <a:tcPr/>
+                </a:tc>
+                <a:tc>
+                  <a:txBody>
+                    <a:bodyPr/>
+                    <a:p>
+                      <a:pPr>
+                        <a:buNone/>
+                      </a:pPr>
+                      <a:endParaRPr lang="zh-CN" altLang="en-US"/>
+                    </a:p>
+                  </a:txBody>
+                  <a:tcPr/>
+                </a:tc>
+                <a:tc>
+                  <a:txBody>
+                    <a:bodyPr/>
+                    <a:p>
+                      <a:pPr>
+                        <a:buNone/>
+                      </a:pPr>
+                      <a:endParaRPr lang="zh-CN" altLang="en-US"/>
+                    </a:p>
+                  </a:txBody>
+                  <a:tcPr/>
+                </a:tc>
+                <a:tc>
+                  <a:txBody>
+                    <a:bodyPr/>
+                    <a:p>
+                      <a:pPr>
+                        <a:buNone/>
+                      </a:pPr>
+                      <a:endParaRPr lang="zh-CN" altLang="en-US"/>
+                    </a:p>
+                  </a:txBody>
+                  <a:tcPr/>
+                </a:tc>
+                <a:tc>
+                  <a:txBody>
+                    <a:bodyPr/>
+                    <a:p>
+                      <a:pPr>
+                        <a:buNone/>
+                      </a:pPr>
+                      <a:r>
+                        <a:rPr lang="en-US" altLang="zh-CN"/>
+                        <a:t>0.3200</a:t>
+                      </a:r>
+                      <a:endParaRPr lang="en-US" altLang="zh-CN"/>
+                    </a:p>
+                  </a:txBody>
+                  <a:tcPr/>
+                </a:tc>
+                <a:tc>
+                  <a:txBody>
+                    <a:bodyPr/>
+                    <a:p>
+                      <a:pPr>
+                        <a:buNone/>
+                      </a:pPr>
+                      <a:r>
+                        <a:rPr lang="en-US" altLang="zh-CN"/>
+                        <a:t>0.4291</a:t>
+                      </a:r>
+                      <a:endParaRPr lang="en-US" altLang="zh-CN"/>
+                    </a:p>
+                  </a:txBody>
+                  <a:tcPr/>
+                </a:tc>
+                <a:tc>
+                  <a:txBody>
+                    <a:bodyPr/>
+                    <a:p>
+                      <a:pPr>
+                        <a:buNone/>
+                      </a:pPr>
+                      <a:r>
+                        <a:rPr lang="en-US" altLang="zh-CN"/>
+                        <a:t>0.3422</a:t>
+                      </a:r>
+                      <a:endParaRPr lang="en-US" altLang="zh-CN"/>
+                    </a:p>
+                  </a:txBody>
+                  <a:tcPr/>
+                </a:tc>
+              </a:tr>
+              <a:tr h="377190">
+                <a:tc>
+                  <a:txBody>
+                    <a:bodyPr/>
+                    <a:p>
+                      <a:pPr>
+                        <a:buNone/>
+                      </a:pPr>
+                      <a:r>
+                        <a:rPr lang="en-US" altLang="zh-CN"/>
+                        <a:t>MASK-SAM</a:t>
+                      </a:r>
+                      <a:endParaRPr lang="en-US" altLang="zh-CN"/>
+                    </a:p>
+                  </a:txBody>
+                  <a:tcPr/>
+                </a:tc>
+                <a:tc>
+                  <a:txBody>
+                    <a:bodyPr/>
+                    <a:p>
+                      <a:pPr>
+                        <a:buNone/>
+                      </a:pPr>
+                      <a:r>
+                        <a:rPr lang="en-US" altLang="en-US" sz="1800">
+                          <a:sym typeface="+mn-ea"/>
+                        </a:rPr>
+                        <a:t>✓</a:t>
+                      </a:r>
+                      <a:endParaRPr lang="zh-CN" altLang="en-US"/>
+                    </a:p>
+                  </a:txBody>
+                  <a:tcPr/>
+                </a:tc>
+                <a:tc>
+                  <a:txBody>
+                    <a:bodyPr/>
+                    <a:p>
+                      <a:pPr>
+                        <a:buNone/>
+                      </a:pPr>
+                      <a:endParaRPr lang="zh-CN" altLang="en-US"/>
+                    </a:p>
+                  </a:txBody>
+                  <a:tcPr/>
+                </a:tc>
+                <a:tc>
+                  <a:txBody>
+                    <a:bodyPr/>
+                    <a:p>
+                      <a:pPr>
+                        <a:buNone/>
+                      </a:pPr>
+                      <a:endParaRPr lang="zh-CN" altLang="en-US"/>
+                    </a:p>
+                  </a:txBody>
+                  <a:tcPr/>
+                </a:tc>
+                <a:tc>
+                  <a:txBody>
+                    <a:bodyPr/>
+                    <a:p>
+                      <a:pPr>
+                        <a:buNone/>
+                      </a:pPr>
+                      <a:r>
+                        <a:rPr lang="en-US" altLang="zh-CN"/>
+                        <a:t>0.5206</a:t>
+                      </a:r>
+                      <a:endParaRPr lang="en-US" altLang="zh-CN"/>
+                    </a:p>
+                  </a:txBody>
+                  <a:tcPr/>
+                </a:tc>
+                <a:tc>
+                  <a:txBody>
+                    <a:bodyPr/>
+                    <a:p>
+                      <a:pPr>
+                        <a:buNone/>
+                      </a:pPr>
+                      <a:r>
+                        <a:rPr lang="en-US" altLang="zh-CN"/>
+                        <a:t>0.6434</a:t>
+                      </a:r>
+                      <a:endParaRPr lang="en-US" altLang="zh-CN"/>
+                    </a:p>
+                  </a:txBody>
+                  <a:tcPr/>
+                </a:tc>
+                <a:tc>
+                  <a:txBody>
+                    <a:bodyPr/>
+                    <a:p>
+                      <a:pPr>
+                        <a:buNone/>
+                      </a:pPr>
+                      <a:r>
+                        <a:rPr lang="en-US" altLang="zh-CN"/>
+                        <a:t>0.5603</a:t>
+                      </a:r>
+                      <a:endParaRPr lang="en-US" altLang="zh-CN"/>
+                    </a:p>
+                  </a:txBody>
+                  <a:tcPr/>
+                </a:tc>
+              </a:tr>
+              <a:tr h="377190">
+                <a:tc>
+                  <a:txBody>
+                    <a:bodyPr/>
+                    <a:p>
+                      <a:pPr>
+                        <a:buNone/>
+                      </a:pPr>
+                      <a:r>
+                        <a:rPr lang="en-US" altLang="zh-CN" sz="1800">
+                          <a:sym typeface="+mn-ea"/>
+                        </a:rPr>
+                        <a:t>MASK-SAM</a:t>
+                      </a:r>
+                      <a:endParaRPr lang="en-US" altLang="zh-CN"/>
+                    </a:p>
+                  </a:txBody>
+                  <a:tcPr/>
+                </a:tc>
+                <a:tc>
+                  <a:txBody>
+                    <a:bodyPr/>
+                    <a:p>
+                      <a:pPr>
+                        <a:buNone/>
+                      </a:pPr>
+                      <a:endParaRPr lang="en-US" altLang="en-US"/>
+                    </a:p>
+                  </a:txBody>
+                  <a:tcPr/>
+                </a:tc>
+                <a:tc>
+                  <a:txBody>
+                    <a:bodyPr/>
+                    <a:p>
+                      <a:pPr>
+                        <a:buNone/>
+                      </a:pPr>
+                      <a:r>
+                        <a:rPr lang="en-US" altLang="en-US" sz="1800">
+                          <a:sym typeface="+mn-ea"/>
+                        </a:rPr>
+                        <a:t>✓</a:t>
+                      </a:r>
+                      <a:endParaRPr lang="zh-CN" altLang="en-US"/>
+                    </a:p>
+                  </a:txBody>
+                  <a:tcPr/>
+                </a:tc>
+                <a:tc>
+                  <a:txBody>
+                    <a:bodyPr/>
+                    <a:p>
+                      <a:pPr>
+                        <a:buNone/>
+                      </a:pPr>
+                      <a:endParaRPr lang="zh-CN" altLang="en-US"/>
+                    </a:p>
+                  </a:txBody>
+                  <a:tcPr/>
+                </a:tc>
+                <a:tc>
+                  <a:txBody>
+                    <a:bodyPr/>
+                    <a:p>
+                      <a:pPr>
+                        <a:buNone/>
+                      </a:pPr>
+                      <a:r>
+                        <a:rPr lang="en-US" altLang="zh-CN"/>
+                        <a:t>0.7014</a:t>
+                      </a:r>
+                      <a:endParaRPr lang="en-US" altLang="zh-CN"/>
+                    </a:p>
+                  </a:txBody>
+                  <a:tcPr/>
+                </a:tc>
+                <a:tc>
+                  <a:txBody>
+                    <a:bodyPr/>
+                    <a:p>
+                      <a:pPr>
+                        <a:buNone/>
+                      </a:pPr>
+                      <a:r>
+                        <a:rPr lang="en-US" altLang="zh-CN"/>
+                        <a:t>0.8030</a:t>
+                      </a:r>
+                      <a:endParaRPr lang="en-US" altLang="zh-CN"/>
+                    </a:p>
+                  </a:txBody>
+                  <a:tcPr/>
+                </a:tc>
+                <a:tc>
+                  <a:txBody>
+                    <a:bodyPr/>
+                    <a:p>
+                      <a:pPr>
+                        <a:buNone/>
+                      </a:pPr>
+                      <a:r>
+                        <a:rPr lang="en-US" altLang="zh-CN"/>
+                        <a:t>0.7628</a:t>
+                      </a:r>
+                      <a:endParaRPr lang="en-US" altLang="zh-CN"/>
+                    </a:p>
+                  </a:txBody>
+                  <a:tcPr/>
+                </a:tc>
+              </a:tr>
+              <a:tr h="377190">
+                <a:tc>
+                  <a:txBody>
+                    <a:bodyPr/>
+                    <a:p>
+                      <a:pPr>
+                        <a:buNone/>
+                      </a:pPr>
+                      <a:r>
+                        <a:rPr lang="en-US" altLang="zh-CN" sz="1800">
+                          <a:sym typeface="+mn-ea"/>
+                        </a:rPr>
+                        <a:t>MASK-SAM</a:t>
+                      </a:r>
+                      <a:endParaRPr lang="en-US" altLang="zh-CN"/>
+                    </a:p>
+                  </a:txBody>
+                  <a:tcPr/>
+                </a:tc>
+                <a:tc>
+                  <a:txBody>
+                    <a:bodyPr/>
+                    <a:p>
+                      <a:pPr>
+                        <a:buNone/>
+                      </a:pPr>
+                      <a:endParaRPr lang="en-US" altLang="en-US"/>
+                    </a:p>
+                  </a:txBody>
+                  <a:tcPr/>
+                </a:tc>
+                <a:tc>
+                  <a:txBody>
+                    <a:bodyPr/>
+                    <a:p>
+                      <a:pPr>
+                        <a:buNone/>
+                      </a:pPr>
+                      <a:endParaRPr lang="en-US" altLang="en-US"/>
+                    </a:p>
+                  </a:txBody>
+                  <a:tcPr/>
+                </a:tc>
+                <a:tc>
+                  <a:txBody>
+                    <a:bodyPr/>
+                    <a:p>
+                      <a:pPr>
+                        <a:buNone/>
+                      </a:pPr>
+                      <a:r>
+                        <a:rPr lang="en-US" altLang="en-US" sz="1800">
+                          <a:sym typeface="+mn-ea"/>
+                        </a:rPr>
+                        <a:t>✓</a:t>
+                      </a:r>
+                      <a:endParaRPr lang="en-US" altLang="en-US"/>
+                    </a:p>
+                  </a:txBody>
+                  <a:tcPr/>
+                </a:tc>
+                <a:tc>
+                  <a:txBody>
+                    <a:bodyPr/>
+                    <a:p>
+                      <a:pPr>
+                        <a:buNone/>
+                      </a:pPr>
+                      <a:r>
+                        <a:rPr lang="en-US" altLang="zh-CN"/>
+                        <a:t>0.7600</a:t>
+                      </a:r>
+                      <a:endParaRPr lang="en-US" altLang="zh-CN"/>
+                    </a:p>
+                  </a:txBody>
+                  <a:tcPr/>
+                </a:tc>
+                <a:tc>
+                  <a:txBody>
+                    <a:bodyPr/>
+                    <a:p>
+                      <a:pPr>
+                        <a:buNone/>
+                      </a:pPr>
+                      <a:r>
+                        <a:rPr lang="en-US" altLang="zh-CN"/>
+                        <a:t>0.8447</a:t>
+                      </a:r>
+                      <a:endParaRPr lang="en-US" altLang="zh-CN"/>
+                    </a:p>
+                  </a:txBody>
+                  <a:tcPr/>
+                </a:tc>
+                <a:tc>
+                  <a:txBody>
+                    <a:bodyPr/>
+                    <a:p>
+                      <a:pPr>
+                        <a:buNone/>
+                      </a:pPr>
+                      <a:r>
+                        <a:rPr lang="en-US" altLang="zh-CN"/>
+                        <a:t>0.8502</a:t>
+                      </a:r>
+                      <a:endParaRPr lang="en-US" altLang="zh-CN"/>
+                    </a:p>
+                  </a:txBody>
+                  <a:tcPr/>
+                </a:tc>
+              </a:tr>
+            </a:tbl>
+          </a:graphicData>
+        </a:graphic>
+      </p:graphicFrame>
+    </p:spTree>
+    <p:custDataLst>
+      <p:tags r:id="rId2"/>
+    </p:custDataLst>
+  </p:cSld>
+  <p:clrMapOvr>
+    <a:masterClrMapping/>
+  </p:clrMapOvr>
+</p:sld>
+</file>
+
+<file path=ppt/slides/slide6.xml><?xml version="1.0" encoding="utf-8"?>
+<p:sld xmlns:a="http://schemas.openxmlformats.org/drawingml/2006/main" xmlns:r="http://schemas.openxmlformats.org/officeDocument/2006/relationships" xmlns:p="http://schemas.openxmlformats.org/presentationml/2006/main">
+  <p:cSld>
+    <p:spTree>
+      <p:nvGrpSpPr>
+        <p:cNvPr id="1" name=""/>
+        <p:cNvGrpSpPr/>
+        <p:nvPr/>
+      </p:nvGrpSpPr>
+      <p:grpSpPr/>
+      <p:sp>
+        <p:nvSpPr>
+          <p:cNvPr id="5" name="文本框 4"/>
+          <p:cNvSpPr txBox="1"/>
+          <p:nvPr/>
+        </p:nvSpPr>
+        <p:spPr>
+          <a:xfrm>
+            <a:off x="3309620" y="2026285"/>
+            <a:ext cx="5022215" cy="368300"/>
+          </a:xfrm>
+          <a:prstGeom prst="rect">
+            <a:avLst/>
+          </a:prstGeom>
+          <a:noFill/>
+        </p:spPr>
+        <p:txBody>
+          <a:bodyPr wrap="square" rtlCol="0">
+            <a:spAutoFit/>
+          </a:bodyPr>
+          <a:p>
+            <a:r>
+              <a:rPr lang="en-US" altLang="zh-CN"/>
+              <a:t>Tabel 2 Ablation study on the TN3K test set</a:t>
+            </a:r>
+            <a:endParaRPr lang="en-US" altLang="zh-CN"/>
+          </a:p>
+        </p:txBody>
+      </p:sp>
       <p:sp>
         <p:nvSpPr>
           <p:cNvPr id="2" name="文本框 1"/>
@@ -8860,6 +9569,1668 @@
     </p:spTree>
     <p:custDataLst>
       <p:tags r:id="rId1"/>
+    </p:custDataLst>
+  </p:cSld>
+  <p:clrMapOvr>
+    <a:masterClrMapping/>
+  </p:clrMapOvr>
+</p:sld>
+</file>
+
+<file path=ppt/slides/slide7.xml><?xml version="1.0" encoding="utf-8"?>
+<p:sld xmlns:a="http://schemas.openxmlformats.org/drawingml/2006/main" xmlns:r="http://schemas.openxmlformats.org/officeDocument/2006/relationships" xmlns:p="http://schemas.openxmlformats.org/presentationml/2006/main">
+  <p:cSld>
+    <p:spTree>
+      <p:nvGrpSpPr>
+        <p:cNvPr id="1" name=""/>
+        <p:cNvGrpSpPr/>
+        <p:nvPr/>
+      </p:nvGrpSpPr>
+      <p:grpSpPr/>
+      <p:sp>
+        <p:nvSpPr>
+          <p:cNvPr id="7" name="流程图: 可选过程 6"/>
+          <p:cNvSpPr/>
+          <p:nvPr/>
+        </p:nvSpPr>
+        <p:spPr>
+          <a:xfrm>
+            <a:off x="3258820" y="2665095"/>
+            <a:ext cx="914400" cy="611505"/>
+          </a:xfrm>
+          <a:prstGeom prst="flowChartAlternateProcess">
+            <a:avLst/>
+          </a:prstGeom>
+          <a:solidFill>
+            <a:schemeClr val="bg1"/>
+          </a:solidFill>
+          <a:ln w="12700" cmpd="sng">
+            <a:solidFill>
+              <a:schemeClr val="tx1"/>
+            </a:solidFill>
+            <a:prstDash val="solid"/>
+          </a:ln>
+        </p:spPr>
+        <p:style>
+          <a:lnRef idx="2">
+            <a:schemeClr val="accent1">
+              <a:lumMod val="75000"/>
+            </a:schemeClr>
+          </a:lnRef>
+          <a:fillRef idx="1">
+            <a:schemeClr val="accent1"/>
+          </a:fillRef>
+          <a:effectRef idx="0">
+            <a:srgbClr val="FFFFFF"/>
+          </a:effectRef>
+          <a:fontRef idx="minor">
+            <a:schemeClr val="lt1"/>
+          </a:fontRef>
+        </p:style>
+        <p:txBody>
+          <a:bodyPr rtlCol="0" anchor="ctr"/>
+          <a:p>
+            <a:pPr algn="ctr"/>
+            <a:endParaRPr lang="zh-CN" altLang="en-US"/>
+          </a:p>
+        </p:txBody>
+      </p:sp>
+      <p:graphicFrame>
+        <p:nvGraphicFramePr>
+          <p:cNvPr id="8" name="对象 7">
+            <a:hlinkClick r:id="" action="ppaction://ole?verb="/>
+          </p:cNvPr>
+          <p:cNvGraphicFramePr>
+            <a:graphicFrameLocks noChangeAspect="1"/>
+          </p:cNvGraphicFramePr>
+          <p:nvPr/>
+        </p:nvGraphicFramePr>
+        <p:xfrm>
+          <a:off x="3259455" y="2675255"/>
+          <a:ext cx="913765" cy="636270"/>
+        </p:xfrm>
+        <a:graphic>
+          <a:graphicData uri="http://schemas.openxmlformats.org/presentationml/2006/ole">
+            <mc:AlternateContent xmlns:mc="http://schemas.openxmlformats.org/markup-compatibility/2006">
+              <mc:Choice xmlns:v="urn:schemas-microsoft-com:vml" Requires="v">
+                <p:oleObj spid="_x0000_s1026" name="" r:id="rId1" imgW="228600" imgH="228600" progId="Equation.KSEE3">
+                  <p:embed/>
+                </p:oleObj>
+              </mc:Choice>
+              <mc:Fallback>
+                <p:oleObj name="" r:id="rId1" imgW="228600" imgH="228600" progId="Equation.KSEE3">
+                  <p:embed/>
+                  <p:pic>
+                    <p:nvPicPr>
+                      <p:cNvPr id="0" name="图片 1025"/>
+                      <p:cNvPicPr/>
+                      <p:nvPr/>
+                    </p:nvPicPr>
+                    <p:blipFill>
+                      <a:blip r:embed="rId2"/>
+                      <a:stretch>
+                        <a:fillRect/>
+                      </a:stretch>
+                    </p:blipFill>
+                    <p:spPr>
+                      <a:xfrm>
+                        <a:off x="3259455" y="2675255"/>
+                        <a:ext cx="913765" cy="636270"/>
+                      </a:xfrm>
+                      <a:prstGeom prst="rect">
+                        <a:avLst/>
+                      </a:prstGeom>
+                    </p:spPr>
+                  </p:pic>
+                </p:oleObj>
+              </mc:Fallback>
+            </mc:AlternateContent>
+          </a:graphicData>
+        </a:graphic>
+      </p:graphicFrame>
+      <p:sp>
+        <p:nvSpPr>
+          <p:cNvPr id="9" name="文本框 8"/>
+          <p:cNvSpPr txBox="1"/>
+          <p:nvPr/>
+        </p:nvSpPr>
+        <p:spPr>
+          <a:xfrm>
+            <a:off x="3406775" y="3472815"/>
+            <a:ext cx="678815" cy="337185"/>
+          </a:xfrm>
+          <a:prstGeom prst="rect">
+            <a:avLst/>
+          </a:prstGeom>
+          <a:noFill/>
+        </p:spPr>
+        <p:txBody>
+          <a:bodyPr wrap="square" rtlCol="0">
+            <a:spAutoFit/>
+          </a:bodyPr>
+          <a:p>
+            <a:r>
+              <a:rPr lang="en-US" altLang="zh-CN" sz="1600">
+                <a:latin typeface="Times New Roman" panose="02020603050405020304" charset="0"/>
+                <a:cs typeface="Times New Roman" panose="02020603050405020304" charset="0"/>
+              </a:rPr>
+              <a:t>x9</a:t>
+            </a:r>
+            <a:endParaRPr lang="en-US" altLang="zh-CN" sz="1600">
+              <a:latin typeface="Times New Roman" panose="02020603050405020304" charset="0"/>
+              <a:cs typeface="Times New Roman" panose="02020603050405020304" charset="0"/>
+            </a:endParaRPr>
+          </a:p>
+        </p:txBody>
+      </p:sp>
+      <p:sp>
+        <p:nvSpPr>
+          <p:cNvPr id="10" name="右箭头 9"/>
+          <p:cNvSpPr/>
+          <p:nvPr/>
+        </p:nvSpPr>
+        <p:spPr>
+          <a:xfrm>
+            <a:off x="4239895" y="2773045"/>
+            <a:ext cx="363855" cy="426720"/>
+          </a:xfrm>
+          <a:prstGeom prst="rightArrow">
+            <a:avLst/>
+          </a:prstGeom>
+          <a:solidFill>
+            <a:schemeClr val="bg1"/>
+          </a:solidFill>
+          <a:ln w="12700" cmpd="sng">
+            <a:solidFill>
+              <a:schemeClr val="tx1"/>
+            </a:solidFill>
+            <a:prstDash val="solid"/>
+          </a:ln>
+        </p:spPr>
+        <p:style>
+          <a:lnRef idx="2">
+            <a:schemeClr val="accent1">
+              <a:lumMod val="75000"/>
+            </a:schemeClr>
+          </a:lnRef>
+          <a:fillRef idx="1">
+            <a:schemeClr val="accent1"/>
+          </a:fillRef>
+          <a:effectRef idx="0">
+            <a:srgbClr val="FFFFFF"/>
+          </a:effectRef>
+          <a:fontRef idx="minor">
+            <a:schemeClr val="lt1"/>
+          </a:fontRef>
+        </p:style>
+        <p:txBody>
+          <a:bodyPr rtlCol="0" anchor="ctr"/>
+          <a:p>
+            <a:pPr algn="ctr"/>
+            <a:endParaRPr lang="zh-CN" altLang="en-US"/>
+          </a:p>
+        </p:txBody>
+      </p:sp>
+      <p:sp>
+        <p:nvSpPr>
+          <p:cNvPr id="11" name="流程图: 可选过程 10"/>
+          <p:cNvSpPr/>
+          <p:nvPr/>
+        </p:nvSpPr>
+        <p:spPr>
+          <a:xfrm>
+            <a:off x="4657090" y="2659380"/>
+            <a:ext cx="914400" cy="611505"/>
+          </a:xfrm>
+          <a:prstGeom prst="flowChartAlternateProcess">
+            <a:avLst/>
+          </a:prstGeom>
+          <a:solidFill>
+            <a:schemeClr val="bg1"/>
+          </a:solidFill>
+          <a:ln w="12700" cmpd="sng">
+            <a:solidFill>
+              <a:schemeClr val="tx1"/>
+            </a:solidFill>
+            <a:prstDash val="solid"/>
+          </a:ln>
+        </p:spPr>
+        <p:style>
+          <a:lnRef idx="2">
+            <a:schemeClr val="accent1">
+              <a:lumMod val="75000"/>
+            </a:schemeClr>
+          </a:lnRef>
+          <a:fillRef idx="1">
+            <a:schemeClr val="accent1"/>
+          </a:fillRef>
+          <a:effectRef idx="0">
+            <a:srgbClr val="FFFFFF"/>
+          </a:effectRef>
+          <a:fontRef idx="minor">
+            <a:schemeClr val="lt1"/>
+          </a:fontRef>
+        </p:style>
+        <p:txBody>
+          <a:bodyPr rtlCol="0" anchor="ctr"/>
+          <a:p>
+            <a:pPr algn="ctr"/>
+            <a:endParaRPr lang="zh-CN" altLang="en-US"/>
+          </a:p>
+        </p:txBody>
+      </p:sp>
+      <p:graphicFrame>
+        <p:nvGraphicFramePr>
+          <p:cNvPr id="12" name="对象 11">
+            <a:hlinkClick r:id="" action="ppaction://ole?verb="/>
+          </p:cNvPr>
+          <p:cNvGraphicFramePr>
+            <a:graphicFrameLocks noChangeAspect="1"/>
+          </p:cNvGraphicFramePr>
+          <p:nvPr/>
+        </p:nvGraphicFramePr>
+        <p:xfrm>
+          <a:off x="4632325" y="2669540"/>
+          <a:ext cx="964565" cy="636270"/>
+        </p:xfrm>
+        <a:graphic>
+          <a:graphicData uri="http://schemas.openxmlformats.org/presentationml/2006/ole">
+            <mc:AlternateContent xmlns:mc="http://schemas.openxmlformats.org/markup-compatibility/2006">
+              <mc:Choice xmlns:v="urn:schemas-microsoft-com:vml" Requires="v">
+                <p:oleObj spid="_x0000_s1026" name="" r:id="rId3" imgW="241300" imgH="228600" progId="Equation.KSEE3">
+                  <p:embed/>
+                </p:oleObj>
+              </mc:Choice>
+              <mc:Fallback>
+                <p:oleObj name="" r:id="rId3" imgW="241300" imgH="228600" progId="Equation.KSEE3">
+                  <p:embed/>
+                  <p:pic>
+                    <p:nvPicPr>
+                      <p:cNvPr id="0" name="图片 1025"/>
+                      <p:cNvPicPr/>
+                      <p:nvPr/>
+                    </p:nvPicPr>
+                    <p:blipFill>
+                      <a:blip r:embed="rId4"/>
+                      <a:stretch>
+                        <a:fillRect/>
+                      </a:stretch>
+                    </p:blipFill>
+                    <p:spPr>
+                      <a:xfrm>
+                        <a:off x="4632325" y="2669540"/>
+                        <a:ext cx="964565" cy="636270"/>
+                      </a:xfrm>
+                      <a:prstGeom prst="rect">
+                        <a:avLst/>
+                      </a:prstGeom>
+                    </p:spPr>
+                  </p:pic>
+                </p:oleObj>
+              </mc:Fallback>
+            </mc:AlternateContent>
+          </a:graphicData>
+        </a:graphic>
+      </p:graphicFrame>
+      <p:sp>
+        <p:nvSpPr>
+          <p:cNvPr id="13" name="文本框 12"/>
+          <p:cNvSpPr txBox="1"/>
+          <p:nvPr/>
+        </p:nvSpPr>
+        <p:spPr>
+          <a:xfrm>
+            <a:off x="4805045" y="3467100"/>
+            <a:ext cx="678815" cy="337185"/>
+          </a:xfrm>
+          <a:prstGeom prst="rect">
+            <a:avLst/>
+          </a:prstGeom>
+          <a:noFill/>
+        </p:spPr>
+        <p:txBody>
+          <a:bodyPr wrap="square" rtlCol="0">
+            <a:spAutoFit/>
+          </a:bodyPr>
+          <a:p>
+            <a:r>
+              <a:rPr lang="en-US" altLang="zh-CN" sz="1600">
+                <a:latin typeface="Times New Roman" panose="02020603050405020304" charset="0"/>
+                <a:cs typeface="Times New Roman" panose="02020603050405020304" charset="0"/>
+              </a:rPr>
+              <a:t>x7</a:t>
+            </a:r>
+            <a:endParaRPr lang="en-US" altLang="zh-CN" sz="1600">
+              <a:latin typeface="Times New Roman" panose="02020603050405020304" charset="0"/>
+              <a:cs typeface="Times New Roman" panose="02020603050405020304" charset="0"/>
+            </a:endParaRPr>
+          </a:p>
+        </p:txBody>
+      </p:sp>
+      <p:sp>
+        <p:nvSpPr>
+          <p:cNvPr id="14" name="右箭头 13"/>
+          <p:cNvSpPr/>
+          <p:nvPr/>
+        </p:nvSpPr>
+        <p:spPr>
+          <a:xfrm>
+            <a:off x="5638165" y="2767330"/>
+            <a:ext cx="363855" cy="426720"/>
+          </a:xfrm>
+          <a:prstGeom prst="rightArrow">
+            <a:avLst/>
+          </a:prstGeom>
+          <a:solidFill>
+            <a:schemeClr val="bg1"/>
+          </a:solidFill>
+          <a:ln w="12700" cmpd="sng">
+            <a:solidFill>
+              <a:schemeClr val="tx1"/>
+            </a:solidFill>
+            <a:prstDash val="solid"/>
+          </a:ln>
+        </p:spPr>
+        <p:style>
+          <a:lnRef idx="2">
+            <a:schemeClr val="accent1">
+              <a:lumMod val="75000"/>
+            </a:schemeClr>
+          </a:lnRef>
+          <a:fillRef idx="1">
+            <a:schemeClr val="accent1"/>
+          </a:fillRef>
+          <a:effectRef idx="0">
+            <a:srgbClr val="FFFFFF"/>
+          </a:effectRef>
+          <a:fontRef idx="minor">
+            <a:schemeClr val="lt1"/>
+          </a:fontRef>
+        </p:style>
+        <p:txBody>
+          <a:bodyPr rtlCol="0" anchor="ctr"/>
+          <a:p>
+            <a:pPr algn="ctr"/>
+            <a:endParaRPr lang="zh-CN" altLang="en-US"/>
+          </a:p>
+        </p:txBody>
+      </p:sp>
+      <p:sp>
+        <p:nvSpPr>
+          <p:cNvPr id="15" name="流程图: 可选过程 14"/>
+          <p:cNvSpPr/>
+          <p:nvPr/>
+        </p:nvSpPr>
+        <p:spPr>
+          <a:xfrm>
+            <a:off x="6144895" y="2652395"/>
+            <a:ext cx="914400" cy="611505"/>
+          </a:xfrm>
+          <a:prstGeom prst="flowChartAlternateProcess">
+            <a:avLst/>
+          </a:prstGeom>
+          <a:solidFill>
+            <a:schemeClr val="bg1"/>
+          </a:solidFill>
+          <a:ln w="12700" cmpd="sng">
+            <a:solidFill>
+              <a:schemeClr val="tx1"/>
+            </a:solidFill>
+            <a:prstDash val="solid"/>
+          </a:ln>
+        </p:spPr>
+        <p:style>
+          <a:lnRef idx="2">
+            <a:schemeClr val="accent1">
+              <a:lumMod val="75000"/>
+            </a:schemeClr>
+          </a:lnRef>
+          <a:fillRef idx="1">
+            <a:schemeClr val="accent1"/>
+          </a:fillRef>
+          <a:effectRef idx="0">
+            <a:srgbClr val="FFFFFF"/>
+          </a:effectRef>
+          <a:fontRef idx="minor">
+            <a:schemeClr val="lt1"/>
+          </a:fontRef>
+        </p:style>
+        <p:txBody>
+          <a:bodyPr rtlCol="0" anchor="ctr"/>
+          <a:p>
+            <a:pPr algn="ctr"/>
+            <a:endParaRPr lang="zh-CN" altLang="en-US"/>
+          </a:p>
+        </p:txBody>
+      </p:sp>
+      <p:graphicFrame>
+        <p:nvGraphicFramePr>
+          <p:cNvPr id="16" name="对象 15">
+            <a:hlinkClick r:id="" action="ppaction://ole?verb="/>
+          </p:cNvPr>
+          <p:cNvGraphicFramePr>
+            <a:graphicFrameLocks noChangeAspect="1"/>
+          </p:cNvGraphicFramePr>
+          <p:nvPr/>
+        </p:nvGraphicFramePr>
+        <p:xfrm>
+          <a:off x="6120130" y="2662555"/>
+          <a:ext cx="964565" cy="636270"/>
+        </p:xfrm>
+        <a:graphic>
+          <a:graphicData uri="http://schemas.openxmlformats.org/presentationml/2006/ole">
+            <mc:AlternateContent xmlns:mc="http://schemas.openxmlformats.org/markup-compatibility/2006">
+              <mc:Choice xmlns:v="urn:schemas-microsoft-com:vml" Requires="v">
+                <p:oleObj spid="_x0000_s17" name="" r:id="rId5" imgW="241300" imgH="228600" progId="Equation.KSEE3">
+                  <p:embed/>
+                </p:oleObj>
+              </mc:Choice>
+              <mc:Fallback>
+                <p:oleObj name="" r:id="rId5" imgW="241300" imgH="228600" progId="Equation.KSEE3">
+                  <p:embed/>
+                  <p:pic>
+                    <p:nvPicPr>
+                      <p:cNvPr id="0" name="图片 1025"/>
+                      <p:cNvPicPr/>
+                      <p:nvPr/>
+                    </p:nvPicPr>
+                    <p:blipFill>
+                      <a:blip r:embed="rId6"/>
+                      <a:stretch>
+                        <a:fillRect/>
+                      </a:stretch>
+                    </p:blipFill>
+                    <p:spPr>
+                      <a:xfrm>
+                        <a:off x="6120130" y="2662555"/>
+                        <a:ext cx="964565" cy="636270"/>
+                      </a:xfrm>
+                      <a:prstGeom prst="rect">
+                        <a:avLst/>
+                      </a:prstGeom>
+                    </p:spPr>
+                  </p:pic>
+                </p:oleObj>
+              </mc:Fallback>
+            </mc:AlternateContent>
+          </a:graphicData>
+        </a:graphic>
+      </p:graphicFrame>
+      <p:sp>
+        <p:nvSpPr>
+          <p:cNvPr id="18" name="文本框 17"/>
+          <p:cNvSpPr txBox="1"/>
+          <p:nvPr/>
+        </p:nvSpPr>
+        <p:spPr>
+          <a:xfrm>
+            <a:off x="6292850" y="3460115"/>
+            <a:ext cx="678815" cy="337185"/>
+          </a:xfrm>
+          <a:prstGeom prst="rect">
+            <a:avLst/>
+          </a:prstGeom>
+          <a:noFill/>
+        </p:spPr>
+        <p:txBody>
+          <a:bodyPr wrap="square" rtlCol="0">
+            <a:spAutoFit/>
+          </a:bodyPr>
+          <a:p>
+            <a:r>
+              <a:rPr lang="en-US" altLang="zh-CN" sz="1600">
+                <a:latin typeface="Times New Roman" panose="02020603050405020304" charset="0"/>
+                <a:cs typeface="Times New Roman" panose="02020603050405020304" charset="0"/>
+              </a:rPr>
+              <a:t>x5</a:t>
+            </a:r>
+            <a:endParaRPr lang="en-US" altLang="zh-CN" sz="1600">
+              <a:latin typeface="Times New Roman" panose="02020603050405020304" charset="0"/>
+              <a:cs typeface="Times New Roman" panose="02020603050405020304" charset="0"/>
+            </a:endParaRPr>
+          </a:p>
+        </p:txBody>
+      </p:sp>
+      <p:sp>
+        <p:nvSpPr>
+          <p:cNvPr id="19" name="右箭头 18"/>
+          <p:cNvSpPr/>
+          <p:nvPr/>
+        </p:nvSpPr>
+        <p:spPr>
+          <a:xfrm>
+            <a:off x="7125970" y="2760345"/>
+            <a:ext cx="363855" cy="426720"/>
+          </a:xfrm>
+          <a:prstGeom prst="rightArrow">
+            <a:avLst/>
+          </a:prstGeom>
+          <a:solidFill>
+            <a:schemeClr val="bg1"/>
+          </a:solidFill>
+          <a:ln w="12700" cmpd="sng">
+            <a:solidFill>
+              <a:schemeClr val="tx1"/>
+            </a:solidFill>
+            <a:prstDash val="solid"/>
+          </a:ln>
+        </p:spPr>
+        <p:style>
+          <a:lnRef idx="2">
+            <a:schemeClr val="accent1">
+              <a:lumMod val="75000"/>
+            </a:schemeClr>
+          </a:lnRef>
+          <a:fillRef idx="1">
+            <a:schemeClr val="accent1"/>
+          </a:fillRef>
+          <a:effectRef idx="0">
+            <a:srgbClr val="FFFFFF"/>
+          </a:effectRef>
+          <a:fontRef idx="minor">
+            <a:schemeClr val="lt1"/>
+          </a:fontRef>
+        </p:style>
+        <p:txBody>
+          <a:bodyPr rtlCol="0" anchor="ctr"/>
+          <a:p>
+            <a:pPr algn="ctr"/>
+            <a:endParaRPr lang="zh-CN" altLang="en-US"/>
+          </a:p>
+        </p:txBody>
+      </p:sp>
+      <p:sp>
+        <p:nvSpPr>
+          <p:cNvPr id="20" name="流程图: 可选过程 19"/>
+          <p:cNvSpPr/>
+          <p:nvPr/>
+        </p:nvSpPr>
+        <p:spPr>
+          <a:xfrm>
+            <a:off x="7543165" y="2646680"/>
+            <a:ext cx="914400" cy="611505"/>
+          </a:xfrm>
+          <a:prstGeom prst="flowChartAlternateProcess">
+            <a:avLst/>
+          </a:prstGeom>
+          <a:solidFill>
+            <a:schemeClr val="bg1"/>
+          </a:solidFill>
+          <a:ln w="12700" cmpd="sng">
+            <a:solidFill>
+              <a:schemeClr val="tx1"/>
+            </a:solidFill>
+            <a:prstDash val="solid"/>
+          </a:ln>
+        </p:spPr>
+        <p:style>
+          <a:lnRef idx="2">
+            <a:schemeClr val="accent1">
+              <a:lumMod val="75000"/>
+            </a:schemeClr>
+          </a:lnRef>
+          <a:fillRef idx="1">
+            <a:schemeClr val="accent1"/>
+          </a:fillRef>
+          <a:effectRef idx="0">
+            <a:srgbClr val="FFFFFF"/>
+          </a:effectRef>
+          <a:fontRef idx="minor">
+            <a:schemeClr val="lt1"/>
+          </a:fontRef>
+        </p:style>
+        <p:txBody>
+          <a:bodyPr rtlCol="0" anchor="ctr"/>
+          <a:p>
+            <a:pPr algn="ctr"/>
+            <a:endParaRPr lang="zh-CN" altLang="en-US"/>
+          </a:p>
+        </p:txBody>
+      </p:sp>
+      <p:graphicFrame>
+        <p:nvGraphicFramePr>
+          <p:cNvPr id="21" name="对象 20">
+            <a:hlinkClick r:id="" action="ppaction://ole?verb="/>
+          </p:cNvPr>
+          <p:cNvGraphicFramePr>
+            <a:graphicFrameLocks noChangeAspect="1"/>
+          </p:cNvGraphicFramePr>
+          <p:nvPr/>
+        </p:nvGraphicFramePr>
+        <p:xfrm>
+          <a:off x="7538085" y="2656840"/>
+          <a:ext cx="909320" cy="636270"/>
+        </p:xfrm>
+        <a:graphic>
+          <a:graphicData uri="http://schemas.openxmlformats.org/presentationml/2006/ole">
+            <mc:AlternateContent xmlns:mc="http://schemas.openxmlformats.org/markup-compatibility/2006">
+              <mc:Choice xmlns:v="urn:schemas-microsoft-com:vml" Requires="v">
+                <p:oleObj spid="_x0000_s22" name="" r:id="rId7" imgW="279400" imgH="228600" progId="Equation.KSEE3">
+                  <p:embed/>
+                </p:oleObj>
+              </mc:Choice>
+              <mc:Fallback>
+                <p:oleObj name="" r:id="rId7" imgW="279400" imgH="228600" progId="Equation.KSEE3">
+                  <p:embed/>
+                  <p:pic>
+                    <p:nvPicPr>
+                      <p:cNvPr id="0" name="图片 1025"/>
+                      <p:cNvPicPr/>
+                      <p:nvPr/>
+                    </p:nvPicPr>
+                    <p:blipFill>
+                      <a:blip r:embed="rId8"/>
+                      <a:stretch>
+                        <a:fillRect/>
+                      </a:stretch>
+                    </p:blipFill>
+                    <p:spPr>
+                      <a:xfrm>
+                        <a:off x="7538085" y="2656840"/>
+                        <a:ext cx="909320" cy="636270"/>
+                      </a:xfrm>
+                      <a:prstGeom prst="rect">
+                        <a:avLst/>
+                      </a:prstGeom>
+                    </p:spPr>
+                  </p:pic>
+                </p:oleObj>
+              </mc:Fallback>
+            </mc:AlternateContent>
+          </a:graphicData>
+        </a:graphic>
+      </p:graphicFrame>
+      <p:sp>
+        <p:nvSpPr>
+          <p:cNvPr id="23" name="文本框 22"/>
+          <p:cNvSpPr txBox="1"/>
+          <p:nvPr/>
+        </p:nvSpPr>
+        <p:spPr>
+          <a:xfrm>
+            <a:off x="7691120" y="3454400"/>
+            <a:ext cx="678815" cy="337185"/>
+          </a:xfrm>
+          <a:prstGeom prst="rect">
+            <a:avLst/>
+          </a:prstGeom>
+          <a:noFill/>
+        </p:spPr>
+        <p:txBody>
+          <a:bodyPr wrap="square" rtlCol="0">
+            <a:spAutoFit/>
+          </a:bodyPr>
+          <a:p>
+            <a:r>
+              <a:rPr lang="en-US" altLang="zh-CN" sz="1600">
+                <a:latin typeface="Times New Roman" panose="02020603050405020304" charset="0"/>
+                <a:cs typeface="Times New Roman" panose="02020603050405020304" charset="0"/>
+              </a:rPr>
+              <a:t>x3</a:t>
+            </a:r>
+            <a:endParaRPr lang="en-US" altLang="zh-CN" sz="1600">
+              <a:latin typeface="Times New Roman" panose="02020603050405020304" charset="0"/>
+              <a:cs typeface="Times New Roman" panose="02020603050405020304" charset="0"/>
+            </a:endParaRPr>
+          </a:p>
+        </p:txBody>
+      </p:sp>
+      <p:sp>
+        <p:nvSpPr>
+          <p:cNvPr id="24" name="右箭头 23"/>
+          <p:cNvSpPr/>
+          <p:nvPr/>
+        </p:nvSpPr>
+        <p:spPr>
+          <a:xfrm>
+            <a:off x="8524240" y="2754630"/>
+            <a:ext cx="363855" cy="426720"/>
+          </a:xfrm>
+          <a:prstGeom prst="rightArrow">
+            <a:avLst/>
+          </a:prstGeom>
+          <a:solidFill>
+            <a:schemeClr val="bg1"/>
+          </a:solidFill>
+          <a:ln w="12700" cmpd="sng">
+            <a:solidFill>
+              <a:schemeClr val="tx1"/>
+            </a:solidFill>
+            <a:prstDash val="solid"/>
+          </a:ln>
+        </p:spPr>
+        <p:style>
+          <a:lnRef idx="2">
+            <a:schemeClr val="accent1">
+              <a:lumMod val="75000"/>
+            </a:schemeClr>
+          </a:lnRef>
+          <a:fillRef idx="1">
+            <a:schemeClr val="accent1"/>
+          </a:fillRef>
+          <a:effectRef idx="0">
+            <a:srgbClr val="FFFFFF"/>
+          </a:effectRef>
+          <a:fontRef idx="minor">
+            <a:schemeClr val="lt1"/>
+          </a:fontRef>
+        </p:style>
+        <p:txBody>
+          <a:bodyPr rtlCol="0" anchor="ctr"/>
+          <a:p>
+            <a:pPr algn="ctr"/>
+            <a:endParaRPr lang="zh-CN" altLang="en-US"/>
+          </a:p>
+        </p:txBody>
+      </p:sp>
+    </p:spTree>
+    <p:custDataLst>
+      <p:tags r:id="rId9"/>
+    </p:custDataLst>
+  </p:cSld>
+  <p:clrMapOvr>
+    <a:masterClrMapping/>
+  </p:clrMapOvr>
+</p:sld>
+</file>
+
+<file path=ppt/slides/slide8.xml><?xml version="1.0" encoding="utf-8"?>
+<p:sld xmlns:a="http://schemas.openxmlformats.org/drawingml/2006/main" xmlns:r="http://schemas.openxmlformats.org/officeDocument/2006/relationships" xmlns:p="http://schemas.openxmlformats.org/presentationml/2006/main">
+  <p:cSld>
+    <p:spTree>
+      <p:nvGrpSpPr>
+        <p:cNvPr id="1" name=""/>
+        <p:cNvGrpSpPr/>
+        <p:nvPr/>
+      </p:nvGrpSpPr>
+      <p:grpSpPr/>
+      <p:pic>
+        <p:nvPicPr>
+          <p:cNvPr id="4" name="图片 3"/>
+          <p:cNvPicPr>
+            <a:picLocks noChangeAspect="1"/>
+          </p:cNvPicPr>
+          <p:nvPr/>
+        </p:nvPicPr>
+        <p:blipFill>
+          <a:blip r:embed="rId1"/>
+          <a:stretch>
+            <a:fillRect/>
+          </a:stretch>
+        </p:blipFill>
+        <p:spPr>
+          <a:xfrm>
+            <a:off x="1290955" y="1133475"/>
+            <a:ext cx="1447800" cy="2635250"/>
+          </a:xfrm>
+          <a:prstGeom prst="rect">
+            <a:avLst/>
+          </a:prstGeom>
+        </p:spPr>
+      </p:pic>
+      <p:sp>
+        <p:nvSpPr>
+          <p:cNvPr id="5" name="流程图: 可选过程 4"/>
+          <p:cNvSpPr/>
+          <p:nvPr/>
+        </p:nvSpPr>
+        <p:spPr>
+          <a:xfrm>
+            <a:off x="4785360" y="1332230"/>
+            <a:ext cx="3114040" cy="2529840"/>
+          </a:xfrm>
+          <a:prstGeom prst="flowChartAlternateProcess">
+            <a:avLst/>
+          </a:prstGeom>
+          <a:solidFill>
+            <a:srgbClr val="C8C8C8"/>
+          </a:solidFill>
+          <a:ln>
+            <a:solidFill>
+              <a:schemeClr val="bg2"/>
+            </a:solidFill>
+          </a:ln>
+        </p:spPr>
+        <p:style>
+          <a:lnRef idx="2">
+            <a:schemeClr val="accent1">
+              <a:lumMod val="75000"/>
+            </a:schemeClr>
+          </a:lnRef>
+          <a:fillRef idx="1">
+            <a:schemeClr val="accent1"/>
+          </a:fillRef>
+          <a:effectRef idx="0">
+            <a:srgbClr val="FFFFFF"/>
+          </a:effectRef>
+          <a:fontRef idx="minor">
+            <a:schemeClr val="lt1"/>
+          </a:fontRef>
+        </p:style>
+        <p:txBody>
+          <a:bodyPr rtlCol="0" anchor="ctr"/>
+          <a:p>
+            <a:pPr algn="ctr"/>
+            <a:endParaRPr lang="zh-CN" altLang="en-US"/>
+          </a:p>
+        </p:txBody>
+      </p:sp>
+      <p:cxnSp>
+        <p:nvCxnSpPr>
+          <p:cNvPr id="6" name="直接箭头连接符 5"/>
+          <p:cNvCxnSpPr/>
+          <p:nvPr/>
+        </p:nvCxnSpPr>
+        <p:spPr>
+          <a:xfrm flipV="1">
+            <a:off x="3643630" y="1851660"/>
+            <a:ext cx="1423035" cy="13970"/>
+          </a:xfrm>
+          <a:prstGeom prst="straightConnector1">
+            <a:avLst/>
+          </a:prstGeom>
+          <a:ln>
+            <a:tailEnd type="arrow"/>
+          </a:ln>
+        </p:spPr>
+        <p:style>
+          <a:lnRef idx="2">
+            <a:schemeClr val="accent1"/>
+          </a:lnRef>
+          <a:fillRef idx="0">
+            <a:srgbClr val="FFFFFF"/>
+          </a:fillRef>
+          <a:effectRef idx="0">
+            <a:srgbClr val="FFFFFF"/>
+          </a:effectRef>
+          <a:fontRef idx="minor">
+            <a:schemeClr val="tx1"/>
+          </a:fontRef>
+        </p:style>
+      </p:cxnSp>
+      <p:sp>
+        <p:nvSpPr>
+          <p:cNvPr id="7" name="文本框 6"/>
+          <p:cNvSpPr txBox="1"/>
+          <p:nvPr/>
+        </p:nvSpPr>
+        <p:spPr>
+          <a:xfrm>
+            <a:off x="3820795" y="1609725"/>
+            <a:ext cx="963930" cy="213995"/>
+          </a:xfrm>
+          <a:prstGeom prst="rect">
+            <a:avLst/>
+          </a:prstGeom>
+          <a:noFill/>
+        </p:spPr>
+        <p:txBody>
+          <a:bodyPr wrap="square" rtlCol="0">
+            <a:spAutoFit/>
+          </a:bodyPr>
+          <a:p>
+            <a:r>
+              <a:rPr lang="en-US" altLang="zh-CN" sz="800">
+                <a:latin typeface="Times New Roman" panose="02020603050405020304" charset="0"/>
+                <a:cs typeface="Times New Roman" panose="02020603050405020304" charset="0"/>
+              </a:rPr>
+              <a:t>mask</a:t>
+            </a:r>
+            <a:endParaRPr lang="en-US" altLang="zh-CN" sz="800">
+              <a:latin typeface="Times New Roman" panose="02020603050405020304" charset="0"/>
+              <a:cs typeface="Times New Roman" panose="02020603050405020304" charset="0"/>
+            </a:endParaRPr>
+          </a:p>
+        </p:txBody>
+      </p:sp>
+      <p:sp>
+        <p:nvSpPr>
+          <p:cNvPr id="8" name="流程图: 可选过程 7"/>
+          <p:cNvSpPr/>
+          <p:nvPr/>
+        </p:nvSpPr>
+        <p:spPr>
+          <a:xfrm>
+            <a:off x="5106670" y="1598930"/>
+            <a:ext cx="462915" cy="1988820"/>
+          </a:xfrm>
+          <a:prstGeom prst="flowChartAlternateProcess">
+            <a:avLst/>
+          </a:prstGeom>
+          <a:solidFill>
+            <a:schemeClr val="accent6">
+              <a:lumMod val="20000"/>
+              <a:lumOff val="80000"/>
+            </a:schemeClr>
+          </a:solidFill>
+          <a:ln>
+            <a:solidFill>
+              <a:schemeClr val="accent6">
+                <a:lumMod val="20000"/>
+                <a:lumOff val="80000"/>
+              </a:schemeClr>
+            </a:solidFill>
+          </a:ln>
+        </p:spPr>
+        <p:style>
+          <a:lnRef idx="2">
+            <a:schemeClr val="accent1">
+              <a:lumMod val="75000"/>
+            </a:schemeClr>
+          </a:lnRef>
+          <a:fillRef idx="1">
+            <a:schemeClr val="accent1"/>
+          </a:fillRef>
+          <a:effectRef idx="0">
+            <a:srgbClr val="FFFFFF"/>
+          </a:effectRef>
+          <a:fontRef idx="minor">
+            <a:schemeClr val="lt1"/>
+          </a:fontRef>
+        </p:style>
+        <p:txBody>
+          <a:bodyPr rtlCol="0" anchor="ctr"/>
+          <a:p>
+            <a:pPr algn="ctr"/>
+            <a:endParaRPr lang="zh-CN" altLang="en-US"/>
+          </a:p>
+        </p:txBody>
+      </p:sp>
+      <p:sp>
+        <p:nvSpPr>
+          <p:cNvPr id="9" name="文本框 8"/>
+          <p:cNvSpPr txBox="1"/>
+          <p:nvPr/>
+        </p:nvSpPr>
+        <p:spPr>
+          <a:xfrm>
+            <a:off x="3820795" y="2169795"/>
+            <a:ext cx="963930" cy="245110"/>
+          </a:xfrm>
+          <a:prstGeom prst="rect">
+            <a:avLst/>
+          </a:prstGeom>
+          <a:noFill/>
+        </p:spPr>
+        <p:txBody>
+          <a:bodyPr wrap="square" rtlCol="0">
+            <a:spAutoFit/>
+          </a:bodyPr>
+          <a:p>
+            <a:r>
+              <a:rPr lang="en-US" altLang="zh-CN" sz="1000">
+                <a:latin typeface="Times New Roman" panose="02020603050405020304" charset="0"/>
+                <a:cs typeface="Times New Roman" panose="02020603050405020304" charset="0"/>
+              </a:rPr>
+              <a:t>image features</a:t>
+            </a:r>
+            <a:endParaRPr lang="en-US" altLang="zh-CN" sz="1000">
+              <a:latin typeface="Times New Roman" panose="02020603050405020304" charset="0"/>
+              <a:cs typeface="Times New Roman" panose="02020603050405020304" charset="0"/>
+            </a:endParaRPr>
+          </a:p>
+        </p:txBody>
+      </p:sp>
+      <p:cxnSp>
+        <p:nvCxnSpPr>
+          <p:cNvPr id="10" name="直接箭头连接符 9"/>
+          <p:cNvCxnSpPr/>
+          <p:nvPr/>
+        </p:nvCxnSpPr>
+        <p:spPr>
+          <a:xfrm flipV="1">
+            <a:off x="3644900" y="2439670"/>
+            <a:ext cx="1423035" cy="13970"/>
+          </a:xfrm>
+          <a:prstGeom prst="straightConnector1">
+            <a:avLst/>
+          </a:prstGeom>
+          <a:ln>
+            <a:tailEnd type="arrow"/>
+          </a:ln>
+        </p:spPr>
+        <p:style>
+          <a:lnRef idx="2">
+            <a:schemeClr val="accent1"/>
+          </a:lnRef>
+          <a:fillRef idx="0">
+            <a:srgbClr val="FFFFFF"/>
+          </a:fillRef>
+          <a:effectRef idx="0">
+            <a:srgbClr val="FFFFFF"/>
+          </a:effectRef>
+          <a:fontRef idx="minor">
+            <a:schemeClr val="tx1"/>
+          </a:fontRef>
+        </p:style>
+      </p:cxnSp>
+      <p:cxnSp>
+        <p:nvCxnSpPr>
+          <p:cNvPr id="12" name="直接连接符 11"/>
+          <p:cNvCxnSpPr/>
+          <p:nvPr/>
+        </p:nvCxnSpPr>
+        <p:spPr>
+          <a:xfrm>
+            <a:off x="4547870" y="2449830"/>
+            <a:ext cx="6985" cy="251460"/>
+          </a:xfrm>
+          <a:prstGeom prst="line">
+            <a:avLst/>
+          </a:prstGeom>
+        </p:spPr>
+        <p:style>
+          <a:lnRef idx="2">
+            <a:schemeClr val="accent1"/>
+          </a:lnRef>
+          <a:fillRef idx="0">
+            <a:srgbClr val="FFFFFF"/>
+          </a:fillRef>
+          <a:effectRef idx="0">
+            <a:srgbClr val="FFFFFF"/>
+          </a:effectRef>
+          <a:fontRef idx="minor">
+            <a:schemeClr val="tx1"/>
+          </a:fontRef>
+        </p:style>
+      </p:cxnSp>
+      <p:cxnSp>
+        <p:nvCxnSpPr>
+          <p:cNvPr id="13" name="直接箭头连接符 12"/>
+          <p:cNvCxnSpPr/>
+          <p:nvPr/>
+        </p:nvCxnSpPr>
+        <p:spPr>
+          <a:xfrm flipV="1">
+            <a:off x="4548505" y="2694305"/>
+            <a:ext cx="495300" cy="8255"/>
+          </a:xfrm>
+          <a:prstGeom prst="straightConnector1">
+            <a:avLst/>
+          </a:prstGeom>
+          <a:ln>
+            <a:tailEnd type="arrow"/>
+          </a:ln>
+        </p:spPr>
+        <p:style>
+          <a:lnRef idx="2">
+            <a:schemeClr val="accent1"/>
+          </a:lnRef>
+          <a:fillRef idx="0">
+            <a:srgbClr val="FFFFFF"/>
+          </a:fillRef>
+          <a:effectRef idx="0">
+            <a:srgbClr val="FFFFFF"/>
+          </a:effectRef>
+          <a:fontRef idx="minor">
+            <a:schemeClr val="tx1"/>
+          </a:fontRef>
+        </p:style>
+      </p:cxnSp>
+      <p:sp>
+        <p:nvSpPr>
+          <p:cNvPr id="14" name="文本框 13"/>
+          <p:cNvSpPr txBox="1"/>
+          <p:nvPr/>
+        </p:nvSpPr>
+        <p:spPr>
+          <a:xfrm>
+            <a:off x="3947795" y="2952115"/>
+            <a:ext cx="963930" cy="213995"/>
+          </a:xfrm>
+          <a:prstGeom prst="rect">
+            <a:avLst/>
+          </a:prstGeom>
+          <a:noFill/>
+        </p:spPr>
+        <p:txBody>
+          <a:bodyPr wrap="square" rtlCol="0">
+            <a:spAutoFit/>
+          </a:bodyPr>
+          <a:p>
+            <a:r>
+              <a:rPr lang="en-US" altLang="zh-CN" sz="800">
+                <a:latin typeface="Times New Roman" panose="02020603050405020304" charset="0"/>
+                <a:cs typeface="Times New Roman" panose="02020603050405020304" charset="0"/>
+              </a:rPr>
+              <a:t>query features</a:t>
+            </a:r>
+            <a:endParaRPr lang="en-US" altLang="zh-CN" sz="800">
+              <a:latin typeface="Times New Roman" panose="02020603050405020304" charset="0"/>
+              <a:cs typeface="Times New Roman" panose="02020603050405020304" charset="0"/>
+            </a:endParaRPr>
+          </a:p>
+        </p:txBody>
+      </p:sp>
+      <p:cxnSp>
+        <p:nvCxnSpPr>
+          <p:cNvPr id="15" name="直接箭头连接符 14"/>
+          <p:cNvCxnSpPr/>
+          <p:nvPr/>
+        </p:nvCxnSpPr>
+        <p:spPr>
+          <a:xfrm flipV="1">
+            <a:off x="3651885" y="3138170"/>
+            <a:ext cx="1423035" cy="13970"/>
+          </a:xfrm>
+          <a:prstGeom prst="straightConnector1">
+            <a:avLst/>
+          </a:prstGeom>
+          <a:ln>
+            <a:tailEnd type="arrow"/>
+          </a:ln>
+        </p:spPr>
+        <p:style>
+          <a:lnRef idx="2">
+            <a:schemeClr val="accent1"/>
+          </a:lnRef>
+          <a:fillRef idx="0">
+            <a:srgbClr val="FFFFFF"/>
+          </a:fillRef>
+          <a:effectRef idx="0">
+            <a:srgbClr val="FFFFFF"/>
+          </a:effectRef>
+          <a:fontRef idx="minor">
+            <a:schemeClr val="tx1"/>
+          </a:fontRef>
+        </p:style>
+      </p:cxnSp>
+      <p:sp>
+        <p:nvSpPr>
+          <p:cNvPr id="16" name="文本框 15"/>
+          <p:cNvSpPr txBox="1"/>
+          <p:nvPr/>
+        </p:nvSpPr>
+        <p:spPr>
+          <a:xfrm>
+            <a:off x="4718685" y="3160395"/>
+            <a:ext cx="387350" cy="213995"/>
+          </a:xfrm>
+          <a:prstGeom prst="rect">
+            <a:avLst/>
+          </a:prstGeom>
+          <a:noFill/>
+        </p:spPr>
+        <p:txBody>
+          <a:bodyPr wrap="square" rtlCol="0">
+            <a:spAutoFit/>
+          </a:bodyPr>
+          <a:p>
+            <a:r>
+              <a:rPr lang="en-US" altLang="zh-CN" sz="800">
+                <a:latin typeface="Times New Roman" panose="02020603050405020304" charset="0"/>
+                <a:cs typeface="Times New Roman" panose="02020603050405020304" charset="0"/>
+              </a:rPr>
+              <a:t>Q</a:t>
+            </a:r>
+            <a:endParaRPr lang="en-US" altLang="zh-CN" sz="800">
+              <a:latin typeface="Times New Roman" panose="02020603050405020304" charset="0"/>
+              <a:cs typeface="Times New Roman" panose="02020603050405020304" charset="0"/>
+            </a:endParaRPr>
+          </a:p>
+        </p:txBody>
+      </p:sp>
+      <p:sp>
+        <p:nvSpPr>
+          <p:cNvPr id="18" name="文本框 17"/>
+          <p:cNvSpPr txBox="1"/>
+          <p:nvPr/>
+        </p:nvSpPr>
+        <p:spPr>
+          <a:xfrm>
+            <a:off x="4692015" y="2714625"/>
+            <a:ext cx="387350" cy="213995"/>
+          </a:xfrm>
+          <a:prstGeom prst="rect">
+            <a:avLst/>
+          </a:prstGeom>
+          <a:noFill/>
+        </p:spPr>
+        <p:txBody>
+          <a:bodyPr wrap="square" rtlCol="0">
+            <a:spAutoFit/>
+          </a:bodyPr>
+          <a:p>
+            <a:r>
+              <a:rPr lang="en-US" altLang="zh-CN" sz="800">
+                <a:latin typeface="Times New Roman" panose="02020603050405020304" charset="0"/>
+                <a:cs typeface="Times New Roman" panose="02020603050405020304" charset="0"/>
+              </a:rPr>
+              <a:t>V</a:t>
+            </a:r>
+            <a:endParaRPr lang="en-US" altLang="zh-CN" sz="800">
+              <a:latin typeface="Times New Roman" panose="02020603050405020304" charset="0"/>
+              <a:cs typeface="Times New Roman" panose="02020603050405020304" charset="0"/>
+            </a:endParaRPr>
+          </a:p>
+        </p:txBody>
+      </p:sp>
+      <p:sp>
+        <p:nvSpPr>
+          <p:cNvPr id="19" name="文本框 18"/>
+          <p:cNvSpPr txBox="1"/>
+          <p:nvPr/>
+        </p:nvSpPr>
+        <p:spPr>
+          <a:xfrm>
+            <a:off x="4685030" y="2442210"/>
+            <a:ext cx="387350" cy="213995"/>
+          </a:xfrm>
+          <a:prstGeom prst="rect">
+            <a:avLst/>
+          </a:prstGeom>
+          <a:noFill/>
+        </p:spPr>
+        <p:txBody>
+          <a:bodyPr wrap="square" rtlCol="0">
+            <a:spAutoFit/>
+          </a:bodyPr>
+          <a:p>
+            <a:r>
+              <a:rPr lang="en-US" altLang="zh-CN" sz="800">
+                <a:latin typeface="Times New Roman" panose="02020603050405020304" charset="0"/>
+                <a:cs typeface="Times New Roman" panose="02020603050405020304" charset="0"/>
+              </a:rPr>
+              <a:t>K</a:t>
+            </a:r>
+            <a:endParaRPr lang="en-US" altLang="zh-CN" sz="800">
+              <a:latin typeface="Times New Roman" panose="02020603050405020304" charset="0"/>
+              <a:cs typeface="Times New Roman" panose="02020603050405020304" charset="0"/>
+            </a:endParaRPr>
+          </a:p>
+        </p:txBody>
+      </p:sp>
+      <p:sp>
+        <p:nvSpPr>
+          <p:cNvPr id="20" name="文本框 19"/>
+          <p:cNvSpPr txBox="1"/>
+          <p:nvPr/>
+        </p:nvSpPr>
+        <p:spPr>
+          <a:xfrm>
+            <a:off x="5155565" y="1609725"/>
+            <a:ext cx="353695" cy="1978025"/>
+          </a:xfrm>
+          <a:prstGeom prst="rect">
+            <a:avLst/>
+          </a:prstGeom>
+          <a:noFill/>
+        </p:spPr>
+        <p:txBody>
+          <a:bodyPr vert="mongolianVert" wrap="square" rtlCol="0" anchor="ctr" anchorCtr="0">
+            <a:noAutofit/>
+          </a:bodyPr>
+          <a:p>
+            <a:pPr algn="ctr"/>
+            <a:r>
+              <a:rPr lang="en-US" altLang="zh-CN"/>
+              <a:t>masked attention</a:t>
+            </a:r>
+            <a:endParaRPr lang="en-US" altLang="zh-CN"/>
+          </a:p>
+        </p:txBody>
+      </p:sp>
+      <p:sp>
+        <p:nvSpPr>
+          <p:cNvPr id="21" name="流程图: 可选过程 20"/>
+          <p:cNvSpPr/>
+          <p:nvPr/>
+        </p:nvSpPr>
+        <p:spPr>
+          <a:xfrm>
+            <a:off x="6113780" y="1614170"/>
+            <a:ext cx="462915" cy="1988820"/>
+          </a:xfrm>
+          <a:prstGeom prst="flowChartAlternateProcess">
+            <a:avLst/>
+          </a:prstGeom>
+          <a:solidFill>
+            <a:schemeClr val="accent6">
+              <a:lumMod val="20000"/>
+              <a:lumOff val="80000"/>
+            </a:schemeClr>
+          </a:solidFill>
+          <a:ln>
+            <a:solidFill>
+              <a:schemeClr val="accent6">
+                <a:lumMod val="20000"/>
+                <a:lumOff val="80000"/>
+              </a:schemeClr>
+            </a:solidFill>
+          </a:ln>
+        </p:spPr>
+        <p:style>
+          <a:lnRef idx="2">
+            <a:schemeClr val="accent1">
+              <a:lumMod val="75000"/>
+            </a:schemeClr>
+          </a:lnRef>
+          <a:fillRef idx="1">
+            <a:schemeClr val="accent1"/>
+          </a:fillRef>
+          <a:effectRef idx="0">
+            <a:srgbClr val="FFFFFF"/>
+          </a:effectRef>
+          <a:fontRef idx="minor">
+            <a:schemeClr val="lt1"/>
+          </a:fontRef>
+        </p:style>
+        <p:txBody>
+          <a:bodyPr rtlCol="0" anchor="ctr"/>
+          <a:p>
+            <a:pPr algn="ctr"/>
+            <a:endParaRPr lang="zh-CN" altLang="en-US"/>
+          </a:p>
+        </p:txBody>
+      </p:sp>
+      <p:cxnSp>
+        <p:nvCxnSpPr>
+          <p:cNvPr id="23" name="直接箭头连接符 22"/>
+          <p:cNvCxnSpPr/>
+          <p:nvPr/>
+        </p:nvCxnSpPr>
+        <p:spPr>
+          <a:xfrm>
+            <a:off x="6583680" y="2537460"/>
+            <a:ext cx="531495" cy="1905"/>
+          </a:xfrm>
+          <a:prstGeom prst="straightConnector1">
+            <a:avLst/>
+          </a:prstGeom>
+          <a:ln>
+            <a:tailEnd type="arrow"/>
+          </a:ln>
+        </p:spPr>
+        <p:style>
+          <a:lnRef idx="2">
+            <a:schemeClr val="accent1"/>
+          </a:lnRef>
+          <a:fillRef idx="0">
+            <a:srgbClr val="FFFFFF"/>
+          </a:fillRef>
+          <a:effectRef idx="0">
+            <a:srgbClr val="FFFFFF"/>
+          </a:effectRef>
+          <a:fontRef idx="minor">
+            <a:schemeClr val="tx1"/>
+          </a:fontRef>
+        </p:style>
+      </p:cxnSp>
+      <p:cxnSp>
+        <p:nvCxnSpPr>
+          <p:cNvPr id="24" name="直接箭头连接符 23"/>
+          <p:cNvCxnSpPr/>
+          <p:nvPr/>
+        </p:nvCxnSpPr>
+        <p:spPr>
+          <a:xfrm flipV="1">
+            <a:off x="5583555" y="2546985"/>
+            <a:ext cx="534035" cy="10160"/>
+          </a:xfrm>
+          <a:prstGeom prst="straightConnector1">
+            <a:avLst/>
+          </a:prstGeom>
+          <a:ln>
+            <a:tailEnd type="arrow"/>
+          </a:ln>
+        </p:spPr>
+        <p:style>
+          <a:lnRef idx="2">
+            <a:schemeClr val="accent1"/>
+          </a:lnRef>
+          <a:fillRef idx="0">
+            <a:srgbClr val="FFFFFF"/>
+          </a:fillRef>
+          <a:effectRef idx="0">
+            <a:srgbClr val="FFFFFF"/>
+          </a:effectRef>
+          <a:fontRef idx="minor">
+            <a:schemeClr val="tx1"/>
+          </a:fontRef>
+        </p:style>
+      </p:cxnSp>
+      <p:sp>
+        <p:nvSpPr>
+          <p:cNvPr id="25" name="文本框 24"/>
+          <p:cNvSpPr txBox="1"/>
+          <p:nvPr/>
+        </p:nvSpPr>
+        <p:spPr>
+          <a:xfrm>
+            <a:off x="6162675" y="1610995"/>
+            <a:ext cx="353695" cy="1978025"/>
+          </a:xfrm>
+          <a:prstGeom prst="rect">
+            <a:avLst/>
+          </a:prstGeom>
+          <a:noFill/>
+        </p:spPr>
+        <p:txBody>
+          <a:bodyPr vert="mongolianVert" wrap="square" rtlCol="0" anchor="ctr" anchorCtr="0">
+            <a:noAutofit/>
+          </a:bodyPr>
+          <a:p>
+            <a:pPr algn="ctr"/>
+            <a:r>
+              <a:rPr lang="en-US" altLang="zh-CN"/>
+              <a:t>self-attention</a:t>
+            </a:r>
+            <a:endParaRPr lang="en-US" altLang="zh-CN"/>
+          </a:p>
+        </p:txBody>
+      </p:sp>
+      <p:sp>
+        <p:nvSpPr>
+          <p:cNvPr id="26" name="流程图: 可选过程 25"/>
+          <p:cNvSpPr/>
+          <p:nvPr/>
+        </p:nvSpPr>
+        <p:spPr>
+          <a:xfrm>
+            <a:off x="7120890" y="1643380"/>
+            <a:ext cx="462915" cy="1988820"/>
+          </a:xfrm>
+          <a:prstGeom prst="flowChartAlternateProcess">
+            <a:avLst/>
+          </a:prstGeom>
+          <a:solidFill>
+            <a:schemeClr val="accent6">
+              <a:lumMod val="20000"/>
+              <a:lumOff val="80000"/>
+            </a:schemeClr>
+          </a:solidFill>
+          <a:ln>
+            <a:solidFill>
+              <a:schemeClr val="accent6">
+                <a:lumMod val="20000"/>
+                <a:lumOff val="80000"/>
+              </a:schemeClr>
+            </a:solidFill>
+          </a:ln>
+        </p:spPr>
+        <p:style>
+          <a:lnRef idx="2">
+            <a:schemeClr val="accent1">
+              <a:lumMod val="75000"/>
+            </a:schemeClr>
+          </a:lnRef>
+          <a:fillRef idx="1">
+            <a:schemeClr val="accent1"/>
+          </a:fillRef>
+          <a:effectRef idx="0">
+            <a:srgbClr val="FFFFFF"/>
+          </a:effectRef>
+          <a:fontRef idx="minor">
+            <a:schemeClr val="lt1"/>
+          </a:fontRef>
+        </p:style>
+        <p:txBody>
+          <a:bodyPr rtlCol="0" anchor="ctr"/>
+          <a:p>
+            <a:pPr algn="ctr"/>
+            <a:endParaRPr lang="zh-CN" altLang="en-US"/>
+          </a:p>
+        </p:txBody>
+      </p:sp>
+      <p:cxnSp>
+        <p:nvCxnSpPr>
+          <p:cNvPr id="27" name="直接箭头连接符 26"/>
+          <p:cNvCxnSpPr/>
+          <p:nvPr/>
+        </p:nvCxnSpPr>
+        <p:spPr>
+          <a:xfrm flipV="1">
+            <a:off x="7590790" y="2553970"/>
+            <a:ext cx="1016000" cy="12700"/>
+          </a:xfrm>
+          <a:prstGeom prst="straightConnector1">
+            <a:avLst/>
+          </a:prstGeom>
+          <a:ln>
+            <a:tailEnd type="arrow"/>
+          </a:ln>
+        </p:spPr>
+        <p:style>
+          <a:lnRef idx="2">
+            <a:schemeClr val="accent1"/>
+          </a:lnRef>
+          <a:fillRef idx="0">
+            <a:srgbClr val="FFFFFF"/>
+          </a:fillRef>
+          <a:effectRef idx="0">
+            <a:srgbClr val="FFFFFF"/>
+          </a:effectRef>
+          <a:fontRef idx="minor">
+            <a:schemeClr val="tx1"/>
+          </a:fontRef>
+        </p:style>
+      </p:cxnSp>
+      <p:sp>
+        <p:nvSpPr>
+          <p:cNvPr id="28" name="文本框 27"/>
+          <p:cNvSpPr txBox="1"/>
+          <p:nvPr/>
+        </p:nvSpPr>
+        <p:spPr>
+          <a:xfrm>
+            <a:off x="7169785" y="1640205"/>
+            <a:ext cx="353695" cy="1978025"/>
+          </a:xfrm>
+          <a:prstGeom prst="rect">
+            <a:avLst/>
+          </a:prstGeom>
+          <a:noFill/>
+        </p:spPr>
+        <p:txBody>
+          <a:bodyPr vert="mongolianVert" wrap="square" rtlCol="0" anchor="ctr" anchorCtr="0">
+            <a:noAutofit/>
+          </a:bodyPr>
+          <a:p>
+            <a:pPr algn="ctr"/>
+            <a:r>
+              <a:rPr lang="en-US" altLang="zh-CN"/>
+              <a:t>FFN</a:t>
+            </a:r>
+            <a:endParaRPr lang="en-US" altLang="zh-CN"/>
+          </a:p>
+        </p:txBody>
+      </p:sp>
+      <p:cxnSp>
+        <p:nvCxnSpPr>
+          <p:cNvPr id="30" name="直接连接符 29"/>
+          <p:cNvCxnSpPr/>
+          <p:nvPr/>
+        </p:nvCxnSpPr>
+        <p:spPr>
+          <a:xfrm>
+            <a:off x="8184515" y="2576195"/>
+            <a:ext cx="7620" cy="1555750"/>
+          </a:xfrm>
+          <a:prstGeom prst="line">
+            <a:avLst/>
+          </a:prstGeom>
+        </p:spPr>
+        <p:style>
+          <a:lnRef idx="2">
+            <a:schemeClr val="accent1"/>
+          </a:lnRef>
+          <a:fillRef idx="0">
+            <a:srgbClr val="FFFFFF"/>
+          </a:fillRef>
+          <a:effectRef idx="0">
+            <a:srgbClr val="FFFFFF"/>
+          </a:effectRef>
+          <a:fontRef idx="minor">
+            <a:schemeClr val="tx1"/>
+          </a:fontRef>
+        </p:style>
+      </p:cxnSp>
+      <p:cxnSp>
+        <p:nvCxnSpPr>
+          <p:cNvPr id="31" name="直接连接符 30"/>
+          <p:cNvCxnSpPr/>
+          <p:nvPr/>
+        </p:nvCxnSpPr>
+        <p:spPr>
+          <a:xfrm flipV="1">
+            <a:off x="4547870" y="4124325"/>
+            <a:ext cx="3636010" cy="15240"/>
+          </a:xfrm>
+          <a:prstGeom prst="line">
+            <a:avLst/>
+          </a:prstGeom>
+        </p:spPr>
+        <p:style>
+          <a:lnRef idx="2">
+            <a:schemeClr val="accent1"/>
+          </a:lnRef>
+          <a:fillRef idx="0">
+            <a:srgbClr val="FFFFFF"/>
+          </a:fillRef>
+          <a:effectRef idx="0">
+            <a:srgbClr val="FFFFFF"/>
+          </a:effectRef>
+          <a:fontRef idx="minor">
+            <a:schemeClr val="tx1"/>
+          </a:fontRef>
+        </p:style>
+      </p:cxnSp>
+      <p:cxnSp>
+        <p:nvCxnSpPr>
+          <p:cNvPr id="32" name="直接箭头连接符 31"/>
+          <p:cNvCxnSpPr/>
+          <p:nvPr/>
+        </p:nvCxnSpPr>
+        <p:spPr>
+          <a:xfrm flipH="1" flipV="1">
+            <a:off x="4540250" y="3161665"/>
+            <a:ext cx="7620" cy="977900"/>
+          </a:xfrm>
+          <a:prstGeom prst="straightConnector1">
+            <a:avLst/>
+          </a:prstGeom>
+          <a:ln>
+            <a:tailEnd type="arrow"/>
+          </a:ln>
+        </p:spPr>
+        <p:style>
+          <a:lnRef idx="2">
+            <a:schemeClr val="accent1"/>
+          </a:lnRef>
+          <a:fillRef idx="0">
+            <a:srgbClr val="FFFFFF"/>
+          </a:fillRef>
+          <a:effectRef idx="0">
+            <a:srgbClr val="FFFFFF"/>
+          </a:effectRef>
+          <a:fontRef idx="minor">
+            <a:schemeClr val="tx1"/>
+          </a:fontRef>
+        </p:style>
+      </p:cxnSp>
+    </p:spTree>
+    <p:custDataLst>
+      <p:tags r:id="rId2"/>
     </p:custDataLst>
   </p:cSld>
   <p:clrMapOvr>
@@ -9693,9 +12064,8 @@
 
 <file path=ppt/tags/tag68.xml><?xml version="1.0" encoding="utf-8"?>
 <p:tagLst xmlns:p="http://schemas.openxmlformats.org/presentationml/2006/main">
-  <p:tag name="KSO_WM_BEAUTIFY_FLAG" val="#wm#"/>
-  <p:tag name="KSO_WM_TEMPLATE_CATEGORY" val="custom"/>
-  <p:tag name="KSO_WM_TEMPLATE_INDEX" val="20205081"/>
+  <p:tag name="TABLE_ENDDRAG_ORIGIN_RECT" val="642*267"/>
+  <p:tag name="TABLE_ENDDRAG_RECT" val="99*201*642*267"/>
 </p:tagLst>
 </file>
 
@@ -9717,6 +12087,45 @@
   <p:tag name="KSO_WM_UNIT_LAYERLEVEL" val="1"/>
   <p:tag name="KSO_WM_TAG_VERSION" val="1.0"/>
   <p:tag name="KSO_WM_BEAUTIFY_FLAG" val="#wm#"/>
+</p:tagLst>
+</file>
+
+<file path=ppt/tags/tag70.xml><?xml version="1.0" encoding="utf-8"?>
+<p:tagLst xmlns:p="http://schemas.openxmlformats.org/presentationml/2006/main">
+  <p:tag name="TABLE_ENDDRAG_ORIGIN_RECT" val="760*238"/>
+  <p:tag name="TABLE_ENDDRAG_RECT" val="119*227*760*238"/>
+</p:tagLst>
+</file>
+
+<file path=ppt/tags/tag71.xml><?xml version="1.0" encoding="utf-8"?>
+<p:tagLst xmlns:p="http://schemas.openxmlformats.org/presentationml/2006/main">
+  <p:tag name="KSO_WM_BEAUTIFY_FLAG" val="#wm#"/>
+  <p:tag name="KSO_WM_TEMPLATE_CATEGORY" val="custom"/>
+  <p:tag name="KSO_WM_TEMPLATE_INDEX" val="20205081"/>
+</p:tagLst>
+</file>
+
+<file path=ppt/tags/tag72.xml><?xml version="1.0" encoding="utf-8"?>
+<p:tagLst xmlns:p="http://schemas.openxmlformats.org/presentationml/2006/main">
+  <p:tag name="KSO_WM_BEAUTIFY_FLAG" val="#wm#"/>
+  <p:tag name="KSO_WM_TEMPLATE_CATEGORY" val="custom"/>
+  <p:tag name="KSO_WM_TEMPLATE_INDEX" val="20205081"/>
+</p:tagLst>
+</file>
+
+<file path=ppt/tags/tag73.xml><?xml version="1.0" encoding="utf-8"?>
+<p:tagLst xmlns:p="http://schemas.openxmlformats.org/presentationml/2006/main">
+  <p:tag name="KSO_WM_BEAUTIFY_FLAG" val="#wm#"/>
+  <p:tag name="KSO_WM_TEMPLATE_CATEGORY" val="custom"/>
+  <p:tag name="KSO_WM_TEMPLATE_INDEX" val="20205081"/>
+</p:tagLst>
+</file>
+
+<file path=ppt/tags/tag74.xml><?xml version="1.0" encoding="utf-8"?>
+<p:tagLst xmlns:p="http://schemas.openxmlformats.org/presentationml/2006/main">
+  <p:tag name="KSO_WM_BEAUTIFY_FLAG" val="#wm#"/>
+  <p:tag name="KSO_WM_TEMPLATE_CATEGORY" val="custom"/>
+  <p:tag name="KSO_WM_TEMPLATE_INDEX" val="20205081"/>
 </p:tagLst>
 </file>
 
